--- a/TestingPresentation.pptx
+++ b/TestingPresentation.pptx
@@ -5191,8 +5191,8 @@
         </p:nvSpPr>
         <p:spPr>
           <a:xfrm>
-            <a:off x="8509453" y="6488668"/>
-            <a:ext cx="3682547" cy="369332"/>
+            <a:off x="2662518" y="6211669"/>
+            <a:ext cx="9529482" cy="646331"/>
           </a:xfrm>
           <a:prstGeom prst="rect">
             <a:avLst/>
@@ -5200,15 +5200,30 @@
           <a:noFill/>
         </p:spPr>
         <p:txBody>
-          <a:bodyPr wrap="none" rtlCol="0">
+          <a:bodyPr wrap="square" rtlCol="0">
             <a:spAutoFit/>
           </a:bodyPr>
           <a:lstStyle/>
           <a:p>
+            <a:pPr algn="r"/>
             <a:r>
               <a:rPr lang="en-US" dirty="0"/>
               <a:t>Reginald Johnson – 19 February 2019</a:t>
             </a:r>
+          </a:p>
+          <a:p>
+            <a:pPr algn="r"/>
+            <a:r>
+              <a:rPr lang="en-US" dirty="0"/>
+              <a:t>Presentation and example code can be found at </a:t>
+            </a:r>
+            <a:r>
+              <a:rPr lang="en-US" dirty="0">
+                <a:hlinkClick r:id="rId3"/>
+              </a:rPr>
+              <a:t>https://github.com/reggie3/testing-examples</a:t>
+            </a:r>
+            <a:endParaRPr lang="en-US" dirty="0"/>
           </a:p>
         </p:txBody>
       </p:sp>

--- a/TestingPresentation.pptx
+++ b/TestingPresentation.pptx
@@ -12,8 +12,8 @@
     <p:sldId id="257" r:id="rId3"/>
     <p:sldId id="272" r:id="rId4"/>
     <p:sldId id="260" r:id="rId5"/>
-    <p:sldId id="261" r:id="rId6"/>
-    <p:sldId id="271" r:id="rId7"/>
+    <p:sldId id="271" r:id="rId6"/>
+    <p:sldId id="261" r:id="rId7"/>
     <p:sldId id="274" r:id="rId8"/>
     <p:sldId id="258" r:id="rId9"/>
     <p:sldId id="267" r:id="rId10"/>
@@ -29,7 +29,7 @@
     <p:sldId id="270" r:id="rId20"/>
   </p:sldIdLst>
   <p:sldSz cx="12192000" cy="6858000"/>
-  <p:notesSz cx="6858000" cy="9144000"/>
+  <p:notesSz cx="7010400" cy="9296400"/>
   <p:defaultTextStyle>
     <a:defPPr>
       <a:defRPr lang="en-US"/>
@@ -163,14 +163,14 @@
         <p:spPr>
           <a:xfrm>
             <a:off x="0" y="0"/>
-            <a:ext cx="2971800" cy="458788"/>
+            <a:ext cx="3037840" cy="466434"/>
           </a:xfrm>
           <a:prstGeom prst="rect">
             <a:avLst/>
           </a:prstGeom>
         </p:spPr>
         <p:txBody>
-          <a:bodyPr vert="horz" lIns="91440" tIns="45720" rIns="91440" bIns="45720" rtlCol="0"/>
+          <a:bodyPr vert="horz" lIns="93177" tIns="46589" rIns="93177" bIns="46589" rtlCol="0"/>
           <a:lstStyle>
             <a:lvl1pPr algn="l">
               <a:defRPr sz="1200"/>
@@ -193,15 +193,15 @@
         </p:nvSpPr>
         <p:spPr>
           <a:xfrm>
-            <a:off x="3884613" y="0"/>
-            <a:ext cx="2971800" cy="458788"/>
+            <a:off x="3970938" y="0"/>
+            <a:ext cx="3037840" cy="466434"/>
           </a:xfrm>
           <a:prstGeom prst="rect">
             <a:avLst/>
           </a:prstGeom>
         </p:spPr>
         <p:txBody>
-          <a:bodyPr vert="horz" lIns="91440" tIns="45720" rIns="91440" bIns="45720" rtlCol="0"/>
+          <a:bodyPr vert="horz" lIns="93177" tIns="46589" rIns="93177" bIns="46589" rtlCol="0"/>
           <a:lstStyle>
             <a:lvl1pPr algn="r">
               <a:defRPr sz="1200"/>
@@ -228,8 +228,8 @@
         </p:nvSpPr>
         <p:spPr>
           <a:xfrm>
-            <a:off x="685800" y="1143000"/>
-            <a:ext cx="5486400" cy="3086100"/>
+            <a:off x="717550" y="1162050"/>
+            <a:ext cx="5575300" cy="3136900"/>
           </a:xfrm>
           <a:prstGeom prst="rect">
             <a:avLst/>
@@ -242,7 +242,7 @@
           </a:ln>
         </p:spPr>
         <p:txBody>
-          <a:bodyPr vert="horz" lIns="91440" tIns="45720" rIns="91440" bIns="45720" rtlCol="0" anchor="ctr"/>
+          <a:bodyPr vert="horz" lIns="93177" tIns="46589" rIns="93177" bIns="46589" rtlCol="0" anchor="ctr"/>
           <a:lstStyle/>
           <a:p>
             <a:endParaRPr lang="en-US"/>
@@ -261,15 +261,15 @@
         </p:nvSpPr>
         <p:spPr>
           <a:xfrm>
-            <a:off x="685800" y="4400550"/>
-            <a:ext cx="5486400" cy="3600450"/>
+            <a:off x="701040" y="4473892"/>
+            <a:ext cx="5608320" cy="3660458"/>
           </a:xfrm>
           <a:prstGeom prst="rect">
             <a:avLst/>
           </a:prstGeom>
         </p:spPr>
         <p:txBody>
-          <a:bodyPr vert="horz" lIns="91440" tIns="45720" rIns="91440" bIns="45720" rtlCol="0"/>
+          <a:bodyPr vert="horz" lIns="93177" tIns="46589" rIns="93177" bIns="46589" rtlCol="0"/>
           <a:lstStyle/>
           <a:p>
             <a:pPr lvl="0"/>
@@ -320,15 +320,15 @@
         </p:nvSpPr>
         <p:spPr>
           <a:xfrm>
-            <a:off x="0" y="8685213"/>
-            <a:ext cx="2971800" cy="458787"/>
+            <a:off x="0" y="8829967"/>
+            <a:ext cx="3037840" cy="466433"/>
           </a:xfrm>
           <a:prstGeom prst="rect">
             <a:avLst/>
           </a:prstGeom>
         </p:spPr>
         <p:txBody>
-          <a:bodyPr vert="horz" lIns="91440" tIns="45720" rIns="91440" bIns="45720" rtlCol="0" anchor="b"/>
+          <a:bodyPr vert="horz" lIns="93177" tIns="46589" rIns="93177" bIns="46589" rtlCol="0" anchor="b"/>
           <a:lstStyle>
             <a:lvl1pPr algn="l">
               <a:defRPr sz="1200"/>
@@ -351,15 +351,15 @@
         </p:nvSpPr>
         <p:spPr>
           <a:xfrm>
-            <a:off x="3884613" y="8685213"/>
-            <a:ext cx="2971800" cy="458787"/>
+            <a:off x="3970938" y="8829967"/>
+            <a:ext cx="3037840" cy="466433"/>
           </a:xfrm>
           <a:prstGeom prst="rect">
             <a:avLst/>
           </a:prstGeom>
         </p:spPr>
         <p:txBody>
-          <a:bodyPr vert="horz" lIns="91440" tIns="45720" rIns="91440" bIns="45720" rtlCol="0" anchor="b"/>
+          <a:bodyPr vert="horz" lIns="93177" tIns="46589" rIns="93177" bIns="46589" rtlCol="0" anchor="b"/>
           <a:lstStyle>
             <a:lvl1pPr algn="r">
               <a:defRPr sz="1200"/>
@@ -613,7 +613,23 @@
           <a:p>
             <a:r>
               <a:rPr lang="en-US" dirty="0"/>
-              <a:t>In this example</a:t>
+              <a:t>Mocking lets us replace a chunk of code like a package that we don’t want to test with a function that provides the results that we need for our test.  Some of the mocks in Atlas are the </a:t>
+            </a:r>
+            <a:r>
+              <a:rPr lang="en-US" dirty="0" err="1"/>
+              <a:t>TestContext</a:t>
+            </a:r>
+            <a:r>
+              <a:rPr lang="en-US" dirty="0"/>
+              <a:t> and a mock color </a:t>
+            </a:r>
+            <a:r>
+              <a:rPr lang="en-US" dirty="0" err="1"/>
+              <a:t>schema</a:t>
+            </a:r>
+            <a:r>
+              <a:rPr lang="en-US" dirty="0"/>
+              <a:t>.  Additionally, Jest exposes several methods to mock functions and return desired values that facilitate testing.</a:t>
             </a:r>
           </a:p>
           <a:p>
@@ -622,42 +638,15 @@
           <a:p>
             <a:r>
               <a:rPr lang="en-US" dirty="0"/>
-              <a:t>The ChatContainer component is rendered on line 7</a:t>
-            </a:r>
-          </a:p>
-          <a:p>
-            <a:endParaRPr lang="en-US" dirty="0"/>
-          </a:p>
-          <a:p>
+              <a:t>One could even mock service calls in atlas; specifically </a:t>
+            </a:r>
+            <a:r>
+              <a:rPr lang="en-US" dirty="0" err="1"/>
+              <a:t>this.appContext.getServiceExecutor</a:t>
+            </a:r>
             <a:r>
               <a:rPr lang="en-US" dirty="0"/>
-              <a:t>Lines 8 through 10 get handles to various components based on their </a:t>
-            </a:r>
-            <a:r>
-              <a:rPr lang="en-US" dirty="0" err="1"/>
-              <a:t>TestIDs</a:t>
-            </a:r>
-            <a:r>
-              <a:rPr lang="en-US" dirty="0"/>
-              <a:t> which is a Prop available on React Native primitives</a:t>
-            </a:r>
-          </a:p>
-          <a:p>
-            <a:endParaRPr lang="en-US" dirty="0"/>
-          </a:p>
-          <a:p>
-            <a:r>
-              <a:rPr lang="en-US" dirty="0"/>
-              <a:t>We then start making assumptions and firing events</a:t>
-            </a:r>
-          </a:p>
-          <a:p>
-            <a:endParaRPr lang="en-US" dirty="0"/>
-          </a:p>
-          <a:p>
-            <a:r>
-              <a:rPr lang="en-US" dirty="0"/>
-              <a:t>This single 29-line integration test confirms the functionality of the entire chat feature that is shown in this video</a:t>
+              <a:t>().execute so that a service call provides a defined response which will enable testing the result of API calls.  This will let us test our component’s behavior based on different service call responses without interacting with the service layer</a:t>
             </a:r>
           </a:p>
         </p:txBody>
@@ -679,7 +668,7 @@
           <a:p>
             <a:fld id="{70A52B97-C007-4F11-8E16-85F4916BE383}" type="slidenum">
               <a:rPr lang="en-US" smtClean="0"/>
-              <a:t>14</a:t>
+              <a:t>10</a:t>
             </a:fld>
             <a:endParaRPr lang="en-US"/>
           </a:p>
@@ -688,7 +677,7 @@
     </p:spTree>
     <p:extLst>
       <p:ext uri="{BB962C8B-B14F-4D97-AF65-F5344CB8AC3E}">
-        <p14:creationId xmlns:p14="http://schemas.microsoft.com/office/powerpoint/2010/main" val="3512601192"/>
+        <p14:creationId xmlns:p14="http://schemas.microsoft.com/office/powerpoint/2010/main" val="1508585746"/>
       </p:ext>
     </p:extLst>
   </p:cSld>
@@ -744,7 +733,7 @@
           <a:p>
             <a:r>
               <a:rPr lang="en-US" dirty="0"/>
-              <a:t>The final type of test we’ll discuss is snapshot testing.</a:t>
+              <a:t>A component must be rendered in order to tests it’s React elements.  </a:t>
             </a:r>
           </a:p>
           <a:p>
@@ -753,7 +742,37 @@
           <a:p>
             <a:r>
               <a:rPr lang="en-US" dirty="0"/>
-              <a:t>It is used to compare current information with previously saved information.  </a:t>
+              <a:t>The test structure is very similar to the other tests that we’ve seen so far with just a few differences:</a:t>
+            </a:r>
+          </a:p>
+          <a:p>
+            <a:r>
+              <a:rPr lang="en-US" dirty="0"/>
+              <a:t>In this example we’re using the @testing-library to render the LandingScreen component.  And </a:t>
+            </a:r>
+            <a:r>
+              <a:rPr lang="en-US" dirty="0" err="1"/>
+              <a:t>destructuring</a:t>
+            </a:r>
+            <a:r>
+              <a:rPr lang="en-US" dirty="0"/>
+              <a:t> the “</a:t>
+            </a:r>
+            <a:r>
+              <a:rPr lang="en-US" dirty="0" err="1"/>
+              <a:t>queryByText</a:t>
+            </a:r>
+            <a:r>
+              <a:rPr lang="en-US" dirty="0"/>
+              <a:t>” function from the resulting object.  There are several other functions that could be </a:t>
+            </a:r>
+            <a:r>
+              <a:rPr lang="en-US" dirty="0" err="1"/>
+              <a:t>destructured</a:t>
+            </a:r>
+            <a:r>
+              <a:rPr lang="en-US" dirty="0"/>
+              <a:t>, and we’ll see some more shortly.</a:t>
             </a:r>
           </a:p>
           <a:p>
@@ -762,7 +781,34 @@
           <a:p>
             <a:r>
               <a:rPr lang="en-US" dirty="0"/>
-              <a:t>It can be used to compare React render trees or objects output as functions,</a:t>
+              <a:t>The LandingScreen component is receiving the </a:t>
+            </a:r>
+            <a:r>
+              <a:rPr lang="en-US" dirty="0">
+                <a:solidFill>
+                  <a:srgbClr val="9CDCFE"/>
+                </a:solidFill>
+                <a:latin typeface="Consolas" panose="020B0609020204030204" pitchFamily="49" charset="0"/>
+              </a:rPr>
+              <a:t>landingScreenProps</a:t>
+            </a:r>
+            <a:r>
+              <a:rPr lang="en-US" dirty="0"/>
+              <a:t> object and setting that as the component props</a:t>
+            </a:r>
+          </a:p>
+          <a:p>
+            <a:r>
+              <a:rPr lang="en-US" dirty="0"/>
+              <a:t>We’re also setting some initial app state to set the global </a:t>
+            </a:r>
+            <a:r>
+              <a:rPr lang="en-US" dirty="0" err="1"/>
+              <a:t>isSignedIn</a:t>
+            </a:r>
+            <a:r>
+              <a:rPr lang="en-US" dirty="0"/>
+              <a:t> variable to false</a:t>
             </a:r>
           </a:p>
           <a:p>
@@ -771,16 +817,23 @@
           <a:p>
             <a:r>
               <a:rPr lang="en-US" dirty="0"/>
-              <a:t>And the test fail if the current snapshot does not match the previous snapshot</a:t>
-            </a:r>
-          </a:p>
-          <a:p>
-            <a:endParaRPr lang="en-US" dirty="0"/>
-          </a:p>
-          <a:p>
+              <a:t>Then, in the test assertion, we’re using the “</a:t>
+            </a:r>
+            <a:r>
+              <a:rPr lang="en-US" dirty="0" err="1"/>
+              <a:t>queryByText</a:t>
+            </a:r>
             <a:r>
               <a:rPr lang="en-US" dirty="0"/>
-              <a:t>Because of this, snapshot tests are good to add near a component or function’s completion</a:t>
+              <a:t>” function from @testing-library to determine if the rendered Component contains the </a:t>
+            </a:r>
+            <a:r>
+              <a:rPr lang="en-US" dirty="0" err="1"/>
+              <a:t>signIn</a:t>
+            </a:r>
+            <a:r>
+              <a:rPr lang="en-US" dirty="0"/>
+              <a:t> label on the screen.  In this case we expect that string that to be rendered, so we use the “toBeTruthy” matcher to test that assertion</a:t>
             </a:r>
           </a:p>
         </p:txBody>
@@ -802,7 +855,7 @@
           <a:p>
             <a:fld id="{70A52B97-C007-4F11-8E16-85F4916BE383}" type="slidenum">
               <a:rPr lang="en-US" smtClean="0"/>
-              <a:t>15</a:t>
+              <a:t>11</a:t>
             </a:fld>
             <a:endParaRPr lang="en-US"/>
           </a:p>
@@ -811,7 +864,7 @@
     </p:spTree>
     <p:extLst>
       <p:ext uri="{BB962C8B-B14F-4D97-AF65-F5344CB8AC3E}">
-        <p14:creationId xmlns:p14="http://schemas.microsoft.com/office/powerpoint/2010/main" val="343593201"/>
+        <p14:creationId xmlns:p14="http://schemas.microsoft.com/office/powerpoint/2010/main" val="2274909389"/>
       </p:ext>
     </p:extLst>
   </p:cSld>
@@ -865,10 +918,7 @@
           <a:bodyPr/>
           <a:lstStyle/>
           <a:p>
-            <a:r>
-              <a:rPr lang="en-US" dirty="0"/>
-              <a:t>The biggest take away when using snapshot testing is to not update the saved snapshot after a failed unless you know why the test failed.</a:t>
-            </a:r>
+            <a:endParaRPr lang="en-US"/>
           </a:p>
         </p:txBody>
       </p:sp>
@@ -889,6 +939,461 @@
           <a:p>
             <a:fld id="{70A52B97-C007-4F11-8E16-85F4916BE383}" type="slidenum">
               <a:rPr lang="en-US" smtClean="0"/>
+              <a:t>12</a:t>
+            </a:fld>
+            <a:endParaRPr lang="en-US"/>
+          </a:p>
+        </p:txBody>
+      </p:sp>
+    </p:spTree>
+    <p:extLst>
+      <p:ext uri="{BB962C8B-B14F-4D97-AF65-F5344CB8AC3E}">
+        <p14:creationId xmlns:p14="http://schemas.microsoft.com/office/powerpoint/2010/main" val="1575318374"/>
+      </p:ext>
+    </p:extLst>
+  </p:cSld>
+  <p:clrMapOvr>
+    <a:masterClrMapping/>
+  </p:clrMapOvr>
+</p:notes>
+</file>
+
+<file path=ppt/notesSlides/notesSlide13.xml><?xml version="1.0" encoding="utf-8"?>
+<p:notes xmlns:a="http://schemas.openxmlformats.org/drawingml/2006/main" xmlns:r="http://schemas.openxmlformats.org/officeDocument/2006/relationships" xmlns:p="http://schemas.openxmlformats.org/presentationml/2006/main">
+  <p:cSld>
+    <p:spTree>
+      <p:nvGrpSpPr>
+        <p:cNvPr id="1" name=""/>
+        <p:cNvGrpSpPr/>
+        <p:nvPr/>
+      </p:nvGrpSpPr>
+      <p:grpSpPr>
+        <a:xfrm>
+          <a:off x="0" y="0"/>
+          <a:ext cx="0" cy="0"/>
+          <a:chOff x="0" y="0"/>
+          <a:chExt cx="0" cy="0"/>
+        </a:xfrm>
+      </p:grpSpPr>
+      <p:sp>
+        <p:nvSpPr>
+          <p:cNvPr id="2" name="Slide Image Placeholder 1"/>
+          <p:cNvSpPr>
+            <a:spLocks noGrp="1" noRot="1" noChangeAspect="1"/>
+          </p:cNvSpPr>
+          <p:nvPr>
+            <p:ph type="sldImg"/>
+          </p:nvPr>
+        </p:nvSpPr>
+        <p:spPr/>
+      </p:sp>
+      <p:sp>
+        <p:nvSpPr>
+          <p:cNvPr id="3" name="Notes Placeholder 2"/>
+          <p:cNvSpPr>
+            <a:spLocks noGrp="1"/>
+          </p:cNvSpPr>
+          <p:nvPr>
+            <p:ph type="body" idx="1"/>
+          </p:nvPr>
+        </p:nvSpPr>
+        <p:spPr/>
+        <p:txBody>
+          <a:bodyPr/>
+          <a:lstStyle/>
+          <a:p>
+            <a:r>
+              <a:rPr lang="en-US" dirty="0"/>
+              <a:t>Integration testing is good for testing interactions between multiple components, functions, etc.  However, since we’re testing multiple items at one time, it can be difficult to find individual broken items that result in a test failure.</a:t>
+            </a:r>
+          </a:p>
+          <a:p>
+            <a:endParaRPr lang="en-US" dirty="0"/>
+          </a:p>
+          <a:p>
+            <a:r>
+              <a:rPr lang="en-US" dirty="0"/>
+              <a:t>Integration tests follow a basic pattern:</a:t>
+            </a:r>
+          </a:p>
+          <a:p>
+            <a:r>
+              <a:rPr lang="en-US" dirty="0"/>
+              <a:t>First, we render the top-level component,</a:t>
+            </a:r>
+          </a:p>
+          <a:p>
+            <a:r>
+              <a:rPr lang="en-US" dirty="0"/>
+              <a:t>Then we get handles to children components that we want to interact with or make assertions against</a:t>
+            </a:r>
+          </a:p>
+          <a:p>
+            <a:r>
+              <a:rPr lang="en-US" dirty="0"/>
+              <a:t>Next, perform actions on those components and make assertions against component state based on those actions</a:t>
+            </a:r>
+          </a:p>
+        </p:txBody>
+      </p:sp>
+      <p:sp>
+        <p:nvSpPr>
+          <p:cNvPr id="4" name="Slide Number Placeholder 3"/>
+          <p:cNvSpPr>
+            <a:spLocks noGrp="1"/>
+          </p:cNvSpPr>
+          <p:nvPr>
+            <p:ph type="sldNum" sz="quarter" idx="5"/>
+          </p:nvPr>
+        </p:nvSpPr>
+        <p:spPr/>
+        <p:txBody>
+          <a:bodyPr/>
+          <a:lstStyle/>
+          <a:p>
+            <a:fld id="{70A52B97-C007-4F11-8E16-85F4916BE383}" type="slidenum">
+              <a:rPr lang="en-US" smtClean="0"/>
+              <a:t>13</a:t>
+            </a:fld>
+            <a:endParaRPr lang="en-US"/>
+          </a:p>
+        </p:txBody>
+      </p:sp>
+    </p:spTree>
+    <p:extLst>
+      <p:ext uri="{BB962C8B-B14F-4D97-AF65-F5344CB8AC3E}">
+        <p14:creationId xmlns:p14="http://schemas.microsoft.com/office/powerpoint/2010/main" val="2437428486"/>
+      </p:ext>
+    </p:extLst>
+  </p:cSld>
+  <p:clrMapOvr>
+    <a:masterClrMapping/>
+  </p:clrMapOvr>
+</p:notes>
+</file>
+
+<file path=ppt/notesSlides/notesSlide14.xml><?xml version="1.0" encoding="utf-8"?>
+<p:notes xmlns:a="http://schemas.openxmlformats.org/drawingml/2006/main" xmlns:r="http://schemas.openxmlformats.org/officeDocument/2006/relationships" xmlns:p="http://schemas.openxmlformats.org/presentationml/2006/main">
+  <p:cSld>
+    <p:spTree>
+      <p:nvGrpSpPr>
+        <p:cNvPr id="1" name=""/>
+        <p:cNvGrpSpPr/>
+        <p:nvPr/>
+      </p:nvGrpSpPr>
+      <p:grpSpPr>
+        <a:xfrm>
+          <a:off x="0" y="0"/>
+          <a:ext cx="0" cy="0"/>
+          <a:chOff x="0" y="0"/>
+          <a:chExt cx="0" cy="0"/>
+        </a:xfrm>
+      </p:grpSpPr>
+      <p:sp>
+        <p:nvSpPr>
+          <p:cNvPr id="2" name="Slide Image Placeholder 1"/>
+          <p:cNvSpPr>
+            <a:spLocks noGrp="1" noRot="1" noChangeAspect="1"/>
+          </p:cNvSpPr>
+          <p:nvPr>
+            <p:ph type="sldImg"/>
+          </p:nvPr>
+        </p:nvSpPr>
+        <p:spPr/>
+      </p:sp>
+      <p:sp>
+        <p:nvSpPr>
+          <p:cNvPr id="3" name="Notes Placeholder 2"/>
+          <p:cNvSpPr>
+            <a:spLocks noGrp="1"/>
+          </p:cNvSpPr>
+          <p:nvPr>
+            <p:ph type="body" idx="1"/>
+          </p:nvPr>
+        </p:nvSpPr>
+        <p:spPr/>
+        <p:txBody>
+          <a:bodyPr/>
+          <a:lstStyle/>
+          <a:p>
+            <a:r>
+              <a:rPr lang="en-US" dirty="0"/>
+              <a:t>In this example</a:t>
+            </a:r>
+          </a:p>
+          <a:p>
+            <a:endParaRPr lang="en-US" dirty="0"/>
+          </a:p>
+          <a:p>
+            <a:r>
+              <a:rPr lang="en-US" dirty="0"/>
+              <a:t>The ChatContainer component is rendered on line 7</a:t>
+            </a:r>
+          </a:p>
+          <a:p>
+            <a:endParaRPr lang="en-US" dirty="0"/>
+          </a:p>
+          <a:p>
+            <a:r>
+              <a:rPr lang="en-US" dirty="0"/>
+              <a:t>Lines 8 through 10 get handles to various components based on their </a:t>
+            </a:r>
+            <a:r>
+              <a:rPr lang="en-US" dirty="0" err="1"/>
+              <a:t>TestIDs</a:t>
+            </a:r>
+            <a:r>
+              <a:rPr lang="en-US" dirty="0"/>
+              <a:t> which is a Prop available on React Native primitives</a:t>
+            </a:r>
+          </a:p>
+          <a:p>
+            <a:endParaRPr lang="en-US" dirty="0"/>
+          </a:p>
+          <a:p>
+            <a:r>
+              <a:rPr lang="en-US" dirty="0"/>
+              <a:t>We then start making assumptions and firing events</a:t>
+            </a:r>
+          </a:p>
+          <a:p>
+            <a:endParaRPr lang="en-US" dirty="0"/>
+          </a:p>
+          <a:p>
+            <a:r>
+              <a:rPr lang="en-US" dirty="0"/>
+              <a:t>This single 29-line integration test confirms the functionality of the entire chat feature that is shown in this video</a:t>
+            </a:r>
+          </a:p>
+        </p:txBody>
+      </p:sp>
+      <p:sp>
+        <p:nvSpPr>
+          <p:cNvPr id="4" name="Slide Number Placeholder 3"/>
+          <p:cNvSpPr>
+            <a:spLocks noGrp="1"/>
+          </p:cNvSpPr>
+          <p:nvPr>
+            <p:ph type="sldNum" sz="quarter" idx="5"/>
+          </p:nvPr>
+        </p:nvSpPr>
+        <p:spPr/>
+        <p:txBody>
+          <a:bodyPr/>
+          <a:lstStyle/>
+          <a:p>
+            <a:fld id="{70A52B97-C007-4F11-8E16-85F4916BE383}" type="slidenum">
+              <a:rPr lang="en-US" smtClean="0"/>
+              <a:t>14</a:t>
+            </a:fld>
+            <a:endParaRPr lang="en-US"/>
+          </a:p>
+        </p:txBody>
+      </p:sp>
+    </p:spTree>
+    <p:extLst>
+      <p:ext uri="{BB962C8B-B14F-4D97-AF65-F5344CB8AC3E}">
+        <p14:creationId xmlns:p14="http://schemas.microsoft.com/office/powerpoint/2010/main" val="3512601192"/>
+      </p:ext>
+    </p:extLst>
+  </p:cSld>
+  <p:clrMapOvr>
+    <a:masterClrMapping/>
+  </p:clrMapOvr>
+</p:notes>
+</file>
+
+<file path=ppt/notesSlides/notesSlide15.xml><?xml version="1.0" encoding="utf-8"?>
+<p:notes xmlns:a="http://schemas.openxmlformats.org/drawingml/2006/main" xmlns:r="http://schemas.openxmlformats.org/officeDocument/2006/relationships" xmlns:p="http://schemas.openxmlformats.org/presentationml/2006/main">
+  <p:cSld>
+    <p:spTree>
+      <p:nvGrpSpPr>
+        <p:cNvPr id="1" name=""/>
+        <p:cNvGrpSpPr/>
+        <p:nvPr/>
+      </p:nvGrpSpPr>
+      <p:grpSpPr>
+        <a:xfrm>
+          <a:off x="0" y="0"/>
+          <a:ext cx="0" cy="0"/>
+          <a:chOff x="0" y="0"/>
+          <a:chExt cx="0" cy="0"/>
+        </a:xfrm>
+      </p:grpSpPr>
+      <p:sp>
+        <p:nvSpPr>
+          <p:cNvPr id="2" name="Slide Image Placeholder 1"/>
+          <p:cNvSpPr>
+            <a:spLocks noGrp="1" noRot="1" noChangeAspect="1"/>
+          </p:cNvSpPr>
+          <p:nvPr>
+            <p:ph type="sldImg"/>
+          </p:nvPr>
+        </p:nvSpPr>
+        <p:spPr/>
+      </p:sp>
+      <p:sp>
+        <p:nvSpPr>
+          <p:cNvPr id="3" name="Notes Placeholder 2"/>
+          <p:cNvSpPr>
+            <a:spLocks noGrp="1"/>
+          </p:cNvSpPr>
+          <p:nvPr>
+            <p:ph type="body" idx="1"/>
+          </p:nvPr>
+        </p:nvSpPr>
+        <p:spPr/>
+        <p:txBody>
+          <a:bodyPr/>
+          <a:lstStyle/>
+          <a:p>
+            <a:r>
+              <a:rPr lang="en-US" dirty="0"/>
+              <a:t>The final type of test we’ll discuss is snapshot testing.</a:t>
+            </a:r>
+          </a:p>
+          <a:p>
+            <a:endParaRPr lang="en-US" dirty="0"/>
+          </a:p>
+          <a:p>
+            <a:r>
+              <a:rPr lang="en-US" dirty="0"/>
+              <a:t>It is used to compare current information with previously saved information.  </a:t>
+            </a:r>
+          </a:p>
+          <a:p>
+            <a:endParaRPr lang="en-US" dirty="0"/>
+          </a:p>
+          <a:p>
+            <a:r>
+              <a:rPr lang="en-US" dirty="0"/>
+              <a:t>It can be used to compare React render trees or objects output as functions,</a:t>
+            </a:r>
+          </a:p>
+          <a:p>
+            <a:endParaRPr lang="en-US" dirty="0"/>
+          </a:p>
+          <a:p>
+            <a:r>
+              <a:rPr lang="en-US" dirty="0"/>
+              <a:t>And the test fail if the current snapshot does not match the previous snapshot</a:t>
+            </a:r>
+          </a:p>
+          <a:p>
+            <a:endParaRPr lang="en-US" dirty="0"/>
+          </a:p>
+          <a:p>
+            <a:r>
+              <a:rPr lang="en-US" dirty="0"/>
+              <a:t>Because of this, snapshot tests are good to add near a component or function’s completion</a:t>
+            </a:r>
+          </a:p>
+        </p:txBody>
+      </p:sp>
+      <p:sp>
+        <p:nvSpPr>
+          <p:cNvPr id="4" name="Slide Number Placeholder 3"/>
+          <p:cNvSpPr>
+            <a:spLocks noGrp="1"/>
+          </p:cNvSpPr>
+          <p:nvPr>
+            <p:ph type="sldNum" sz="quarter" idx="5"/>
+          </p:nvPr>
+        </p:nvSpPr>
+        <p:spPr/>
+        <p:txBody>
+          <a:bodyPr/>
+          <a:lstStyle/>
+          <a:p>
+            <a:fld id="{70A52B97-C007-4F11-8E16-85F4916BE383}" type="slidenum">
+              <a:rPr lang="en-US" smtClean="0"/>
+              <a:t>15</a:t>
+            </a:fld>
+            <a:endParaRPr lang="en-US"/>
+          </a:p>
+        </p:txBody>
+      </p:sp>
+    </p:spTree>
+    <p:extLst>
+      <p:ext uri="{BB962C8B-B14F-4D97-AF65-F5344CB8AC3E}">
+        <p14:creationId xmlns:p14="http://schemas.microsoft.com/office/powerpoint/2010/main" val="343593201"/>
+      </p:ext>
+    </p:extLst>
+  </p:cSld>
+  <p:clrMapOvr>
+    <a:masterClrMapping/>
+  </p:clrMapOvr>
+</p:notes>
+</file>
+
+<file path=ppt/notesSlides/notesSlide16.xml><?xml version="1.0" encoding="utf-8"?>
+<p:notes xmlns:a="http://schemas.openxmlformats.org/drawingml/2006/main" xmlns:r="http://schemas.openxmlformats.org/officeDocument/2006/relationships" xmlns:p="http://schemas.openxmlformats.org/presentationml/2006/main">
+  <p:cSld>
+    <p:spTree>
+      <p:nvGrpSpPr>
+        <p:cNvPr id="1" name=""/>
+        <p:cNvGrpSpPr/>
+        <p:nvPr/>
+      </p:nvGrpSpPr>
+      <p:grpSpPr>
+        <a:xfrm>
+          <a:off x="0" y="0"/>
+          <a:ext cx="0" cy="0"/>
+          <a:chOff x="0" y="0"/>
+          <a:chExt cx="0" cy="0"/>
+        </a:xfrm>
+      </p:grpSpPr>
+      <p:sp>
+        <p:nvSpPr>
+          <p:cNvPr id="2" name="Slide Image Placeholder 1"/>
+          <p:cNvSpPr>
+            <a:spLocks noGrp="1" noRot="1" noChangeAspect="1"/>
+          </p:cNvSpPr>
+          <p:nvPr>
+            <p:ph type="sldImg"/>
+          </p:nvPr>
+        </p:nvSpPr>
+        <p:spPr/>
+      </p:sp>
+      <p:sp>
+        <p:nvSpPr>
+          <p:cNvPr id="3" name="Notes Placeholder 2"/>
+          <p:cNvSpPr>
+            <a:spLocks noGrp="1"/>
+          </p:cNvSpPr>
+          <p:nvPr>
+            <p:ph type="body" idx="1"/>
+          </p:nvPr>
+        </p:nvSpPr>
+        <p:spPr/>
+        <p:txBody>
+          <a:bodyPr/>
+          <a:lstStyle/>
+          <a:p>
+            <a:r>
+              <a:rPr lang="en-US" dirty="0"/>
+              <a:t>The biggest take away when using snapshot testing is to not update the saved snapshot after a failed unless you know why the test failed.</a:t>
+            </a:r>
+          </a:p>
+        </p:txBody>
+      </p:sp>
+      <p:sp>
+        <p:nvSpPr>
+          <p:cNvPr id="4" name="Slide Number Placeholder 3"/>
+          <p:cNvSpPr>
+            <a:spLocks noGrp="1"/>
+          </p:cNvSpPr>
+          <p:nvPr>
+            <p:ph type="sldNum" sz="quarter" idx="5"/>
+          </p:nvPr>
+        </p:nvSpPr>
+        <p:spPr/>
+        <p:txBody>
+          <a:bodyPr/>
+          <a:lstStyle/>
+          <a:p>
+            <a:fld id="{70A52B97-C007-4F11-8E16-85F4916BE383}" type="slidenum">
+              <a:rPr lang="en-US" smtClean="0"/>
               <a:t>16</a:t>
             </a:fld>
             <a:endParaRPr lang="en-US"/>
@@ -899,6 +1404,258 @@
     <p:extLst>
       <p:ext uri="{BB962C8B-B14F-4D97-AF65-F5344CB8AC3E}">
         <p14:creationId xmlns:p14="http://schemas.microsoft.com/office/powerpoint/2010/main" val="2977210363"/>
+      </p:ext>
+    </p:extLst>
+  </p:cSld>
+  <p:clrMapOvr>
+    <a:masterClrMapping/>
+  </p:clrMapOvr>
+</p:notes>
+</file>
+
+<file path=ppt/notesSlides/notesSlide17.xml><?xml version="1.0" encoding="utf-8"?>
+<p:notes xmlns:a="http://schemas.openxmlformats.org/drawingml/2006/main" xmlns:r="http://schemas.openxmlformats.org/officeDocument/2006/relationships" xmlns:p="http://schemas.openxmlformats.org/presentationml/2006/main">
+  <p:cSld>
+    <p:spTree>
+      <p:nvGrpSpPr>
+        <p:cNvPr id="1" name=""/>
+        <p:cNvGrpSpPr/>
+        <p:nvPr/>
+      </p:nvGrpSpPr>
+      <p:grpSpPr>
+        <a:xfrm>
+          <a:off x="0" y="0"/>
+          <a:ext cx="0" cy="0"/>
+          <a:chOff x="0" y="0"/>
+          <a:chExt cx="0" cy="0"/>
+        </a:xfrm>
+      </p:grpSpPr>
+      <p:sp>
+        <p:nvSpPr>
+          <p:cNvPr id="2" name="Slide Image Placeholder 1"/>
+          <p:cNvSpPr>
+            <a:spLocks noGrp="1" noRot="1" noChangeAspect="1"/>
+          </p:cNvSpPr>
+          <p:nvPr>
+            <p:ph type="sldImg"/>
+          </p:nvPr>
+        </p:nvSpPr>
+        <p:spPr/>
+      </p:sp>
+      <p:sp>
+        <p:nvSpPr>
+          <p:cNvPr id="3" name="Notes Placeholder 2"/>
+          <p:cNvSpPr>
+            <a:spLocks noGrp="1"/>
+          </p:cNvSpPr>
+          <p:nvPr>
+            <p:ph type="body" idx="1"/>
+          </p:nvPr>
+        </p:nvSpPr>
+        <p:spPr/>
+        <p:txBody>
+          <a:bodyPr/>
+          <a:lstStyle/>
+          <a:p>
+            <a:endParaRPr lang="en-US"/>
+          </a:p>
+        </p:txBody>
+      </p:sp>
+      <p:sp>
+        <p:nvSpPr>
+          <p:cNvPr id="4" name="Slide Number Placeholder 3"/>
+          <p:cNvSpPr>
+            <a:spLocks noGrp="1"/>
+          </p:cNvSpPr>
+          <p:nvPr>
+            <p:ph type="sldNum" sz="quarter" idx="5"/>
+          </p:nvPr>
+        </p:nvSpPr>
+        <p:spPr/>
+        <p:txBody>
+          <a:bodyPr/>
+          <a:lstStyle/>
+          <a:p>
+            <a:fld id="{70A52B97-C007-4F11-8E16-85F4916BE383}" type="slidenum">
+              <a:rPr lang="en-US" smtClean="0"/>
+              <a:t>17</a:t>
+            </a:fld>
+            <a:endParaRPr lang="en-US"/>
+          </a:p>
+        </p:txBody>
+      </p:sp>
+    </p:spTree>
+    <p:extLst>
+      <p:ext uri="{BB962C8B-B14F-4D97-AF65-F5344CB8AC3E}">
+        <p14:creationId xmlns:p14="http://schemas.microsoft.com/office/powerpoint/2010/main" val="3428695131"/>
+      </p:ext>
+    </p:extLst>
+  </p:cSld>
+  <p:clrMapOvr>
+    <a:masterClrMapping/>
+  </p:clrMapOvr>
+</p:notes>
+</file>
+
+<file path=ppt/notesSlides/notesSlide18.xml><?xml version="1.0" encoding="utf-8"?>
+<p:notes xmlns:a="http://schemas.openxmlformats.org/drawingml/2006/main" xmlns:r="http://schemas.openxmlformats.org/officeDocument/2006/relationships" xmlns:p="http://schemas.openxmlformats.org/presentationml/2006/main">
+  <p:cSld>
+    <p:spTree>
+      <p:nvGrpSpPr>
+        <p:cNvPr id="1" name=""/>
+        <p:cNvGrpSpPr/>
+        <p:nvPr/>
+      </p:nvGrpSpPr>
+      <p:grpSpPr>
+        <a:xfrm>
+          <a:off x="0" y="0"/>
+          <a:ext cx="0" cy="0"/>
+          <a:chOff x="0" y="0"/>
+          <a:chExt cx="0" cy="0"/>
+        </a:xfrm>
+      </p:grpSpPr>
+      <p:sp>
+        <p:nvSpPr>
+          <p:cNvPr id="2" name="Slide Image Placeholder 1"/>
+          <p:cNvSpPr>
+            <a:spLocks noGrp="1" noRot="1" noChangeAspect="1"/>
+          </p:cNvSpPr>
+          <p:nvPr>
+            <p:ph type="sldImg"/>
+          </p:nvPr>
+        </p:nvSpPr>
+        <p:spPr/>
+      </p:sp>
+      <p:sp>
+        <p:nvSpPr>
+          <p:cNvPr id="3" name="Notes Placeholder 2"/>
+          <p:cNvSpPr>
+            <a:spLocks noGrp="1"/>
+          </p:cNvSpPr>
+          <p:nvPr>
+            <p:ph type="body" idx="1"/>
+          </p:nvPr>
+        </p:nvSpPr>
+        <p:spPr/>
+        <p:txBody>
+          <a:bodyPr/>
+          <a:lstStyle/>
+          <a:p>
+            <a:endParaRPr lang="en-US"/>
+          </a:p>
+        </p:txBody>
+      </p:sp>
+      <p:sp>
+        <p:nvSpPr>
+          <p:cNvPr id="4" name="Slide Number Placeholder 3"/>
+          <p:cNvSpPr>
+            <a:spLocks noGrp="1"/>
+          </p:cNvSpPr>
+          <p:nvPr>
+            <p:ph type="sldNum" sz="quarter" idx="5"/>
+          </p:nvPr>
+        </p:nvSpPr>
+        <p:spPr/>
+        <p:txBody>
+          <a:bodyPr/>
+          <a:lstStyle/>
+          <a:p>
+            <a:fld id="{70A52B97-C007-4F11-8E16-85F4916BE383}" type="slidenum">
+              <a:rPr lang="en-US" smtClean="0"/>
+              <a:t>18</a:t>
+            </a:fld>
+            <a:endParaRPr lang="en-US"/>
+          </a:p>
+        </p:txBody>
+      </p:sp>
+    </p:spTree>
+    <p:extLst>
+      <p:ext uri="{BB962C8B-B14F-4D97-AF65-F5344CB8AC3E}">
+        <p14:creationId xmlns:p14="http://schemas.microsoft.com/office/powerpoint/2010/main" val="3279817747"/>
+      </p:ext>
+    </p:extLst>
+  </p:cSld>
+  <p:clrMapOvr>
+    <a:masterClrMapping/>
+  </p:clrMapOvr>
+</p:notes>
+</file>
+
+<file path=ppt/notesSlides/notesSlide19.xml><?xml version="1.0" encoding="utf-8"?>
+<p:notes xmlns:a="http://schemas.openxmlformats.org/drawingml/2006/main" xmlns:r="http://schemas.openxmlformats.org/officeDocument/2006/relationships" xmlns:p="http://schemas.openxmlformats.org/presentationml/2006/main">
+  <p:cSld>
+    <p:spTree>
+      <p:nvGrpSpPr>
+        <p:cNvPr id="1" name=""/>
+        <p:cNvGrpSpPr/>
+        <p:nvPr/>
+      </p:nvGrpSpPr>
+      <p:grpSpPr>
+        <a:xfrm>
+          <a:off x="0" y="0"/>
+          <a:ext cx="0" cy="0"/>
+          <a:chOff x="0" y="0"/>
+          <a:chExt cx="0" cy="0"/>
+        </a:xfrm>
+      </p:grpSpPr>
+      <p:sp>
+        <p:nvSpPr>
+          <p:cNvPr id="2" name="Slide Image Placeholder 1"/>
+          <p:cNvSpPr>
+            <a:spLocks noGrp="1" noRot="1" noChangeAspect="1"/>
+          </p:cNvSpPr>
+          <p:nvPr>
+            <p:ph type="sldImg"/>
+          </p:nvPr>
+        </p:nvSpPr>
+        <p:spPr/>
+      </p:sp>
+      <p:sp>
+        <p:nvSpPr>
+          <p:cNvPr id="3" name="Notes Placeholder 2"/>
+          <p:cNvSpPr>
+            <a:spLocks noGrp="1"/>
+          </p:cNvSpPr>
+          <p:nvPr>
+            <p:ph type="body" idx="1"/>
+          </p:nvPr>
+        </p:nvSpPr>
+        <p:spPr/>
+        <p:txBody>
+          <a:bodyPr/>
+          <a:lstStyle/>
+          <a:p>
+            <a:endParaRPr lang="en-US"/>
+          </a:p>
+        </p:txBody>
+      </p:sp>
+      <p:sp>
+        <p:nvSpPr>
+          <p:cNvPr id="4" name="Slide Number Placeholder 3"/>
+          <p:cNvSpPr>
+            <a:spLocks noGrp="1"/>
+          </p:cNvSpPr>
+          <p:nvPr>
+            <p:ph type="sldNum" sz="quarter" idx="5"/>
+          </p:nvPr>
+        </p:nvSpPr>
+        <p:spPr/>
+        <p:txBody>
+          <a:bodyPr/>
+          <a:lstStyle/>
+          <a:p>
+            <a:fld id="{70A52B97-C007-4F11-8E16-85F4916BE383}" type="slidenum">
+              <a:rPr lang="en-US" smtClean="0"/>
+              <a:t>19</a:t>
+            </a:fld>
+            <a:endParaRPr lang="en-US"/>
+          </a:p>
+        </p:txBody>
+      </p:sp>
+    </p:spTree>
+    <p:extLst>
+      <p:ext uri="{BB962C8B-B14F-4D97-AF65-F5344CB8AC3E}">
+        <p14:creationId xmlns:p14="http://schemas.microsoft.com/office/powerpoint/2010/main" val="2195459092"/>
       </p:ext>
     </p:extLst>
   </p:cSld>
@@ -952,63 +1709,7 @@
           <a:bodyPr/>
           <a:lstStyle/>
           <a:p>
-            <a:r>
-              <a:rPr lang="en-US" dirty="0"/>
-              <a:t>a) Create a descript block to associate related tests</a:t>
-            </a:r>
-          </a:p>
-          <a:p>
-            <a:endParaRPr lang="en-US" dirty="0"/>
-          </a:p>
-          <a:p>
-            <a:r>
-              <a:rPr lang="en-US" dirty="0"/>
-              <a:t>b) Individual tests start with “it” followed by a description of what the item being tested show do in order pass this test</a:t>
-            </a:r>
-          </a:p>
-          <a:p>
-            <a:endParaRPr lang="en-US" dirty="0"/>
-          </a:p>
-          <a:p>
-            <a:r>
-              <a:rPr lang="en-US" dirty="0"/>
-              <a:t>c) Next, we have our assertion which begins with the word “expect”</a:t>
-            </a:r>
-          </a:p>
-          <a:p>
-            <a:endParaRPr lang="en-US" dirty="0"/>
-          </a:p>
-          <a:p>
-            <a:r>
-              <a:rPr lang="en-US" dirty="0"/>
-              <a:t>d) This is followed by the item being tested, which in this case is the “add” function which receives 2 numbers, adds them and returns the sum</a:t>
-            </a:r>
-          </a:p>
-          <a:p>
-            <a:endParaRPr lang="en-US" dirty="0"/>
-          </a:p>
-          <a:p>
-            <a:r>
-              <a:rPr lang="en-US" dirty="0"/>
-              <a:t>e) We then use the “</a:t>
-            </a:r>
-            <a:r>
-              <a:rPr lang="en-US" dirty="0" err="1"/>
-              <a:t>toEqual</a:t>
-            </a:r>
-            <a:r>
-              <a:rPr lang="en-US" dirty="0"/>
-              <a:t>” matcher to assert that the result of the “function”</a:t>
-            </a:r>
-          </a:p>
-          <a:p>
-            <a:endParaRPr lang="en-US" dirty="0"/>
-          </a:p>
-          <a:p>
-            <a:r>
-              <a:rPr lang="en-US" dirty="0"/>
-              <a:t>f) Equals “3” which in this case will cause the test to fail</a:t>
-            </a:r>
+            <a:endParaRPr lang="en-US"/>
           </a:p>
         </p:txBody>
       </p:sp>
@@ -1029,7 +1730,7 @@
           <a:p>
             <a:fld id="{70A52B97-C007-4F11-8E16-85F4916BE383}" type="slidenum">
               <a:rPr lang="en-US" smtClean="0"/>
-              <a:t>4</a:t>
+              <a:t>2</a:t>
             </a:fld>
             <a:endParaRPr lang="en-US"/>
           </a:p>
@@ -1038,7 +1739,7 @@
     </p:spTree>
     <p:extLst>
       <p:ext uri="{BB962C8B-B14F-4D97-AF65-F5344CB8AC3E}">
-        <p14:creationId xmlns:p14="http://schemas.microsoft.com/office/powerpoint/2010/main" val="1760389969"/>
+        <p14:creationId xmlns:p14="http://schemas.microsoft.com/office/powerpoint/2010/main" val="182856519"/>
       </p:ext>
     </p:extLst>
   </p:cSld>
@@ -1092,10 +1793,7 @@
           <a:bodyPr/>
           <a:lstStyle/>
           <a:p>
-            <a:r>
-              <a:rPr lang="en-US" dirty="0"/>
-              <a:t>In addition to starting a test with it, there are several modifiers that can help you control your tests during development</a:t>
-            </a:r>
+            <a:endParaRPr lang="en-US"/>
           </a:p>
         </p:txBody>
       </p:sp>
@@ -1116,7 +1814,7 @@
           <a:p>
             <a:fld id="{70A52B97-C007-4F11-8E16-85F4916BE383}" type="slidenum">
               <a:rPr lang="en-US" smtClean="0"/>
-              <a:t>5</a:t>
+              <a:t>3</a:t>
             </a:fld>
             <a:endParaRPr lang="en-US"/>
           </a:p>
@@ -1125,7 +1823,7 @@
     </p:spTree>
     <p:extLst>
       <p:ext uri="{BB962C8B-B14F-4D97-AF65-F5344CB8AC3E}">
-        <p14:creationId xmlns:p14="http://schemas.microsoft.com/office/powerpoint/2010/main" val="147801715"/>
+        <p14:creationId xmlns:p14="http://schemas.microsoft.com/office/powerpoint/2010/main" val="2361693766"/>
       </p:ext>
     </p:extLst>
   </p:cSld>
@@ -1181,25 +1879,60 @@
           <a:p>
             <a:r>
               <a:rPr lang="en-US" dirty="0"/>
-              <a:t>After running a test with Jest, you’ll see the following:</a:t>
-            </a:r>
+              <a:t>a) Create a descript block to associate related tests</a:t>
+            </a:r>
+          </a:p>
+          <a:p>
+            <a:endParaRPr lang="en-US" dirty="0"/>
           </a:p>
           <a:p>
             <a:r>
               <a:rPr lang="en-US" dirty="0"/>
-              <a:t>Summary status of individual failed and successful tests</a:t>
-            </a:r>
+              <a:t>b) Individual tests start with “it” followed by a description of what the item being tested show do in order pass this test</a:t>
+            </a:r>
+          </a:p>
+          <a:p>
+            <a:endParaRPr lang="en-US" dirty="0"/>
           </a:p>
           <a:p>
             <a:r>
               <a:rPr lang="en-US" dirty="0"/>
-              <a:t>Feedback on the failed test</a:t>
-            </a:r>
+              <a:t>c) Next, we have our assertion which begins with the word “expect”</a:t>
+            </a:r>
+          </a:p>
+          <a:p>
+            <a:endParaRPr lang="en-US" dirty="0"/>
           </a:p>
           <a:p>
             <a:r>
               <a:rPr lang="en-US" dirty="0"/>
-              <a:t>And an overall summary of the tests that ran</a:t>
+              <a:t>d) This is followed by the item being tested, which in this case is the “add” function which receives 2 numbers, adds them and returns the sum</a:t>
+            </a:r>
+          </a:p>
+          <a:p>
+            <a:endParaRPr lang="en-US" dirty="0"/>
+          </a:p>
+          <a:p>
+            <a:r>
+              <a:rPr lang="en-US" dirty="0"/>
+              <a:t>e) We then use the “</a:t>
+            </a:r>
+            <a:r>
+              <a:rPr lang="en-US" dirty="0" err="1"/>
+              <a:t>toEqual</a:t>
+            </a:r>
+            <a:r>
+              <a:rPr lang="en-US" dirty="0"/>
+              <a:t>” matcher to assert that the result of the “function”</a:t>
+            </a:r>
+          </a:p>
+          <a:p>
+            <a:endParaRPr lang="en-US" dirty="0"/>
+          </a:p>
+          <a:p>
+            <a:r>
+              <a:rPr lang="en-US" dirty="0"/>
+              <a:t>f) Equals “3” which in this case will cause the test to fail</a:t>
             </a:r>
           </a:p>
         </p:txBody>
@@ -1221,7 +1954,7 @@
           <a:p>
             <a:fld id="{70A52B97-C007-4F11-8E16-85F4916BE383}" type="slidenum">
               <a:rPr lang="en-US" smtClean="0"/>
-              <a:t>6</a:t>
+              <a:t>4</a:t>
             </a:fld>
             <a:endParaRPr lang="en-US"/>
           </a:p>
@@ -1230,7 +1963,7 @@
     </p:spTree>
     <p:extLst>
       <p:ext uri="{BB962C8B-B14F-4D97-AF65-F5344CB8AC3E}">
-        <p14:creationId xmlns:p14="http://schemas.microsoft.com/office/powerpoint/2010/main" val="3009557564"/>
+        <p14:creationId xmlns:p14="http://schemas.microsoft.com/office/powerpoint/2010/main" val="1760389969"/>
       </p:ext>
     </p:extLst>
   </p:cSld>
@@ -1286,31 +2019,25 @@
           <a:p>
             <a:r>
               <a:rPr lang="en-US" dirty="0"/>
-              <a:t>Now that we’re a bit more familiar with test structures and their results let’s look at unit tests.</a:t>
-            </a:r>
-          </a:p>
-          <a:p>
-            <a:endParaRPr lang="en-US" dirty="0"/>
+              <a:t>After running a test with Jest, you’ll see the following:</a:t>
+            </a:r>
           </a:p>
           <a:p>
             <a:r>
               <a:rPr lang="en-US" dirty="0"/>
-              <a:t>Unit tests are good for testing a single piece of functionality, usually a function.  They are good at confirming that the function does what it is supposed to do.</a:t>
+              <a:t>Summary status of individual failed and successful tests</a:t>
             </a:r>
           </a:p>
           <a:p>
             <a:r>
               <a:rPr lang="en-US" dirty="0"/>
-              <a:t>However, they are not good at confirming that the tests works well in relationship to everything around it.  For example, it can confirm that the add function returns the sum of two numbers; however,  unit are of is of no help if the calling function expects the result to be a string.  In fact, the unit test would not even know that the calling function expected a string.</a:t>
-            </a:r>
-          </a:p>
-          <a:p>
-            <a:endParaRPr lang="en-US" dirty="0"/>
+              <a:t>Feedback on the failed test</a:t>
+            </a:r>
           </a:p>
           <a:p>
             <a:r>
               <a:rPr lang="en-US" dirty="0"/>
-              <a:t>Unit tests work great with pure function, that is functions that take in all required information as arguments, perform no side effects, and return a value that can be tested.</a:t>
+              <a:t>And an overall summary of the tests that ran</a:t>
             </a:r>
           </a:p>
         </p:txBody>
@@ -1332,7 +2059,7 @@
           <a:p>
             <a:fld id="{70A52B97-C007-4F11-8E16-85F4916BE383}" type="slidenum">
               <a:rPr lang="en-US" smtClean="0"/>
-              <a:t>8</a:t>
+              <a:t>5</a:t>
             </a:fld>
             <a:endParaRPr lang="en-US"/>
           </a:p>
@@ -1341,7 +2068,7 @@
     </p:spTree>
     <p:extLst>
       <p:ext uri="{BB962C8B-B14F-4D97-AF65-F5344CB8AC3E}">
-        <p14:creationId xmlns:p14="http://schemas.microsoft.com/office/powerpoint/2010/main" val="2753274357"/>
+        <p14:creationId xmlns:p14="http://schemas.microsoft.com/office/powerpoint/2010/main" val="3009557564"/>
       </p:ext>
     </p:extLst>
   </p:cSld>
@@ -1397,55 +2124,7 @@
           <a:p>
             <a:r>
               <a:rPr lang="en-US" dirty="0"/>
-              <a:t>Unit tests can be used on the functions that exist inside of our components, because I most cases our components are just classes.</a:t>
-            </a:r>
-          </a:p>
-          <a:p>
-            <a:endParaRPr lang="en-US" dirty="0"/>
-          </a:p>
-          <a:p>
-            <a:r>
-              <a:rPr lang="en-US" dirty="0"/>
-              <a:t>We’ll start by making our function pure</a:t>
-            </a:r>
-          </a:p>
-          <a:p>
-            <a:r>
-              <a:rPr lang="en-US" dirty="0"/>
-              <a:t>Next, we will attempt to instantiate our component</a:t>
-            </a:r>
-          </a:p>
-          <a:p>
-            <a:r>
-              <a:rPr lang="en-US" dirty="0"/>
-              <a:t>Then attempt a test.  This test may fail if the component has external dependencies such as atlas-services, but that is okay</a:t>
-            </a:r>
-          </a:p>
-          <a:p>
-            <a:r>
-              <a:rPr lang="en-US" dirty="0"/>
-              <a:t>Because the next step is to replace those broken dependencies with mocks</a:t>
-            </a:r>
-          </a:p>
-          <a:p>
-            <a:r>
-              <a:rPr lang="en-US" dirty="0"/>
-              <a:t>We’ll repeat steps 3 &amp; 4 as required in order to identify and mock dependencies as need until </a:t>
-            </a:r>
-          </a:p>
-          <a:p>
-            <a:r>
-              <a:rPr lang="en-US" dirty="0"/>
-              <a:t>We can finally successfully instantiate the component and test the function</a:t>
-            </a:r>
-          </a:p>
-          <a:p>
-            <a:endParaRPr lang="en-US" dirty="0"/>
-          </a:p>
-          <a:p>
-            <a:r>
-              <a:rPr lang="en-US" dirty="0"/>
-              <a:t>So, notice the first step is make the function to be tested pure.  Well, how do we identify a function that isn’t pure and how do we make it pure?  One way is to identify impurities such as accessing information directly from state or props, and then turning those values into function arguments.</a:t>
+              <a:t>In addition to starting a test with it, there are several modifiers that can help you control your tests during development</a:t>
             </a:r>
           </a:p>
         </p:txBody>
@@ -1467,7 +2146,7 @@
           <a:p>
             <a:fld id="{70A52B97-C007-4F11-8E16-85F4916BE383}" type="slidenum">
               <a:rPr lang="en-US" smtClean="0"/>
-              <a:t>9</a:t>
+              <a:t>6</a:t>
             </a:fld>
             <a:endParaRPr lang="en-US"/>
           </a:p>
@@ -1476,7 +2155,7 @@
     </p:spTree>
     <p:extLst>
       <p:ext uri="{BB962C8B-B14F-4D97-AF65-F5344CB8AC3E}">
-        <p14:creationId xmlns:p14="http://schemas.microsoft.com/office/powerpoint/2010/main" val="1576486494"/>
+        <p14:creationId xmlns:p14="http://schemas.microsoft.com/office/powerpoint/2010/main" val="147801715"/>
       </p:ext>
     </p:extLst>
   </p:cSld>
@@ -1530,43 +2209,7 @@
           <a:bodyPr/>
           <a:lstStyle/>
           <a:p>
-            <a:r>
-              <a:rPr lang="en-US" dirty="0"/>
-              <a:t>Mocking lets us replace a chunk of code like a package that we don’t want to test with a function that provides the results that we need for our test.  Some of the mocks in Atlas are the </a:t>
-            </a:r>
-            <a:r>
-              <a:rPr lang="en-US" dirty="0" err="1"/>
-              <a:t>TestContext</a:t>
-            </a:r>
-            <a:r>
-              <a:rPr lang="en-US" dirty="0"/>
-              <a:t> and a mock color </a:t>
-            </a:r>
-            <a:r>
-              <a:rPr lang="en-US" dirty="0" err="1"/>
-              <a:t>schema</a:t>
-            </a:r>
-            <a:r>
-              <a:rPr lang="en-US" dirty="0"/>
-              <a:t>.  Additionally, Jest exposes several methods to mock functions and return desired values that facilitate testing.</a:t>
-            </a:r>
-          </a:p>
-          <a:p>
-            <a:endParaRPr lang="en-US" dirty="0"/>
-          </a:p>
-          <a:p>
-            <a:r>
-              <a:rPr lang="en-US" dirty="0"/>
-              <a:t>One could even mock service calls in atlas; specifically </a:t>
-            </a:r>
-            <a:r>
-              <a:rPr lang="en-US" dirty="0" err="1"/>
-              <a:t>this.appContext.getServiceExecutor</a:t>
-            </a:r>
-            <a:r>
-              <a:rPr lang="en-US" dirty="0"/>
-              <a:t>().execute so that a service call provides a defined response which will enable testing the result of API calls.  This will let us test our component’s behavior based on different service call responses without interacting with the service layer</a:t>
-            </a:r>
+            <a:endParaRPr lang="en-US"/>
           </a:p>
         </p:txBody>
       </p:sp>
@@ -1587,7 +2230,7 @@
           <a:p>
             <a:fld id="{70A52B97-C007-4F11-8E16-85F4916BE383}" type="slidenum">
               <a:rPr lang="en-US" smtClean="0"/>
-              <a:t>10</a:t>
+              <a:t>7</a:t>
             </a:fld>
             <a:endParaRPr lang="en-US"/>
           </a:p>
@@ -1596,7 +2239,7 @@
     </p:spTree>
     <p:extLst>
       <p:ext uri="{BB962C8B-B14F-4D97-AF65-F5344CB8AC3E}">
-        <p14:creationId xmlns:p14="http://schemas.microsoft.com/office/powerpoint/2010/main" val="1508585746"/>
+        <p14:creationId xmlns:p14="http://schemas.microsoft.com/office/powerpoint/2010/main" val="1867092372"/>
       </p:ext>
     </p:extLst>
   </p:cSld>
@@ -1652,7 +2295,7 @@
           <a:p>
             <a:r>
               <a:rPr lang="en-US" dirty="0"/>
-              <a:t>A component must be rendered in order to tests it’s React elements.  </a:t>
+              <a:t>Now that we’re a bit more familiar with test structures and their results let’s look at unit tests.</a:t>
             </a:r>
           </a:p>
           <a:p>
@@ -1661,99 +2304,22 @@
           <a:p>
             <a:r>
               <a:rPr lang="en-US" dirty="0"/>
-              <a:t>The test structure is very similar to the other tests that we’ve seen so far with just a few differences:</a:t>
+              <a:t>Unit tests are good for testing a single piece of functionality, usually a function.  They are good at confirming that the function does what it is supposed to do.</a:t>
             </a:r>
           </a:p>
           <a:p>
             <a:r>
               <a:rPr lang="en-US" dirty="0"/>
-              <a:t>In this example we’re using the @testing-library to render the LandingScreen component.  And </a:t>
-            </a:r>
-            <a:r>
-              <a:rPr lang="en-US" dirty="0" err="1"/>
-              <a:t>destructuring</a:t>
-            </a:r>
+              <a:t>However, they are not good at confirming that the tests works well in relationship to everything around it.  For example, it can confirm that the add function returns the sum of two numbers; however,  unit are of is of no help if the calling function expects the result to be a string.  In fact, the unit test would not even know that the calling function expected a string.</a:t>
+            </a:r>
+          </a:p>
+          <a:p>
+            <a:endParaRPr lang="en-US" dirty="0"/>
+          </a:p>
+          <a:p>
             <a:r>
               <a:rPr lang="en-US" dirty="0"/>
-              <a:t> the “</a:t>
-            </a:r>
-            <a:r>
-              <a:rPr lang="en-US" dirty="0" err="1"/>
-              <a:t>queryByText</a:t>
-            </a:r>
-            <a:r>
-              <a:rPr lang="en-US" dirty="0"/>
-              <a:t>” function from the resulting object.  There are several other functions that could be </a:t>
-            </a:r>
-            <a:r>
-              <a:rPr lang="en-US" dirty="0" err="1"/>
-              <a:t>destructured</a:t>
-            </a:r>
-            <a:r>
-              <a:rPr lang="en-US" dirty="0"/>
-              <a:t>, and we’ll see some more shortly.</a:t>
-            </a:r>
-          </a:p>
-          <a:p>
-            <a:endParaRPr lang="en-US" dirty="0"/>
-          </a:p>
-          <a:p>
-            <a:r>
-              <a:rPr lang="en-US" dirty="0"/>
-              <a:t>The LandingScreen component is receiving the </a:t>
-            </a:r>
-            <a:r>
-              <a:rPr lang="en-US" sz="1200" b="0" dirty="0">
-                <a:solidFill>
-                  <a:srgbClr val="9CDCFE"/>
-                </a:solidFill>
-                <a:effectLst/>
-                <a:latin typeface="Consolas" panose="020B0609020204030204" pitchFamily="49" charset="0"/>
-              </a:rPr>
-              <a:t>landingScreenProps</a:t>
-            </a:r>
-            <a:r>
-              <a:rPr lang="en-US" dirty="0"/>
-              <a:t> object and setting that as the component props</a:t>
-            </a:r>
-          </a:p>
-          <a:p>
-            <a:r>
-              <a:rPr lang="en-US" dirty="0"/>
-              <a:t>We’re also setting some initial app state to set the global </a:t>
-            </a:r>
-            <a:r>
-              <a:rPr lang="en-US" dirty="0" err="1"/>
-              <a:t>isSignedIn</a:t>
-            </a:r>
-            <a:r>
-              <a:rPr lang="en-US" dirty="0"/>
-              <a:t> variable to false</a:t>
-            </a:r>
-          </a:p>
-          <a:p>
-            <a:endParaRPr lang="en-US" dirty="0"/>
-          </a:p>
-          <a:p>
-            <a:r>
-              <a:rPr lang="en-US" dirty="0"/>
-              <a:t>Then, in the test assertion, we’re using the “</a:t>
-            </a:r>
-            <a:r>
-              <a:rPr lang="en-US" dirty="0" err="1"/>
-              <a:t>queryByText</a:t>
-            </a:r>
-            <a:r>
-              <a:rPr lang="en-US" dirty="0"/>
-              <a:t>” function from @testing-library to determine if the rendered Component contains the </a:t>
-            </a:r>
-            <a:r>
-              <a:rPr lang="en-US" dirty="0" err="1"/>
-              <a:t>signIn</a:t>
-            </a:r>
-            <a:r>
-              <a:rPr lang="en-US" dirty="0"/>
-              <a:t> label on the screen.  In this case we expect that string that to be rendered, so we use the “toBeTruthy” matcher to test that assertion</a:t>
+              <a:t>Unit tests work great with pure function, that is functions that take in all required information as arguments, perform no side effects, and return a value that can be tested.</a:t>
             </a:r>
           </a:p>
         </p:txBody>
@@ -1775,7 +2341,7 @@
           <a:p>
             <a:fld id="{70A52B97-C007-4F11-8E16-85F4916BE383}" type="slidenum">
               <a:rPr lang="en-US" smtClean="0"/>
-              <a:t>11</a:t>
+              <a:t>8</a:t>
             </a:fld>
             <a:endParaRPr lang="en-US"/>
           </a:p>
@@ -1784,7 +2350,7 @@
     </p:spTree>
     <p:extLst>
       <p:ext uri="{BB962C8B-B14F-4D97-AF65-F5344CB8AC3E}">
-        <p14:creationId xmlns:p14="http://schemas.microsoft.com/office/powerpoint/2010/main" val="2274909389"/>
+        <p14:creationId xmlns:p14="http://schemas.microsoft.com/office/powerpoint/2010/main" val="2753274357"/>
       </p:ext>
     </p:extLst>
   </p:cSld>
@@ -1840,7 +2406,7 @@
           <a:p>
             <a:r>
               <a:rPr lang="en-US" dirty="0"/>
-              <a:t>Integration testing is good for testing interactions between multiple components, functions, etc.  However, since we’re testing multiple items at one time, it can be difficult to find individual broken items that result in a test failure.</a:t>
+              <a:t>Unit tests can be used on the functions that exist inside of our components, because I most cases our components are just classes.</a:t>
             </a:r>
           </a:p>
           <a:p>
@@ -1849,25 +2415,46 @@
           <a:p>
             <a:r>
               <a:rPr lang="en-US" dirty="0"/>
-              <a:t>Integration tests follow a basic pattern:</a:t>
+              <a:t>We’ll start by making our function pure</a:t>
             </a:r>
           </a:p>
           <a:p>
             <a:r>
               <a:rPr lang="en-US" dirty="0"/>
-              <a:t>First, we render the top-level component,</a:t>
+              <a:t>Next, we will attempt to instantiate our component</a:t>
             </a:r>
           </a:p>
           <a:p>
             <a:r>
               <a:rPr lang="en-US" dirty="0"/>
-              <a:t>Then we get handles to children components that we want to interact with or make assertions against</a:t>
+              <a:t>Then attempt a test.  This test may fail if the component has external dependencies such as atlas-services, but that is okay</a:t>
             </a:r>
           </a:p>
           <a:p>
             <a:r>
               <a:rPr lang="en-US" dirty="0"/>
-              <a:t>Next, perform actions on those components and make assertions against component state based on those actions</a:t>
+              <a:t>Because the next step is to replace those broken dependencies with mocks</a:t>
+            </a:r>
+          </a:p>
+          <a:p>
+            <a:r>
+              <a:rPr lang="en-US" dirty="0"/>
+              <a:t>We’ll repeat steps 3 &amp; 4 as required in order to identify and mock dependencies as need until </a:t>
+            </a:r>
+          </a:p>
+          <a:p>
+            <a:r>
+              <a:rPr lang="en-US" dirty="0"/>
+              <a:t>We can finally successfully instantiate the component and test the function</a:t>
+            </a:r>
+          </a:p>
+          <a:p>
+            <a:endParaRPr lang="en-US" dirty="0"/>
+          </a:p>
+          <a:p>
+            <a:r>
+              <a:rPr lang="en-US" dirty="0"/>
+              <a:t>So, notice the first step is make the function to be tested pure.  Well, how do we identify a function that isn’t pure and how do we make it pure?  One way is to identify impurities such as accessing information directly from state or props, and then turning those values into function arguments.</a:t>
             </a:r>
           </a:p>
         </p:txBody>
@@ -1889,7 +2476,7 @@
           <a:p>
             <a:fld id="{70A52B97-C007-4F11-8E16-85F4916BE383}" type="slidenum">
               <a:rPr lang="en-US" smtClean="0"/>
-              <a:t>13</a:t>
+              <a:t>9</a:t>
             </a:fld>
             <a:endParaRPr lang="en-US"/>
           </a:p>
@@ -1898,7 +2485,7 @@
     </p:spTree>
     <p:extLst>
       <p:ext uri="{BB962C8B-B14F-4D97-AF65-F5344CB8AC3E}">
-        <p14:creationId xmlns:p14="http://schemas.microsoft.com/office/powerpoint/2010/main" val="2437428486"/>
+        <p14:creationId xmlns:p14="http://schemas.microsoft.com/office/powerpoint/2010/main" val="1576486494"/>
       </p:ext>
     </p:extLst>
   </p:cSld>
@@ -8018,7 +8605,7 @@
           <p:nvPr/>
         </p:nvPicPr>
         <p:blipFill>
-          <a:blip r:embed="rId2">
+          <a:blip r:embed="rId3">
             <a:extLst>
               <a:ext uri="{28A0092B-C50C-407E-A947-70E740481C1C}">
                 <a14:useLocalDpi xmlns:a14="http://schemas.microsoft.com/office/drawing/2010/main" val="0"/>
@@ -12878,7 +13465,7 @@
           <p:nvPr/>
         </p:nvPicPr>
         <p:blipFill>
-          <a:blip r:embed="rId2"/>
+          <a:blip r:embed="rId3"/>
           <a:stretch>
             <a:fillRect/>
           </a:stretch>
@@ -12908,7 +13495,7 @@
           <p:nvPr/>
         </p:nvPicPr>
         <p:blipFill>
-          <a:blip r:embed="rId3"/>
+          <a:blip r:embed="rId4"/>
           <a:stretch>
             <a:fillRect/>
           </a:stretch>
@@ -13211,14 +13798,14 @@
               <a:t>Videos</a:t>
             </a:r>
             <a:endParaRPr lang="en-US" dirty="0">
-              <a:hlinkClick r:id="rId2"/>
+              <a:hlinkClick r:id="rId3"/>
             </a:endParaRPr>
           </a:p>
           <a:p>
             <a:pPr lvl="1"/>
             <a:r>
               <a:rPr lang="en-US" dirty="0">
-                <a:hlinkClick r:id="rId2"/>
+                <a:hlinkClick r:id="rId3"/>
               </a:rPr>
               <a:t>Unit Testing in JavaScript</a:t>
             </a:r>
@@ -13231,7 +13818,7 @@
             <a:pPr lvl="1"/>
             <a:r>
               <a:rPr lang="en-US" dirty="0">
-                <a:hlinkClick r:id="rId3"/>
+                <a:hlinkClick r:id="rId4"/>
               </a:rPr>
               <a:t>Jest Crash Course – Unit Testing in JavaScript</a:t>
             </a:r>
@@ -13244,19 +13831,19 @@
             <a:pPr lvl="1"/>
             <a:r>
               <a:rPr lang="en-US" dirty="0">
-                <a:hlinkClick r:id="rId4"/>
+                <a:hlinkClick r:id="rId5"/>
               </a:rPr>
               <a:t>Assert(</a:t>
             </a:r>
             <a:r>
               <a:rPr lang="en-US" dirty="0" err="1">
-                <a:hlinkClick r:id="rId4"/>
+                <a:hlinkClick r:id="rId5"/>
               </a:rPr>
               <a:t>js</a:t>
             </a:r>
             <a:r>
               <a:rPr lang="en-US" dirty="0">
-                <a:hlinkClick r:id="rId4"/>
+                <a:hlinkClick r:id="rId5"/>
               </a:rPr>
               <a:t>) 2019: Josh Justice (Big Nerd Ranch) - Old solutions to new testing problems</a:t>
             </a:r>
@@ -13275,19 +13862,19 @@
             <a:pPr lvl="1"/>
             <a:r>
               <a:rPr lang="en-US" dirty="0">
-                <a:hlinkClick r:id="rId5"/>
+                <a:hlinkClick r:id="rId6"/>
               </a:rPr>
               <a:t>Kent C. </a:t>
             </a:r>
             <a:r>
               <a:rPr lang="en-US" dirty="0" err="1">
-                <a:hlinkClick r:id="rId5"/>
+                <a:hlinkClick r:id="rId6"/>
               </a:rPr>
               <a:t>Dodds</a:t>
             </a:r>
             <a:r>
               <a:rPr lang="en-US" dirty="0">
-                <a:hlinkClick r:id="rId5"/>
+                <a:hlinkClick r:id="rId6"/>
               </a:rPr>
               <a:t>’</a:t>
             </a:r>
@@ -13303,7 +13890,7 @@
             <a:pPr lvl="1"/>
             <a:r>
               <a:rPr lang="en-US" dirty="0">
-                <a:hlinkClick r:id="rId6"/>
+                <a:hlinkClick r:id="rId7"/>
               </a:rPr>
               <a:t>Jest</a:t>
             </a:r>
@@ -13313,7 +13900,7 @@
             <a:pPr lvl="1"/>
             <a:r>
               <a:rPr lang="en-US" dirty="0">
-                <a:hlinkClick r:id="rId7"/>
+                <a:hlinkClick r:id="rId8"/>
               </a:rPr>
               <a:t>Jest Snippets</a:t>
             </a:r>
@@ -15992,567 +16579,6 @@
           <p:cNvPr id="2" name="Title 1">
             <a:extLst>
               <a:ext uri="{FF2B5EF4-FFF2-40B4-BE49-F238E27FC236}">
-                <a16:creationId xmlns:a16="http://schemas.microsoft.com/office/drawing/2014/main" id="{AE1E06A8-B063-4737-973D-CCF0EC0917BD}"/>
-              </a:ext>
-            </a:extLst>
-          </p:cNvPr>
-          <p:cNvSpPr>
-            <a:spLocks noGrp="1"/>
-          </p:cNvSpPr>
-          <p:nvPr>
-            <p:ph type="title"/>
-          </p:nvPr>
-        </p:nvSpPr>
-        <p:spPr/>
-        <p:txBody>
-          <a:bodyPr/>
-          <a:lstStyle/>
-          <a:p>
-            <a:r>
-              <a:rPr lang="en-US" dirty="0"/>
-              <a:t>Optional Test Modifiers</a:t>
-            </a:r>
-          </a:p>
-        </p:txBody>
-      </p:sp>
-      <p:pic>
-        <p:nvPicPr>
-          <p:cNvPr id="3" name="Picture 2">
-            <a:extLst>
-              <a:ext uri="{FF2B5EF4-FFF2-40B4-BE49-F238E27FC236}">
-                <a16:creationId xmlns:a16="http://schemas.microsoft.com/office/drawing/2014/main" id="{C8FC7E2F-739C-47E3-B00D-6CC11D776640}"/>
-              </a:ext>
-            </a:extLst>
-          </p:cNvPr>
-          <p:cNvPicPr>
-            <a:picLocks noChangeAspect="1"/>
-          </p:cNvPicPr>
-          <p:nvPr/>
-        </p:nvPicPr>
-        <p:blipFill>
-          <a:blip r:embed="rId3"/>
-          <a:stretch>
-            <a:fillRect/>
-          </a:stretch>
-        </p:blipFill>
-        <p:spPr>
-          <a:xfrm>
-            <a:off x="5215222" y="1404086"/>
-            <a:ext cx="6853776" cy="4912307"/>
-          </a:xfrm>
-          <a:prstGeom prst="rect">
-            <a:avLst/>
-          </a:prstGeom>
-          <a:solidFill>
-            <a:schemeClr val="tx1"/>
-          </a:solidFill>
-          <a:ln>
-            <a:solidFill>
-              <a:schemeClr val="bg2">
-                <a:lumMod val="75000"/>
-              </a:schemeClr>
-            </a:solidFill>
-          </a:ln>
-          <a:effectLst>
-            <a:outerShdw blurRad="50800" dist="38100" dir="2700000" algn="tl" rotWithShape="0">
-              <a:prstClr val="black">
-                <a:alpha val="40000"/>
-              </a:prstClr>
-            </a:outerShdw>
-          </a:effectLst>
-        </p:spPr>
-      </p:pic>
-      <p:sp>
-        <p:nvSpPr>
-          <p:cNvPr id="19" name="Flowchart: Process 18">
-            <a:extLst>
-              <a:ext uri="{FF2B5EF4-FFF2-40B4-BE49-F238E27FC236}">
-                <a16:creationId xmlns:a16="http://schemas.microsoft.com/office/drawing/2014/main" id="{35CEF6E2-BEFD-41A9-B164-26967F390B64}"/>
-              </a:ext>
-            </a:extLst>
-          </p:cNvPr>
-          <p:cNvSpPr/>
-          <p:nvPr/>
-        </p:nvSpPr>
-        <p:spPr>
-          <a:xfrm>
-            <a:off x="5719202" y="2598622"/>
-            <a:ext cx="410251" cy="245969"/>
-          </a:xfrm>
-          <a:prstGeom prst="flowChartProcess">
-            <a:avLst/>
-          </a:prstGeom>
-          <a:noFill/>
-          <a:ln w="19050">
-            <a:solidFill>
-              <a:srgbClr val="FFFF00"/>
-            </a:solidFill>
-          </a:ln>
-        </p:spPr>
-        <p:style>
-          <a:lnRef idx="2">
-            <a:schemeClr val="accent1">
-              <a:shade val="50000"/>
-            </a:schemeClr>
-          </a:lnRef>
-          <a:fillRef idx="1">
-            <a:schemeClr val="accent1"/>
-          </a:fillRef>
-          <a:effectRef idx="0">
-            <a:schemeClr val="accent1"/>
-          </a:effectRef>
-          <a:fontRef idx="minor">
-            <a:schemeClr val="lt1"/>
-          </a:fontRef>
-        </p:style>
-        <p:txBody>
-          <a:bodyPr rtlCol="0" anchor="ctr"/>
-          <a:lstStyle/>
-          <a:p>
-            <a:pPr algn="ctr"/>
-            <a:endParaRPr lang="en-US"/>
-          </a:p>
-        </p:txBody>
-      </p:sp>
-      <p:sp>
-        <p:nvSpPr>
-          <p:cNvPr id="20" name="Flowchart: Process 19">
-            <a:extLst>
-              <a:ext uri="{FF2B5EF4-FFF2-40B4-BE49-F238E27FC236}">
-                <a16:creationId xmlns:a16="http://schemas.microsoft.com/office/drawing/2014/main" id="{6EA9D086-BDE8-4237-B861-6CCDE8DD18F0}"/>
-              </a:ext>
-            </a:extLst>
-          </p:cNvPr>
-          <p:cNvSpPr/>
-          <p:nvPr/>
-        </p:nvSpPr>
-        <p:spPr>
-          <a:xfrm>
-            <a:off x="5719202" y="4579822"/>
-            <a:ext cx="410251" cy="245969"/>
-          </a:xfrm>
-          <a:prstGeom prst="flowChartProcess">
-            <a:avLst/>
-          </a:prstGeom>
-          <a:noFill/>
-          <a:ln w="19050">
-            <a:solidFill>
-              <a:srgbClr val="FFFF00"/>
-            </a:solidFill>
-          </a:ln>
-        </p:spPr>
-        <p:style>
-          <a:lnRef idx="2">
-            <a:schemeClr val="accent1">
-              <a:shade val="50000"/>
-            </a:schemeClr>
-          </a:lnRef>
-          <a:fillRef idx="1">
-            <a:schemeClr val="accent1"/>
-          </a:fillRef>
-          <a:effectRef idx="0">
-            <a:schemeClr val="accent1"/>
-          </a:effectRef>
-          <a:fontRef idx="minor">
-            <a:schemeClr val="lt1"/>
-          </a:fontRef>
-        </p:style>
-        <p:txBody>
-          <a:bodyPr rtlCol="0" anchor="ctr"/>
-          <a:lstStyle/>
-          <a:p>
-            <a:pPr algn="ctr"/>
-            <a:endParaRPr lang="en-US"/>
-          </a:p>
-        </p:txBody>
-      </p:sp>
-      <p:sp>
-        <p:nvSpPr>
-          <p:cNvPr id="21" name="Flowchart: Process 20">
-            <a:extLst>
-              <a:ext uri="{FF2B5EF4-FFF2-40B4-BE49-F238E27FC236}">
-                <a16:creationId xmlns:a16="http://schemas.microsoft.com/office/drawing/2014/main" id="{21F7700C-315F-4479-BD7D-557A2A938CF2}"/>
-              </a:ext>
-            </a:extLst>
-          </p:cNvPr>
-          <p:cNvSpPr/>
-          <p:nvPr/>
-        </p:nvSpPr>
-        <p:spPr>
-          <a:xfrm>
-            <a:off x="5698689" y="5325122"/>
-            <a:ext cx="451276" cy="245969"/>
-          </a:xfrm>
-          <a:prstGeom prst="flowChartProcess">
-            <a:avLst/>
-          </a:prstGeom>
-          <a:noFill/>
-          <a:ln w="19050">
-            <a:solidFill>
-              <a:srgbClr val="FFFF00"/>
-            </a:solidFill>
-          </a:ln>
-        </p:spPr>
-        <p:style>
-          <a:lnRef idx="2">
-            <a:schemeClr val="accent1">
-              <a:shade val="50000"/>
-            </a:schemeClr>
-          </a:lnRef>
-          <a:fillRef idx="1">
-            <a:schemeClr val="accent1"/>
-          </a:fillRef>
-          <a:effectRef idx="0">
-            <a:schemeClr val="accent1"/>
-          </a:effectRef>
-          <a:fontRef idx="minor">
-            <a:schemeClr val="lt1"/>
-          </a:fontRef>
-        </p:style>
-        <p:txBody>
-          <a:bodyPr rtlCol="0" anchor="ctr"/>
-          <a:lstStyle/>
-          <a:p>
-            <a:pPr algn="ctr"/>
-            <a:endParaRPr lang="en-US"/>
-          </a:p>
-        </p:txBody>
-      </p:sp>
-      <p:sp>
-        <p:nvSpPr>
-          <p:cNvPr id="22" name="Flowchart: Process 21">
-            <a:extLst>
-              <a:ext uri="{FF2B5EF4-FFF2-40B4-BE49-F238E27FC236}">
-                <a16:creationId xmlns:a16="http://schemas.microsoft.com/office/drawing/2014/main" id="{5121530C-4BD3-400D-9791-202E910B2B6F}"/>
-              </a:ext>
-            </a:extLst>
-          </p:cNvPr>
-          <p:cNvSpPr/>
-          <p:nvPr/>
-        </p:nvSpPr>
-        <p:spPr>
-          <a:xfrm>
-            <a:off x="5719202" y="6070866"/>
-            <a:ext cx="451276" cy="245969"/>
-          </a:xfrm>
-          <a:prstGeom prst="flowChartProcess">
-            <a:avLst/>
-          </a:prstGeom>
-          <a:noFill/>
-          <a:ln w="19050">
-            <a:solidFill>
-              <a:srgbClr val="FFFF00"/>
-            </a:solidFill>
-          </a:ln>
-        </p:spPr>
-        <p:style>
-          <a:lnRef idx="2">
-            <a:schemeClr val="accent1">
-              <a:shade val="50000"/>
-            </a:schemeClr>
-          </a:lnRef>
-          <a:fillRef idx="1">
-            <a:schemeClr val="accent1"/>
-          </a:fillRef>
-          <a:effectRef idx="0">
-            <a:schemeClr val="accent1"/>
-          </a:effectRef>
-          <a:fontRef idx="minor">
-            <a:schemeClr val="lt1"/>
-          </a:fontRef>
-        </p:style>
-        <p:txBody>
-          <a:bodyPr rtlCol="0" anchor="ctr"/>
-          <a:lstStyle/>
-          <a:p>
-            <a:pPr algn="ctr"/>
-            <a:endParaRPr lang="en-US"/>
-          </a:p>
-        </p:txBody>
-      </p:sp>
-      <p:sp>
-        <p:nvSpPr>
-          <p:cNvPr id="23" name="Speech Bubble: Rectangle 22">
-            <a:extLst>
-              <a:ext uri="{FF2B5EF4-FFF2-40B4-BE49-F238E27FC236}">
-                <a16:creationId xmlns:a16="http://schemas.microsoft.com/office/drawing/2014/main" id="{59CEA354-A46E-44FA-9A71-C227118C23AE}"/>
-              </a:ext>
-            </a:extLst>
-          </p:cNvPr>
-          <p:cNvSpPr/>
-          <p:nvPr/>
-        </p:nvSpPr>
-        <p:spPr>
-          <a:xfrm>
-            <a:off x="1572322" y="2193917"/>
-            <a:ext cx="2430966" cy="404705"/>
-          </a:xfrm>
-          <a:prstGeom prst="wedgeRectCallout">
-            <a:avLst>
-              <a:gd name="adj1" fmla="val 119984"/>
-              <a:gd name="adj2" fmla="val 53920"/>
-            </a:avLst>
-          </a:prstGeom>
-          <a:effectLst>
-            <a:outerShdw blurRad="50800" dist="38100" dir="2700000" algn="tl" rotWithShape="0">
-              <a:prstClr val="black">
-                <a:alpha val="40000"/>
-              </a:prstClr>
-            </a:outerShdw>
-          </a:effectLst>
-        </p:spPr>
-        <p:style>
-          <a:lnRef idx="2">
-            <a:schemeClr val="accent1">
-              <a:shade val="50000"/>
-            </a:schemeClr>
-          </a:lnRef>
-          <a:fillRef idx="1">
-            <a:schemeClr val="accent1"/>
-          </a:fillRef>
-          <a:effectRef idx="0">
-            <a:schemeClr val="accent1"/>
-          </a:effectRef>
-          <a:fontRef idx="minor">
-            <a:schemeClr val="lt1"/>
-          </a:fontRef>
-        </p:style>
-        <p:txBody>
-          <a:bodyPr rtlCol="0" anchor="ctr"/>
-          <a:lstStyle/>
-          <a:p>
-            <a:pPr algn="ctr"/>
-            <a:r>
-              <a:rPr lang="en-US" dirty="0"/>
-              <a:t>Tests multiple inputs</a:t>
-            </a:r>
-          </a:p>
-        </p:txBody>
-      </p:sp>
-      <p:sp>
-        <p:nvSpPr>
-          <p:cNvPr id="24" name="Speech Bubble: Rectangle 23">
-            <a:extLst>
-              <a:ext uri="{FF2B5EF4-FFF2-40B4-BE49-F238E27FC236}">
-                <a16:creationId xmlns:a16="http://schemas.microsoft.com/office/drawing/2014/main" id="{202144BD-059B-4229-9BC7-862659C032E6}"/>
-              </a:ext>
-            </a:extLst>
-          </p:cNvPr>
-          <p:cNvSpPr/>
-          <p:nvPr/>
-        </p:nvSpPr>
-        <p:spPr>
-          <a:xfrm>
-            <a:off x="1470210" y="4036420"/>
-            <a:ext cx="2430966" cy="666386"/>
-          </a:xfrm>
-          <a:prstGeom prst="wedgeRectCallout">
-            <a:avLst>
-              <a:gd name="adj1" fmla="val 124842"/>
-              <a:gd name="adj2" fmla="val 37796"/>
-            </a:avLst>
-          </a:prstGeom>
-          <a:effectLst>
-            <a:outerShdw blurRad="50800" dist="38100" dir="2700000" algn="tl" rotWithShape="0">
-              <a:prstClr val="black">
-                <a:alpha val="40000"/>
-              </a:prstClr>
-            </a:outerShdw>
-          </a:effectLst>
-        </p:spPr>
-        <p:style>
-          <a:lnRef idx="2">
-            <a:schemeClr val="accent1">
-              <a:shade val="50000"/>
-            </a:schemeClr>
-          </a:lnRef>
-          <a:fillRef idx="1">
-            <a:schemeClr val="accent1"/>
-          </a:fillRef>
-          <a:effectRef idx="0">
-            <a:schemeClr val="accent1"/>
-          </a:effectRef>
-          <a:fontRef idx="minor">
-            <a:schemeClr val="lt1"/>
-          </a:fontRef>
-        </p:style>
-        <p:txBody>
-          <a:bodyPr rtlCol="0" anchor="ctr"/>
-          <a:lstStyle/>
-          <a:p>
-            <a:pPr algn="ctr"/>
-            <a:r>
-              <a:rPr lang="en-US" dirty="0"/>
-              <a:t>Only run this test (good for debugging)</a:t>
-            </a:r>
-          </a:p>
-        </p:txBody>
-      </p:sp>
-      <p:sp>
-        <p:nvSpPr>
-          <p:cNvPr id="25" name="Speech Bubble: Rectangle 24">
-            <a:extLst>
-              <a:ext uri="{FF2B5EF4-FFF2-40B4-BE49-F238E27FC236}">
-                <a16:creationId xmlns:a16="http://schemas.microsoft.com/office/drawing/2014/main" id="{00170D98-505C-4C5F-B2CD-19D04590E9A0}"/>
-              </a:ext>
-            </a:extLst>
-          </p:cNvPr>
-          <p:cNvSpPr/>
-          <p:nvPr/>
-        </p:nvSpPr>
-        <p:spPr>
-          <a:xfrm>
-            <a:off x="2318587" y="5158525"/>
-            <a:ext cx="1416249" cy="333193"/>
-          </a:xfrm>
-          <a:prstGeom prst="wedgeRectCallout">
-            <a:avLst>
-              <a:gd name="adj1" fmla="val 186718"/>
-              <a:gd name="adj2" fmla="val 7357"/>
-            </a:avLst>
-          </a:prstGeom>
-          <a:effectLst>
-            <a:outerShdw blurRad="50800" dist="38100" dir="2700000" algn="tl" rotWithShape="0">
-              <a:prstClr val="black">
-                <a:alpha val="40000"/>
-              </a:prstClr>
-            </a:outerShdw>
-          </a:effectLst>
-        </p:spPr>
-        <p:style>
-          <a:lnRef idx="2">
-            <a:schemeClr val="accent1">
-              <a:shade val="50000"/>
-            </a:schemeClr>
-          </a:lnRef>
-          <a:fillRef idx="1">
-            <a:schemeClr val="accent1"/>
-          </a:fillRef>
-          <a:effectRef idx="0">
-            <a:schemeClr val="accent1"/>
-          </a:effectRef>
-          <a:fontRef idx="minor">
-            <a:schemeClr val="lt1"/>
-          </a:fontRef>
-        </p:style>
-        <p:txBody>
-          <a:bodyPr rtlCol="0" anchor="ctr"/>
-          <a:lstStyle/>
-          <a:p>
-            <a:pPr algn="ctr"/>
-            <a:r>
-              <a:rPr lang="en-US" dirty="0"/>
-              <a:t>Skip this test</a:t>
-            </a:r>
-          </a:p>
-        </p:txBody>
-      </p:sp>
-      <p:sp>
-        <p:nvSpPr>
-          <p:cNvPr id="26" name="Speech Bubble: Rectangle 25">
-            <a:extLst>
-              <a:ext uri="{FF2B5EF4-FFF2-40B4-BE49-F238E27FC236}">
-                <a16:creationId xmlns:a16="http://schemas.microsoft.com/office/drawing/2014/main" id="{D46B2730-5CAF-461E-80F4-CC4EBB273431}"/>
-              </a:ext>
-            </a:extLst>
-          </p:cNvPr>
-          <p:cNvSpPr/>
-          <p:nvPr/>
-        </p:nvSpPr>
-        <p:spPr>
-          <a:xfrm>
-            <a:off x="1103972" y="6061987"/>
-            <a:ext cx="2797160" cy="333193"/>
-          </a:xfrm>
-          <a:prstGeom prst="wedgeRectCallout">
-            <a:avLst>
-              <a:gd name="adj1" fmla="val 114486"/>
-              <a:gd name="adj2" fmla="val 12075"/>
-            </a:avLst>
-          </a:prstGeom>
-          <a:effectLst>
-            <a:outerShdw blurRad="50800" dist="38100" dir="2700000" algn="tl" rotWithShape="0">
-              <a:prstClr val="black">
-                <a:alpha val="40000"/>
-              </a:prstClr>
-            </a:outerShdw>
-          </a:effectLst>
-        </p:spPr>
-        <p:style>
-          <a:lnRef idx="2">
-            <a:schemeClr val="accent1">
-              <a:shade val="50000"/>
-            </a:schemeClr>
-          </a:lnRef>
-          <a:fillRef idx="1">
-            <a:schemeClr val="accent1"/>
-          </a:fillRef>
-          <a:effectRef idx="0">
-            <a:schemeClr val="accent1"/>
-          </a:effectRef>
-          <a:fontRef idx="minor">
-            <a:schemeClr val="lt1"/>
-          </a:fontRef>
-        </p:style>
-        <p:txBody>
-          <a:bodyPr rtlCol="0" anchor="ctr"/>
-          <a:lstStyle/>
-          <a:p>
-            <a:pPr algn="ctr"/>
-            <a:r>
-              <a:rPr lang="en-US" dirty="0"/>
-              <a:t>Placeholder for future test</a:t>
-            </a:r>
-          </a:p>
-        </p:txBody>
-      </p:sp>
-    </p:spTree>
-    <p:extLst>
-      <p:ext uri="{BB962C8B-B14F-4D97-AF65-F5344CB8AC3E}">
-        <p14:creationId xmlns:p14="http://schemas.microsoft.com/office/powerpoint/2010/main" val="925289926"/>
-      </p:ext>
-    </p:extLst>
-  </p:cSld>
-  <p:clrMapOvr>
-    <a:masterClrMapping/>
-  </p:clrMapOvr>
-  <mc:AlternateContent xmlns:mc="http://schemas.openxmlformats.org/markup-compatibility/2006">
-    <mc:Choice xmlns:p14="http://schemas.microsoft.com/office/powerpoint/2010/main" Requires="p14">
-      <p:transition spd="med" p14:dur="700">
-        <p:fade/>
-      </p:transition>
-    </mc:Choice>
-    <mc:Fallback>
-      <p:transition spd="med">
-        <p:fade/>
-      </p:transition>
-    </mc:Fallback>
-  </mc:AlternateContent>
-</p:sld>
-</file>
-
-<file path=ppt/slides/slide6.xml><?xml version="1.0" encoding="utf-8"?>
-<p:sld xmlns:a="http://schemas.openxmlformats.org/drawingml/2006/main" xmlns:r="http://schemas.openxmlformats.org/officeDocument/2006/relationships" xmlns:p="http://schemas.openxmlformats.org/presentationml/2006/main">
-  <p:cSld>
-    <p:spTree>
-      <p:nvGrpSpPr>
-        <p:cNvPr id="1" name=""/>
-        <p:cNvGrpSpPr/>
-        <p:nvPr/>
-      </p:nvGrpSpPr>
-      <p:grpSpPr>
-        <a:xfrm>
-          <a:off x="0" y="0"/>
-          <a:ext cx="0" cy="0"/>
-          <a:chOff x="0" y="0"/>
-          <a:chExt cx="0" cy="0"/>
-        </a:xfrm>
-      </p:grpSpPr>
-      <p:sp>
-        <p:nvSpPr>
-          <p:cNvPr id="2" name="Title 1">
-            <a:extLst>
-              <a:ext uri="{FF2B5EF4-FFF2-40B4-BE49-F238E27FC236}">
                 <a16:creationId xmlns:a16="http://schemas.microsoft.com/office/drawing/2014/main" id="{6F89D543-5E1B-494A-9845-6B06D1AF6E76}"/>
               </a:ext>
             </a:extLst>
@@ -17444,6 +17470,567 @@
 </p:sld>
 </file>
 
+<file path=ppt/slides/slide6.xml><?xml version="1.0" encoding="utf-8"?>
+<p:sld xmlns:a="http://schemas.openxmlformats.org/drawingml/2006/main" xmlns:r="http://schemas.openxmlformats.org/officeDocument/2006/relationships" xmlns:p="http://schemas.openxmlformats.org/presentationml/2006/main">
+  <p:cSld>
+    <p:spTree>
+      <p:nvGrpSpPr>
+        <p:cNvPr id="1" name=""/>
+        <p:cNvGrpSpPr/>
+        <p:nvPr/>
+      </p:nvGrpSpPr>
+      <p:grpSpPr>
+        <a:xfrm>
+          <a:off x="0" y="0"/>
+          <a:ext cx="0" cy="0"/>
+          <a:chOff x="0" y="0"/>
+          <a:chExt cx="0" cy="0"/>
+        </a:xfrm>
+      </p:grpSpPr>
+      <p:sp>
+        <p:nvSpPr>
+          <p:cNvPr id="2" name="Title 1">
+            <a:extLst>
+              <a:ext uri="{FF2B5EF4-FFF2-40B4-BE49-F238E27FC236}">
+                <a16:creationId xmlns:a16="http://schemas.microsoft.com/office/drawing/2014/main" id="{AE1E06A8-B063-4737-973D-CCF0EC0917BD}"/>
+              </a:ext>
+            </a:extLst>
+          </p:cNvPr>
+          <p:cNvSpPr>
+            <a:spLocks noGrp="1"/>
+          </p:cNvSpPr>
+          <p:nvPr>
+            <p:ph type="title"/>
+          </p:nvPr>
+        </p:nvSpPr>
+        <p:spPr/>
+        <p:txBody>
+          <a:bodyPr/>
+          <a:lstStyle/>
+          <a:p>
+            <a:r>
+              <a:rPr lang="en-US" dirty="0"/>
+              <a:t>Optional Test Modifiers</a:t>
+            </a:r>
+          </a:p>
+        </p:txBody>
+      </p:sp>
+      <p:pic>
+        <p:nvPicPr>
+          <p:cNvPr id="3" name="Picture 2">
+            <a:extLst>
+              <a:ext uri="{FF2B5EF4-FFF2-40B4-BE49-F238E27FC236}">
+                <a16:creationId xmlns:a16="http://schemas.microsoft.com/office/drawing/2014/main" id="{C8FC7E2F-739C-47E3-B00D-6CC11D776640}"/>
+              </a:ext>
+            </a:extLst>
+          </p:cNvPr>
+          <p:cNvPicPr>
+            <a:picLocks noChangeAspect="1"/>
+          </p:cNvPicPr>
+          <p:nvPr/>
+        </p:nvPicPr>
+        <p:blipFill>
+          <a:blip r:embed="rId3"/>
+          <a:stretch>
+            <a:fillRect/>
+          </a:stretch>
+        </p:blipFill>
+        <p:spPr>
+          <a:xfrm>
+            <a:off x="5215222" y="1404086"/>
+            <a:ext cx="6853776" cy="4912307"/>
+          </a:xfrm>
+          <a:prstGeom prst="rect">
+            <a:avLst/>
+          </a:prstGeom>
+          <a:solidFill>
+            <a:schemeClr val="tx1"/>
+          </a:solidFill>
+          <a:ln>
+            <a:solidFill>
+              <a:schemeClr val="bg2">
+                <a:lumMod val="75000"/>
+              </a:schemeClr>
+            </a:solidFill>
+          </a:ln>
+          <a:effectLst>
+            <a:outerShdw blurRad="50800" dist="38100" dir="2700000" algn="tl" rotWithShape="0">
+              <a:prstClr val="black">
+                <a:alpha val="40000"/>
+              </a:prstClr>
+            </a:outerShdw>
+          </a:effectLst>
+        </p:spPr>
+      </p:pic>
+      <p:sp>
+        <p:nvSpPr>
+          <p:cNvPr id="19" name="Flowchart: Process 18">
+            <a:extLst>
+              <a:ext uri="{FF2B5EF4-FFF2-40B4-BE49-F238E27FC236}">
+                <a16:creationId xmlns:a16="http://schemas.microsoft.com/office/drawing/2014/main" id="{35CEF6E2-BEFD-41A9-B164-26967F390B64}"/>
+              </a:ext>
+            </a:extLst>
+          </p:cNvPr>
+          <p:cNvSpPr/>
+          <p:nvPr/>
+        </p:nvSpPr>
+        <p:spPr>
+          <a:xfrm>
+            <a:off x="5719202" y="2598622"/>
+            <a:ext cx="410251" cy="245969"/>
+          </a:xfrm>
+          <a:prstGeom prst="flowChartProcess">
+            <a:avLst/>
+          </a:prstGeom>
+          <a:noFill/>
+          <a:ln w="19050">
+            <a:solidFill>
+              <a:srgbClr val="FFFF00"/>
+            </a:solidFill>
+          </a:ln>
+        </p:spPr>
+        <p:style>
+          <a:lnRef idx="2">
+            <a:schemeClr val="accent1">
+              <a:shade val="50000"/>
+            </a:schemeClr>
+          </a:lnRef>
+          <a:fillRef idx="1">
+            <a:schemeClr val="accent1"/>
+          </a:fillRef>
+          <a:effectRef idx="0">
+            <a:schemeClr val="accent1"/>
+          </a:effectRef>
+          <a:fontRef idx="minor">
+            <a:schemeClr val="lt1"/>
+          </a:fontRef>
+        </p:style>
+        <p:txBody>
+          <a:bodyPr rtlCol="0" anchor="ctr"/>
+          <a:lstStyle/>
+          <a:p>
+            <a:pPr algn="ctr"/>
+            <a:endParaRPr lang="en-US"/>
+          </a:p>
+        </p:txBody>
+      </p:sp>
+      <p:sp>
+        <p:nvSpPr>
+          <p:cNvPr id="20" name="Flowchart: Process 19">
+            <a:extLst>
+              <a:ext uri="{FF2B5EF4-FFF2-40B4-BE49-F238E27FC236}">
+                <a16:creationId xmlns:a16="http://schemas.microsoft.com/office/drawing/2014/main" id="{6EA9D086-BDE8-4237-B861-6CCDE8DD18F0}"/>
+              </a:ext>
+            </a:extLst>
+          </p:cNvPr>
+          <p:cNvSpPr/>
+          <p:nvPr/>
+        </p:nvSpPr>
+        <p:spPr>
+          <a:xfrm>
+            <a:off x="5719202" y="4579822"/>
+            <a:ext cx="410251" cy="245969"/>
+          </a:xfrm>
+          <a:prstGeom prst="flowChartProcess">
+            <a:avLst/>
+          </a:prstGeom>
+          <a:noFill/>
+          <a:ln w="19050">
+            <a:solidFill>
+              <a:srgbClr val="FFFF00"/>
+            </a:solidFill>
+          </a:ln>
+        </p:spPr>
+        <p:style>
+          <a:lnRef idx="2">
+            <a:schemeClr val="accent1">
+              <a:shade val="50000"/>
+            </a:schemeClr>
+          </a:lnRef>
+          <a:fillRef idx="1">
+            <a:schemeClr val="accent1"/>
+          </a:fillRef>
+          <a:effectRef idx="0">
+            <a:schemeClr val="accent1"/>
+          </a:effectRef>
+          <a:fontRef idx="minor">
+            <a:schemeClr val="lt1"/>
+          </a:fontRef>
+        </p:style>
+        <p:txBody>
+          <a:bodyPr rtlCol="0" anchor="ctr"/>
+          <a:lstStyle/>
+          <a:p>
+            <a:pPr algn="ctr"/>
+            <a:endParaRPr lang="en-US"/>
+          </a:p>
+        </p:txBody>
+      </p:sp>
+      <p:sp>
+        <p:nvSpPr>
+          <p:cNvPr id="21" name="Flowchart: Process 20">
+            <a:extLst>
+              <a:ext uri="{FF2B5EF4-FFF2-40B4-BE49-F238E27FC236}">
+                <a16:creationId xmlns:a16="http://schemas.microsoft.com/office/drawing/2014/main" id="{21F7700C-315F-4479-BD7D-557A2A938CF2}"/>
+              </a:ext>
+            </a:extLst>
+          </p:cNvPr>
+          <p:cNvSpPr/>
+          <p:nvPr/>
+        </p:nvSpPr>
+        <p:spPr>
+          <a:xfrm>
+            <a:off x="5698689" y="5325122"/>
+            <a:ext cx="451276" cy="245969"/>
+          </a:xfrm>
+          <a:prstGeom prst="flowChartProcess">
+            <a:avLst/>
+          </a:prstGeom>
+          <a:noFill/>
+          <a:ln w="19050">
+            <a:solidFill>
+              <a:srgbClr val="FFFF00"/>
+            </a:solidFill>
+          </a:ln>
+        </p:spPr>
+        <p:style>
+          <a:lnRef idx="2">
+            <a:schemeClr val="accent1">
+              <a:shade val="50000"/>
+            </a:schemeClr>
+          </a:lnRef>
+          <a:fillRef idx="1">
+            <a:schemeClr val="accent1"/>
+          </a:fillRef>
+          <a:effectRef idx="0">
+            <a:schemeClr val="accent1"/>
+          </a:effectRef>
+          <a:fontRef idx="minor">
+            <a:schemeClr val="lt1"/>
+          </a:fontRef>
+        </p:style>
+        <p:txBody>
+          <a:bodyPr rtlCol="0" anchor="ctr"/>
+          <a:lstStyle/>
+          <a:p>
+            <a:pPr algn="ctr"/>
+            <a:endParaRPr lang="en-US"/>
+          </a:p>
+        </p:txBody>
+      </p:sp>
+      <p:sp>
+        <p:nvSpPr>
+          <p:cNvPr id="22" name="Flowchart: Process 21">
+            <a:extLst>
+              <a:ext uri="{FF2B5EF4-FFF2-40B4-BE49-F238E27FC236}">
+                <a16:creationId xmlns:a16="http://schemas.microsoft.com/office/drawing/2014/main" id="{5121530C-4BD3-400D-9791-202E910B2B6F}"/>
+              </a:ext>
+            </a:extLst>
+          </p:cNvPr>
+          <p:cNvSpPr/>
+          <p:nvPr/>
+        </p:nvSpPr>
+        <p:spPr>
+          <a:xfrm>
+            <a:off x="5719202" y="6070866"/>
+            <a:ext cx="451276" cy="245969"/>
+          </a:xfrm>
+          <a:prstGeom prst="flowChartProcess">
+            <a:avLst/>
+          </a:prstGeom>
+          <a:noFill/>
+          <a:ln w="19050">
+            <a:solidFill>
+              <a:srgbClr val="FFFF00"/>
+            </a:solidFill>
+          </a:ln>
+        </p:spPr>
+        <p:style>
+          <a:lnRef idx="2">
+            <a:schemeClr val="accent1">
+              <a:shade val="50000"/>
+            </a:schemeClr>
+          </a:lnRef>
+          <a:fillRef idx="1">
+            <a:schemeClr val="accent1"/>
+          </a:fillRef>
+          <a:effectRef idx="0">
+            <a:schemeClr val="accent1"/>
+          </a:effectRef>
+          <a:fontRef idx="minor">
+            <a:schemeClr val="lt1"/>
+          </a:fontRef>
+        </p:style>
+        <p:txBody>
+          <a:bodyPr rtlCol="0" anchor="ctr"/>
+          <a:lstStyle/>
+          <a:p>
+            <a:pPr algn="ctr"/>
+            <a:endParaRPr lang="en-US"/>
+          </a:p>
+        </p:txBody>
+      </p:sp>
+      <p:sp>
+        <p:nvSpPr>
+          <p:cNvPr id="23" name="Speech Bubble: Rectangle 22">
+            <a:extLst>
+              <a:ext uri="{FF2B5EF4-FFF2-40B4-BE49-F238E27FC236}">
+                <a16:creationId xmlns:a16="http://schemas.microsoft.com/office/drawing/2014/main" id="{59CEA354-A46E-44FA-9A71-C227118C23AE}"/>
+              </a:ext>
+            </a:extLst>
+          </p:cNvPr>
+          <p:cNvSpPr/>
+          <p:nvPr/>
+        </p:nvSpPr>
+        <p:spPr>
+          <a:xfrm>
+            <a:off x="1572322" y="2193917"/>
+            <a:ext cx="2430966" cy="404705"/>
+          </a:xfrm>
+          <a:prstGeom prst="wedgeRectCallout">
+            <a:avLst>
+              <a:gd name="adj1" fmla="val 119984"/>
+              <a:gd name="adj2" fmla="val 53920"/>
+            </a:avLst>
+          </a:prstGeom>
+          <a:effectLst>
+            <a:outerShdw blurRad="50800" dist="38100" dir="2700000" algn="tl" rotWithShape="0">
+              <a:prstClr val="black">
+                <a:alpha val="40000"/>
+              </a:prstClr>
+            </a:outerShdw>
+          </a:effectLst>
+        </p:spPr>
+        <p:style>
+          <a:lnRef idx="2">
+            <a:schemeClr val="accent1">
+              <a:shade val="50000"/>
+            </a:schemeClr>
+          </a:lnRef>
+          <a:fillRef idx="1">
+            <a:schemeClr val="accent1"/>
+          </a:fillRef>
+          <a:effectRef idx="0">
+            <a:schemeClr val="accent1"/>
+          </a:effectRef>
+          <a:fontRef idx="minor">
+            <a:schemeClr val="lt1"/>
+          </a:fontRef>
+        </p:style>
+        <p:txBody>
+          <a:bodyPr rtlCol="0" anchor="ctr"/>
+          <a:lstStyle/>
+          <a:p>
+            <a:pPr algn="ctr"/>
+            <a:r>
+              <a:rPr lang="en-US" dirty="0"/>
+              <a:t>Tests multiple inputs</a:t>
+            </a:r>
+          </a:p>
+        </p:txBody>
+      </p:sp>
+      <p:sp>
+        <p:nvSpPr>
+          <p:cNvPr id="24" name="Speech Bubble: Rectangle 23">
+            <a:extLst>
+              <a:ext uri="{FF2B5EF4-FFF2-40B4-BE49-F238E27FC236}">
+                <a16:creationId xmlns:a16="http://schemas.microsoft.com/office/drawing/2014/main" id="{202144BD-059B-4229-9BC7-862659C032E6}"/>
+              </a:ext>
+            </a:extLst>
+          </p:cNvPr>
+          <p:cNvSpPr/>
+          <p:nvPr/>
+        </p:nvSpPr>
+        <p:spPr>
+          <a:xfrm>
+            <a:off x="1470210" y="4036420"/>
+            <a:ext cx="2430966" cy="666386"/>
+          </a:xfrm>
+          <a:prstGeom prst="wedgeRectCallout">
+            <a:avLst>
+              <a:gd name="adj1" fmla="val 124842"/>
+              <a:gd name="adj2" fmla="val 37796"/>
+            </a:avLst>
+          </a:prstGeom>
+          <a:effectLst>
+            <a:outerShdw blurRad="50800" dist="38100" dir="2700000" algn="tl" rotWithShape="0">
+              <a:prstClr val="black">
+                <a:alpha val="40000"/>
+              </a:prstClr>
+            </a:outerShdw>
+          </a:effectLst>
+        </p:spPr>
+        <p:style>
+          <a:lnRef idx="2">
+            <a:schemeClr val="accent1">
+              <a:shade val="50000"/>
+            </a:schemeClr>
+          </a:lnRef>
+          <a:fillRef idx="1">
+            <a:schemeClr val="accent1"/>
+          </a:fillRef>
+          <a:effectRef idx="0">
+            <a:schemeClr val="accent1"/>
+          </a:effectRef>
+          <a:fontRef idx="minor">
+            <a:schemeClr val="lt1"/>
+          </a:fontRef>
+        </p:style>
+        <p:txBody>
+          <a:bodyPr rtlCol="0" anchor="ctr"/>
+          <a:lstStyle/>
+          <a:p>
+            <a:pPr algn="ctr"/>
+            <a:r>
+              <a:rPr lang="en-US" dirty="0"/>
+              <a:t>Only run this test (good for debugging)</a:t>
+            </a:r>
+          </a:p>
+        </p:txBody>
+      </p:sp>
+      <p:sp>
+        <p:nvSpPr>
+          <p:cNvPr id="25" name="Speech Bubble: Rectangle 24">
+            <a:extLst>
+              <a:ext uri="{FF2B5EF4-FFF2-40B4-BE49-F238E27FC236}">
+                <a16:creationId xmlns:a16="http://schemas.microsoft.com/office/drawing/2014/main" id="{00170D98-505C-4C5F-B2CD-19D04590E9A0}"/>
+              </a:ext>
+            </a:extLst>
+          </p:cNvPr>
+          <p:cNvSpPr/>
+          <p:nvPr/>
+        </p:nvSpPr>
+        <p:spPr>
+          <a:xfrm>
+            <a:off x="2318587" y="5158525"/>
+            <a:ext cx="1416249" cy="333193"/>
+          </a:xfrm>
+          <a:prstGeom prst="wedgeRectCallout">
+            <a:avLst>
+              <a:gd name="adj1" fmla="val 186718"/>
+              <a:gd name="adj2" fmla="val 7357"/>
+            </a:avLst>
+          </a:prstGeom>
+          <a:effectLst>
+            <a:outerShdw blurRad="50800" dist="38100" dir="2700000" algn="tl" rotWithShape="0">
+              <a:prstClr val="black">
+                <a:alpha val="40000"/>
+              </a:prstClr>
+            </a:outerShdw>
+          </a:effectLst>
+        </p:spPr>
+        <p:style>
+          <a:lnRef idx="2">
+            <a:schemeClr val="accent1">
+              <a:shade val="50000"/>
+            </a:schemeClr>
+          </a:lnRef>
+          <a:fillRef idx="1">
+            <a:schemeClr val="accent1"/>
+          </a:fillRef>
+          <a:effectRef idx="0">
+            <a:schemeClr val="accent1"/>
+          </a:effectRef>
+          <a:fontRef idx="minor">
+            <a:schemeClr val="lt1"/>
+          </a:fontRef>
+        </p:style>
+        <p:txBody>
+          <a:bodyPr rtlCol="0" anchor="ctr"/>
+          <a:lstStyle/>
+          <a:p>
+            <a:pPr algn="ctr"/>
+            <a:r>
+              <a:rPr lang="en-US" dirty="0"/>
+              <a:t>Skip this test</a:t>
+            </a:r>
+          </a:p>
+        </p:txBody>
+      </p:sp>
+      <p:sp>
+        <p:nvSpPr>
+          <p:cNvPr id="26" name="Speech Bubble: Rectangle 25">
+            <a:extLst>
+              <a:ext uri="{FF2B5EF4-FFF2-40B4-BE49-F238E27FC236}">
+                <a16:creationId xmlns:a16="http://schemas.microsoft.com/office/drawing/2014/main" id="{D46B2730-5CAF-461E-80F4-CC4EBB273431}"/>
+              </a:ext>
+            </a:extLst>
+          </p:cNvPr>
+          <p:cNvSpPr/>
+          <p:nvPr/>
+        </p:nvSpPr>
+        <p:spPr>
+          <a:xfrm>
+            <a:off x="1103972" y="6061987"/>
+            <a:ext cx="2797160" cy="333193"/>
+          </a:xfrm>
+          <a:prstGeom prst="wedgeRectCallout">
+            <a:avLst>
+              <a:gd name="adj1" fmla="val 114486"/>
+              <a:gd name="adj2" fmla="val 12075"/>
+            </a:avLst>
+          </a:prstGeom>
+          <a:effectLst>
+            <a:outerShdw blurRad="50800" dist="38100" dir="2700000" algn="tl" rotWithShape="0">
+              <a:prstClr val="black">
+                <a:alpha val="40000"/>
+              </a:prstClr>
+            </a:outerShdw>
+          </a:effectLst>
+        </p:spPr>
+        <p:style>
+          <a:lnRef idx="2">
+            <a:schemeClr val="accent1">
+              <a:shade val="50000"/>
+            </a:schemeClr>
+          </a:lnRef>
+          <a:fillRef idx="1">
+            <a:schemeClr val="accent1"/>
+          </a:fillRef>
+          <a:effectRef idx="0">
+            <a:schemeClr val="accent1"/>
+          </a:effectRef>
+          <a:fontRef idx="minor">
+            <a:schemeClr val="lt1"/>
+          </a:fontRef>
+        </p:style>
+        <p:txBody>
+          <a:bodyPr rtlCol="0" anchor="ctr"/>
+          <a:lstStyle/>
+          <a:p>
+            <a:pPr algn="ctr"/>
+            <a:r>
+              <a:rPr lang="en-US" dirty="0"/>
+              <a:t>Placeholder for future test</a:t>
+            </a:r>
+          </a:p>
+        </p:txBody>
+      </p:sp>
+    </p:spTree>
+    <p:extLst>
+      <p:ext uri="{BB962C8B-B14F-4D97-AF65-F5344CB8AC3E}">
+        <p14:creationId xmlns:p14="http://schemas.microsoft.com/office/powerpoint/2010/main" val="925289926"/>
+      </p:ext>
+    </p:extLst>
+  </p:cSld>
+  <p:clrMapOvr>
+    <a:masterClrMapping/>
+  </p:clrMapOvr>
+  <mc:AlternateContent xmlns:mc="http://schemas.openxmlformats.org/markup-compatibility/2006">
+    <mc:Choice xmlns:p14="http://schemas.microsoft.com/office/powerpoint/2010/main" Requires="p14">
+      <p:transition spd="med" p14:dur="700">
+        <p:fade/>
+      </p:transition>
+    </mc:Choice>
+    <mc:Fallback>
+      <p:transition spd="med">
+        <p:fade/>
+      </p:transition>
+    </mc:Fallback>
+  </mc:AlternateContent>
+</p:sld>
+</file>
+
 <file path=ppt/slides/slide7.xml><?xml version="1.0" encoding="utf-8"?>
 <p:sld xmlns:a="http://schemas.openxmlformats.org/drawingml/2006/main" xmlns:r="http://schemas.openxmlformats.org/officeDocument/2006/relationships" xmlns:p="http://schemas.openxmlformats.org/presentationml/2006/main">
   <p:cSld>
@@ -17543,7 +18130,7 @@
           <p:nvPr/>
         </p:nvPicPr>
         <p:blipFill>
-          <a:blip r:embed="rId2"/>
+          <a:blip r:embed="rId3"/>
           <a:stretch>
             <a:fillRect/>
           </a:stretch>

--- a/TestingPresentation.pptx
+++ b/TestingPresentation.pptx
@@ -125,6 +125,11 @@
       </a:defRPr>
     </a:lvl9pPr>
   </p:defaultTextStyle>
+  <p:extLst>
+    <p:ext uri="{EFAFB233-063F-42B5-8137-9DF3F51BA10A}">
+      <p15:sldGuideLst xmlns:p15="http://schemas.microsoft.com/office/powerpoint/2012/main"/>
+    </p:ext>
+  </p:extLst>
 </p:presentation>
 </file>
 
@@ -638,7 +643,66 @@
           <a:p>
             <a:r>
               <a:rPr lang="en-US" dirty="0"/>
-              <a:t>One could even mock service calls in atlas; specifically </a:t>
+              <a:t>In this example you can see that </a:t>
+            </a:r>
+            <a:r>
+              <a:rPr lang="en-US" dirty="0" err="1"/>
+              <a:t>FrozenDrinks</a:t>
+            </a:r>
+            <a:r>
+              <a:rPr lang="en-US" dirty="0"/>
+              <a:t> is a class with a function called </a:t>
+            </a:r>
+            <a:r>
+              <a:rPr lang="en-US" dirty="0" err="1"/>
+              <a:t>getFavoriteMilkShake</a:t>
+            </a:r>
+            <a:r>
+              <a:rPr lang="en-US" dirty="0"/>
+              <a:t> which returns “Strawberry”</a:t>
+            </a:r>
+          </a:p>
+          <a:p>
+            <a:endParaRPr lang="en-US" dirty="0"/>
+          </a:p>
+          <a:p>
+            <a:r>
+              <a:rPr lang="en-US" dirty="0"/>
+              <a:t>In our test, lines 5 and 6 setup a mock </a:t>
+            </a:r>
+            <a:r>
+              <a:rPr lang="en-US" dirty="0" err="1"/>
+              <a:t>getMilkShake</a:t>
+            </a:r>
+            <a:r>
+              <a:rPr lang="en-US" dirty="0"/>
+              <a:t> function.  On line 15 we make the mock get milkshake function return “banana”</a:t>
+            </a:r>
+          </a:p>
+          <a:p>
+            <a:endParaRPr lang="en-US" dirty="0"/>
+          </a:p>
+          <a:p>
+            <a:pPr marL="0" marR="0" lvl="0" indent="0" algn="l" defTabSz="914400" rtl="0" eaLnBrk="1" fontAlgn="auto" latinLnBrk="0" hangingPunct="1">
+              <a:lnSpc>
+                <a:spcPct val="100000"/>
+              </a:lnSpc>
+              <a:spcBef>
+                <a:spcPts val="0"/>
+              </a:spcBef>
+              <a:spcAft>
+                <a:spcPts val="0"/>
+              </a:spcAft>
+              <a:buClrTx/>
+              <a:buSzTx/>
+              <a:buFontTx/>
+              <a:buNone/>
+              <a:tabLst/>
+              <a:defRPr/>
+            </a:pPr>
+            <a:r>
+              <a:rPr lang="en-US" dirty="0"/>
+              <a:t>This concept could be extended to mocking the service layer in atlas, specifically </a:t>
             </a:r>
             <a:r>
               <a:rPr lang="en-US" dirty="0" err="1"/>
@@ -648,6 +712,9 @@
               <a:rPr lang="en-US" dirty="0"/>
               <a:t>().execute so that a service call provides a defined response which will enable testing the result of API calls.  This will let us test our component’s behavior based on different service call responses without interacting with the service layer</a:t>
             </a:r>
+          </a:p>
+          <a:p>
+            <a:endParaRPr lang="en-US" dirty="0"/>
           </a:p>
         </p:txBody>
       </p:sp>
@@ -2642,7 +2709,7 @@
           <a:p>
             <a:fld id="{77B404CD-F463-4AED-8CEA-6C70E5CC99DF}" type="datetimeFigureOut">
               <a:rPr lang="en-US" smtClean="0"/>
-              <a:t>2/16/2020</a:t>
+              <a:t>2/18/2020</a:t>
             </a:fld>
             <a:endParaRPr lang="en-US"/>
           </a:p>
@@ -2840,7 +2907,7 @@
           <a:p>
             <a:fld id="{77B404CD-F463-4AED-8CEA-6C70E5CC99DF}" type="datetimeFigureOut">
               <a:rPr lang="en-US" smtClean="0"/>
-              <a:t>2/16/2020</a:t>
+              <a:t>2/18/2020</a:t>
             </a:fld>
             <a:endParaRPr lang="en-US"/>
           </a:p>
@@ -3048,7 +3115,7 @@
           <a:p>
             <a:fld id="{77B404CD-F463-4AED-8CEA-6C70E5CC99DF}" type="datetimeFigureOut">
               <a:rPr lang="en-US" smtClean="0"/>
-              <a:t>2/16/2020</a:t>
+              <a:t>2/18/2020</a:t>
             </a:fld>
             <a:endParaRPr lang="en-US"/>
           </a:p>
@@ -3246,7 +3313,7 @@
           <a:p>
             <a:fld id="{77B404CD-F463-4AED-8CEA-6C70E5CC99DF}" type="datetimeFigureOut">
               <a:rPr lang="en-US" smtClean="0"/>
-              <a:t>2/16/2020</a:t>
+              <a:t>2/18/2020</a:t>
             </a:fld>
             <a:endParaRPr lang="en-US"/>
           </a:p>
@@ -3521,7 +3588,7 @@
           <a:p>
             <a:fld id="{77B404CD-F463-4AED-8CEA-6C70E5CC99DF}" type="datetimeFigureOut">
               <a:rPr lang="en-US" smtClean="0"/>
-              <a:t>2/16/2020</a:t>
+              <a:t>2/18/2020</a:t>
             </a:fld>
             <a:endParaRPr lang="en-US"/>
           </a:p>
@@ -3786,7 +3853,7 @@
           <a:p>
             <a:fld id="{77B404CD-F463-4AED-8CEA-6C70E5CC99DF}" type="datetimeFigureOut">
               <a:rPr lang="en-US" smtClean="0"/>
-              <a:t>2/16/2020</a:t>
+              <a:t>2/18/2020</a:t>
             </a:fld>
             <a:endParaRPr lang="en-US"/>
           </a:p>
@@ -4198,7 +4265,7 @@
           <a:p>
             <a:fld id="{77B404CD-F463-4AED-8CEA-6C70E5CC99DF}" type="datetimeFigureOut">
               <a:rPr lang="en-US" smtClean="0"/>
-              <a:t>2/16/2020</a:t>
+              <a:t>2/18/2020</a:t>
             </a:fld>
             <a:endParaRPr lang="en-US"/>
           </a:p>
@@ -4339,7 +4406,7 @@
           <a:p>
             <a:fld id="{77B404CD-F463-4AED-8CEA-6C70E5CC99DF}" type="datetimeFigureOut">
               <a:rPr lang="en-US" smtClean="0"/>
-              <a:t>2/16/2020</a:t>
+              <a:t>2/18/2020</a:t>
             </a:fld>
             <a:endParaRPr lang="en-US"/>
           </a:p>
@@ -4452,7 +4519,7 @@
           <a:p>
             <a:fld id="{77B404CD-F463-4AED-8CEA-6C70E5CC99DF}" type="datetimeFigureOut">
               <a:rPr lang="en-US" smtClean="0"/>
-              <a:t>2/16/2020</a:t>
+              <a:t>2/18/2020</a:t>
             </a:fld>
             <a:endParaRPr lang="en-US"/>
           </a:p>
@@ -4763,7 +4830,7 @@
           <a:p>
             <a:fld id="{77B404CD-F463-4AED-8CEA-6C70E5CC99DF}" type="datetimeFigureOut">
               <a:rPr lang="en-US" smtClean="0"/>
-              <a:t>2/16/2020</a:t>
+              <a:t>2/18/2020</a:t>
             </a:fld>
             <a:endParaRPr lang="en-US"/>
           </a:p>
@@ -5051,7 +5118,7 @@
           <a:p>
             <a:fld id="{77B404CD-F463-4AED-8CEA-6C70E5CC99DF}" type="datetimeFigureOut">
               <a:rPr lang="en-US" smtClean="0"/>
-              <a:t>2/16/2020</a:t>
+              <a:t>2/18/2020</a:t>
             </a:fld>
             <a:endParaRPr lang="en-US"/>
           </a:p>
@@ -5292,7 +5359,7 @@
           <a:p>
             <a:fld id="{77B404CD-F463-4AED-8CEA-6C70E5CC99DF}" type="datetimeFigureOut">
               <a:rPr lang="en-US" smtClean="0"/>
-              <a:t>2/16/2020</a:t>
+              <a:t>2/18/2020</a:t>
             </a:fld>
             <a:endParaRPr lang="en-US"/>
           </a:p>
@@ -5824,13 +5891,13 @@
   <p:clrMapOvr>
     <a:masterClrMapping/>
   </p:clrMapOvr>
-  <mc:AlternateContent xmlns:mc="http://schemas.openxmlformats.org/markup-compatibility/2006">
-    <mc:Choice xmlns:p14="http://schemas.microsoft.com/office/powerpoint/2010/main" Requires="p14">
+  <mc:AlternateContent xmlns:mc="http://schemas.openxmlformats.org/markup-compatibility/2006" xmlns:p14="http://schemas.microsoft.com/office/powerpoint/2010/main">
+    <mc:Choice Requires="p14">
       <p:transition spd="med" p14:dur="700">
         <p:fade/>
       </p:transition>
     </mc:Choice>
-    <mc:Fallback>
+    <mc:Fallback xmlns="">
       <p:transition spd="med">
         <p:fade/>
       </p:transition>
@@ -5886,44 +5953,6 @@
       </p:sp>
       <p:sp>
         <p:nvSpPr>
-          <p:cNvPr id="6" name="Rectangle 5">
-            <a:extLst>
-              <a:ext uri="{FF2B5EF4-FFF2-40B4-BE49-F238E27FC236}">
-                <a16:creationId xmlns:a16="http://schemas.microsoft.com/office/drawing/2014/main" id="{DA921DA2-63AF-41F9-9F90-832257205BF8}"/>
-              </a:ext>
-            </a:extLst>
-          </p:cNvPr>
-          <p:cNvSpPr/>
-          <p:nvPr/>
-        </p:nvSpPr>
-        <p:spPr>
-          <a:xfrm>
-            <a:off x="5895703" y="2039917"/>
-            <a:ext cx="6096000" cy="646331"/>
-          </a:xfrm>
-          <a:prstGeom prst="rect">
-            <a:avLst/>
-          </a:prstGeom>
-        </p:spPr>
-        <p:txBody>
-          <a:bodyPr>
-            <a:spAutoFit/>
-          </a:bodyPr>
-          <a:lstStyle/>
-          <a:p>
-            <a:r>
-              <a:rPr lang="en-US" b="0" i="0" dirty="0">
-                <a:effectLst/>
-                <a:latin typeface="medium-content-serif-font"/>
-              </a:rPr>
-              <a:t>“The goal for mocking is to replace something we don’t control with something we do…”</a:t>
-            </a:r>
-            <a:endParaRPr lang="en-US" dirty="0"/>
-          </a:p>
-        </p:txBody>
-      </p:sp>
-      <p:sp>
-        <p:nvSpPr>
           <p:cNvPr id="7" name="TextBox 6">
             <a:extLst>
               <a:ext uri="{FF2B5EF4-FFF2-40B4-BE49-F238E27FC236}">
@@ -5963,795 +5992,6 @@
             <a:r>
               <a:rPr lang="en-US" sz="1400" dirty="0"/>
               <a:t>”, Rick Hanlon II</a:t>
-            </a:r>
-          </a:p>
-        </p:txBody>
-      </p:sp>
-      <p:sp>
-        <p:nvSpPr>
-          <p:cNvPr id="8" name="Rectangle 7">
-            <a:extLst>
-              <a:ext uri="{FF2B5EF4-FFF2-40B4-BE49-F238E27FC236}">
-                <a16:creationId xmlns:a16="http://schemas.microsoft.com/office/drawing/2014/main" id="{8A46EF69-4D72-426C-BA46-38D98C1B35B6}"/>
-              </a:ext>
-            </a:extLst>
-          </p:cNvPr>
-          <p:cNvSpPr/>
-          <p:nvPr/>
-        </p:nvSpPr>
-        <p:spPr>
-          <a:xfrm>
-            <a:off x="5895703" y="3035477"/>
-            <a:ext cx="6096000" cy="3416320"/>
-          </a:xfrm>
-          <a:prstGeom prst="rect">
-            <a:avLst/>
-          </a:prstGeom>
-          <a:solidFill>
-            <a:schemeClr val="tx1"/>
-          </a:solidFill>
-          <a:ln>
-            <a:solidFill>
-              <a:schemeClr val="bg2">
-                <a:lumMod val="75000"/>
-              </a:schemeClr>
-            </a:solidFill>
-          </a:ln>
-          <a:effectLst>
-            <a:outerShdw blurRad="50800" dist="38100" dir="2700000" algn="tl" rotWithShape="0">
-              <a:prstClr val="black">
-                <a:alpha val="40000"/>
-              </a:prstClr>
-            </a:outerShdw>
-          </a:effectLst>
-        </p:spPr>
-        <p:txBody>
-          <a:bodyPr>
-            <a:spAutoFit/>
-          </a:bodyPr>
-          <a:lstStyle/>
-          <a:p>
-            <a:r>
-              <a:rPr lang="en-US" b="0" dirty="0">
-                <a:solidFill>
-                  <a:srgbClr val="DCDCAA"/>
-                </a:solidFill>
-                <a:effectLst/>
-                <a:latin typeface="Consolas" panose="020B0609020204030204" pitchFamily="49" charset="0"/>
-              </a:rPr>
-              <a:t>it</a:t>
-            </a:r>
-            <a:r>
-              <a:rPr lang="en-US" b="0" dirty="0">
-                <a:solidFill>
-                  <a:srgbClr val="D4D4D4"/>
-                </a:solidFill>
-                <a:effectLst/>
-                <a:latin typeface="Consolas" panose="020B0609020204030204" pitchFamily="49" charset="0"/>
-              </a:rPr>
-              <a:t>(</a:t>
-            </a:r>
-            <a:r>
-              <a:rPr lang="en-US" b="0" dirty="0">
-                <a:solidFill>
-                  <a:srgbClr val="CE9178"/>
-                </a:solidFill>
-                <a:effectLst/>
-                <a:latin typeface="Consolas" panose="020B0609020204030204" pitchFamily="49" charset="0"/>
-              </a:rPr>
-              <a:t>"returns undefined by default"</a:t>
-            </a:r>
-            <a:r>
-              <a:rPr lang="en-US" b="0" dirty="0">
-                <a:solidFill>
-                  <a:srgbClr val="D4D4D4"/>
-                </a:solidFill>
-                <a:effectLst/>
-                <a:latin typeface="Consolas" panose="020B0609020204030204" pitchFamily="49" charset="0"/>
-              </a:rPr>
-              <a:t>, () </a:t>
-            </a:r>
-            <a:r>
-              <a:rPr lang="en-US" b="0" dirty="0">
-                <a:solidFill>
-                  <a:srgbClr val="569CD6"/>
-                </a:solidFill>
-                <a:effectLst/>
-                <a:latin typeface="Consolas" panose="020B0609020204030204" pitchFamily="49" charset="0"/>
-              </a:rPr>
-              <a:t>=&gt;</a:t>
-            </a:r>
-            <a:r>
-              <a:rPr lang="en-US" b="0" dirty="0">
-                <a:solidFill>
-                  <a:srgbClr val="D4D4D4"/>
-                </a:solidFill>
-                <a:effectLst/>
-                <a:latin typeface="Consolas" panose="020B0609020204030204" pitchFamily="49" charset="0"/>
-              </a:rPr>
-              <a:t> {</a:t>
-            </a:r>
-          </a:p>
-          <a:p>
-            <a:r>
-              <a:rPr lang="en-US" b="0" dirty="0">
-                <a:solidFill>
-                  <a:srgbClr val="D4D4D4"/>
-                </a:solidFill>
-                <a:effectLst/>
-                <a:latin typeface="Consolas" panose="020B0609020204030204" pitchFamily="49" charset="0"/>
-              </a:rPr>
-              <a:t>  </a:t>
-            </a:r>
-            <a:r>
-              <a:rPr lang="en-US" b="0" dirty="0">
-                <a:solidFill>
-                  <a:srgbClr val="569CD6"/>
-                </a:solidFill>
-                <a:effectLst/>
-                <a:latin typeface="Consolas" panose="020B0609020204030204" pitchFamily="49" charset="0"/>
-              </a:rPr>
-              <a:t>const</a:t>
-            </a:r>
-            <a:r>
-              <a:rPr lang="en-US" b="0" dirty="0">
-                <a:solidFill>
-                  <a:srgbClr val="D4D4D4"/>
-                </a:solidFill>
-                <a:effectLst/>
-                <a:latin typeface="Consolas" panose="020B0609020204030204" pitchFamily="49" charset="0"/>
-              </a:rPr>
-              <a:t> </a:t>
-            </a:r>
-            <a:r>
-              <a:rPr lang="en-US" b="0" dirty="0">
-                <a:solidFill>
-                  <a:srgbClr val="9CDCFE"/>
-                </a:solidFill>
-                <a:effectLst/>
-                <a:latin typeface="Consolas" panose="020B0609020204030204" pitchFamily="49" charset="0"/>
-              </a:rPr>
-              <a:t>mock</a:t>
-            </a:r>
-            <a:r>
-              <a:rPr lang="en-US" b="0" dirty="0">
-                <a:solidFill>
-                  <a:srgbClr val="D4D4D4"/>
-                </a:solidFill>
-                <a:effectLst/>
-                <a:latin typeface="Consolas" panose="020B0609020204030204" pitchFamily="49" charset="0"/>
-              </a:rPr>
-              <a:t> = </a:t>
-            </a:r>
-            <a:r>
-              <a:rPr lang="en-US" b="0" dirty="0" err="1">
-                <a:solidFill>
-                  <a:srgbClr val="9CDCFE"/>
-                </a:solidFill>
-                <a:effectLst/>
-                <a:latin typeface="Consolas" panose="020B0609020204030204" pitchFamily="49" charset="0"/>
-              </a:rPr>
-              <a:t>jest</a:t>
-            </a:r>
-            <a:r>
-              <a:rPr lang="en-US" b="0" dirty="0" err="1">
-                <a:solidFill>
-                  <a:srgbClr val="D4D4D4"/>
-                </a:solidFill>
-                <a:effectLst/>
-                <a:latin typeface="Consolas" panose="020B0609020204030204" pitchFamily="49" charset="0"/>
-              </a:rPr>
-              <a:t>.</a:t>
-            </a:r>
-            <a:r>
-              <a:rPr lang="en-US" b="0" dirty="0" err="1">
-                <a:solidFill>
-                  <a:srgbClr val="DCDCAA"/>
-                </a:solidFill>
-                <a:effectLst/>
-                <a:latin typeface="Consolas" panose="020B0609020204030204" pitchFamily="49" charset="0"/>
-              </a:rPr>
-              <a:t>fn</a:t>
-            </a:r>
-            <a:r>
-              <a:rPr lang="en-US" b="0" dirty="0">
-                <a:solidFill>
-                  <a:srgbClr val="D4D4D4"/>
-                </a:solidFill>
-                <a:effectLst/>
-                <a:latin typeface="Consolas" panose="020B0609020204030204" pitchFamily="49" charset="0"/>
-              </a:rPr>
-              <a:t>();</a:t>
-            </a:r>
-          </a:p>
-          <a:p>
-            <a:r>
-              <a:rPr lang="en-US" dirty="0">
-                <a:solidFill>
-                  <a:srgbClr val="D4D4D4"/>
-                </a:solidFill>
-                <a:latin typeface="Consolas" panose="020B0609020204030204" pitchFamily="49" charset="0"/>
-              </a:rPr>
-              <a:t>  </a:t>
-            </a:r>
-            <a:r>
-              <a:rPr lang="en-US" dirty="0">
-                <a:solidFill>
-                  <a:srgbClr val="6A9955"/>
-                </a:solidFill>
-                <a:latin typeface="Consolas" panose="020B0609020204030204" pitchFamily="49" charset="0"/>
-              </a:rPr>
-              <a:t>// can also return a given or calculate value</a:t>
-            </a:r>
-          </a:p>
-          <a:p>
-            <a:r>
-              <a:rPr lang="en-US" b="0" dirty="0">
-                <a:solidFill>
-                  <a:srgbClr val="569CD6"/>
-                </a:solidFill>
-                <a:effectLst/>
-                <a:latin typeface="Consolas" panose="020B0609020204030204" pitchFamily="49" charset="0"/>
-              </a:rPr>
-              <a:t>  const</a:t>
-            </a:r>
-            <a:r>
-              <a:rPr lang="en-US" b="0" dirty="0">
-                <a:solidFill>
-                  <a:srgbClr val="D4D4D4"/>
-                </a:solidFill>
-                <a:effectLst/>
-                <a:latin typeface="Consolas" panose="020B0609020204030204" pitchFamily="49" charset="0"/>
-              </a:rPr>
-              <a:t> </a:t>
-            </a:r>
-            <a:r>
-              <a:rPr lang="en-US" b="0" dirty="0">
-                <a:solidFill>
-                  <a:srgbClr val="9CDCFE"/>
-                </a:solidFill>
-                <a:effectLst/>
-                <a:latin typeface="Consolas" panose="020B0609020204030204" pitchFamily="49" charset="0"/>
-              </a:rPr>
-              <a:t>mock</a:t>
-            </a:r>
-            <a:r>
-              <a:rPr lang="en-US" b="0" dirty="0">
-                <a:solidFill>
-                  <a:srgbClr val="D4D4D4"/>
-                </a:solidFill>
-                <a:effectLst/>
-                <a:latin typeface="Consolas" panose="020B0609020204030204" pitchFamily="49" charset="0"/>
-              </a:rPr>
-              <a:t> = </a:t>
-            </a:r>
-            <a:r>
-              <a:rPr lang="en-US" b="0" dirty="0" err="1">
-                <a:solidFill>
-                  <a:srgbClr val="9CDCFE"/>
-                </a:solidFill>
-                <a:effectLst/>
-                <a:latin typeface="Consolas" panose="020B0609020204030204" pitchFamily="49" charset="0"/>
-              </a:rPr>
-              <a:t>jest</a:t>
-            </a:r>
-            <a:r>
-              <a:rPr lang="en-US" b="0" dirty="0" err="1">
-                <a:solidFill>
-                  <a:srgbClr val="D4D4D4"/>
-                </a:solidFill>
-                <a:effectLst/>
-                <a:latin typeface="Consolas" panose="020B0609020204030204" pitchFamily="49" charset="0"/>
-              </a:rPr>
-              <a:t>.</a:t>
-            </a:r>
-            <a:r>
-              <a:rPr lang="en-US" b="0" dirty="0" err="1">
-                <a:solidFill>
-                  <a:srgbClr val="DCDCAA"/>
-                </a:solidFill>
-                <a:effectLst/>
-                <a:latin typeface="Consolas" panose="020B0609020204030204" pitchFamily="49" charset="0"/>
-              </a:rPr>
-              <a:t>fn</a:t>
-            </a:r>
-            <a:r>
-              <a:rPr lang="en-US" b="0" dirty="0">
-                <a:solidFill>
-                  <a:srgbClr val="D4D4D4"/>
-                </a:solidFill>
-                <a:effectLst/>
-                <a:latin typeface="Consolas" panose="020B0609020204030204" pitchFamily="49" charset="0"/>
-              </a:rPr>
-              <a:t>((</a:t>
-            </a:r>
-            <a:r>
-              <a:rPr lang="en-US" dirty="0">
-                <a:solidFill>
-                  <a:srgbClr val="9CDCFE"/>
-                </a:solidFill>
-                <a:latin typeface="Consolas" panose="020B0609020204030204" pitchFamily="49" charset="0"/>
-              </a:rPr>
-              <a:t>a, b</a:t>
-            </a:r>
-            <a:r>
-              <a:rPr lang="en-US" b="0" dirty="0">
-                <a:solidFill>
-                  <a:srgbClr val="D4D4D4"/>
-                </a:solidFill>
-                <a:effectLst/>
-                <a:latin typeface="Consolas" panose="020B0609020204030204" pitchFamily="49" charset="0"/>
-              </a:rPr>
-              <a:t>)=&gt; </a:t>
-            </a:r>
-            <a:r>
-              <a:rPr lang="en-US" dirty="0">
-                <a:solidFill>
-                  <a:srgbClr val="9CDCFE"/>
-                </a:solidFill>
-                <a:latin typeface="Consolas" panose="020B0609020204030204" pitchFamily="49" charset="0"/>
-              </a:rPr>
-              <a:t>a * b</a:t>
-            </a:r>
-            <a:r>
-              <a:rPr lang="en-US" b="0" dirty="0">
-                <a:solidFill>
-                  <a:srgbClr val="D4D4D4"/>
-                </a:solidFill>
-                <a:effectLst/>
-                <a:latin typeface="Consolas" panose="020B0609020204030204" pitchFamily="49" charset="0"/>
-              </a:rPr>
-              <a:t>);</a:t>
-            </a:r>
-          </a:p>
-          <a:p>
-            <a:br>
-              <a:rPr lang="en-US" b="0" dirty="0">
-                <a:solidFill>
-                  <a:srgbClr val="D4D4D4"/>
-                </a:solidFill>
-                <a:effectLst/>
-                <a:latin typeface="Consolas" panose="020B0609020204030204" pitchFamily="49" charset="0"/>
-              </a:rPr>
-            </a:br>
-            <a:r>
-              <a:rPr lang="en-US" b="0" dirty="0">
-                <a:solidFill>
-                  <a:srgbClr val="D4D4D4"/>
-                </a:solidFill>
-                <a:effectLst/>
-                <a:latin typeface="Consolas" panose="020B0609020204030204" pitchFamily="49" charset="0"/>
-              </a:rPr>
-              <a:t>  </a:t>
-            </a:r>
-            <a:r>
-              <a:rPr lang="en-US" b="0" dirty="0">
-                <a:solidFill>
-                  <a:srgbClr val="569CD6"/>
-                </a:solidFill>
-                <a:effectLst/>
-                <a:latin typeface="Consolas" panose="020B0609020204030204" pitchFamily="49" charset="0"/>
-              </a:rPr>
-              <a:t>let</a:t>
-            </a:r>
-            <a:r>
-              <a:rPr lang="en-US" b="0" dirty="0">
-                <a:solidFill>
-                  <a:srgbClr val="D4D4D4"/>
-                </a:solidFill>
-                <a:effectLst/>
-                <a:latin typeface="Consolas" panose="020B0609020204030204" pitchFamily="49" charset="0"/>
-              </a:rPr>
-              <a:t> </a:t>
-            </a:r>
-            <a:r>
-              <a:rPr lang="en-US" b="0" dirty="0">
-                <a:solidFill>
-                  <a:srgbClr val="9CDCFE"/>
-                </a:solidFill>
-                <a:effectLst/>
-                <a:latin typeface="Consolas" panose="020B0609020204030204" pitchFamily="49" charset="0"/>
-              </a:rPr>
-              <a:t>result</a:t>
-            </a:r>
-            <a:r>
-              <a:rPr lang="en-US" b="0" dirty="0">
-                <a:solidFill>
-                  <a:srgbClr val="D4D4D4"/>
-                </a:solidFill>
-                <a:effectLst/>
-                <a:latin typeface="Consolas" panose="020B0609020204030204" pitchFamily="49" charset="0"/>
-              </a:rPr>
-              <a:t> = </a:t>
-            </a:r>
-            <a:r>
-              <a:rPr lang="en-US" b="0" dirty="0">
-                <a:solidFill>
-                  <a:srgbClr val="DCDCAA"/>
-                </a:solidFill>
-                <a:effectLst/>
-                <a:latin typeface="Consolas" panose="020B0609020204030204" pitchFamily="49" charset="0"/>
-              </a:rPr>
-              <a:t>mock</a:t>
-            </a:r>
-            <a:r>
-              <a:rPr lang="en-US" b="0" dirty="0">
-                <a:solidFill>
-                  <a:srgbClr val="D4D4D4"/>
-                </a:solidFill>
-                <a:effectLst/>
-                <a:latin typeface="Consolas" panose="020B0609020204030204" pitchFamily="49" charset="0"/>
-              </a:rPr>
-              <a:t>(</a:t>
-            </a:r>
-            <a:r>
-              <a:rPr lang="en-US" b="0" dirty="0">
-                <a:solidFill>
-                  <a:srgbClr val="CE9178"/>
-                </a:solidFill>
-                <a:effectLst/>
-                <a:latin typeface="Consolas" panose="020B0609020204030204" pitchFamily="49" charset="0"/>
-              </a:rPr>
-              <a:t>"foo"</a:t>
-            </a:r>
-            <a:r>
-              <a:rPr lang="en-US" b="0" dirty="0">
-                <a:solidFill>
-                  <a:srgbClr val="D4D4D4"/>
-                </a:solidFill>
-                <a:effectLst/>
-                <a:latin typeface="Consolas" panose="020B0609020204030204" pitchFamily="49" charset="0"/>
-              </a:rPr>
-              <a:t>);</a:t>
-            </a:r>
-          </a:p>
-          <a:p>
-            <a:br>
-              <a:rPr lang="en-US" b="0" dirty="0">
-                <a:solidFill>
-                  <a:srgbClr val="D4D4D4"/>
-                </a:solidFill>
-                <a:effectLst/>
-                <a:latin typeface="Consolas" panose="020B0609020204030204" pitchFamily="49" charset="0"/>
-              </a:rPr>
-            </a:br>
-            <a:r>
-              <a:rPr lang="en-US" b="0" dirty="0">
-                <a:solidFill>
-                  <a:srgbClr val="D4D4D4"/>
-                </a:solidFill>
-                <a:effectLst/>
-                <a:latin typeface="Consolas" panose="020B0609020204030204" pitchFamily="49" charset="0"/>
-              </a:rPr>
-              <a:t>  </a:t>
-            </a:r>
-            <a:r>
-              <a:rPr lang="en-US" b="0" dirty="0">
-                <a:solidFill>
-                  <a:srgbClr val="DCDCAA"/>
-                </a:solidFill>
-                <a:effectLst/>
-                <a:latin typeface="Consolas" panose="020B0609020204030204" pitchFamily="49" charset="0"/>
-              </a:rPr>
-              <a:t>expect</a:t>
-            </a:r>
-            <a:r>
-              <a:rPr lang="en-US" b="0" dirty="0">
-                <a:solidFill>
-                  <a:srgbClr val="D4D4D4"/>
-                </a:solidFill>
-                <a:effectLst/>
-                <a:latin typeface="Consolas" panose="020B0609020204030204" pitchFamily="49" charset="0"/>
-              </a:rPr>
-              <a:t>(</a:t>
-            </a:r>
-            <a:r>
-              <a:rPr lang="en-US" b="0" dirty="0">
-                <a:solidFill>
-                  <a:srgbClr val="9CDCFE"/>
-                </a:solidFill>
-                <a:effectLst/>
-                <a:latin typeface="Consolas" panose="020B0609020204030204" pitchFamily="49" charset="0"/>
-              </a:rPr>
-              <a:t>result</a:t>
-            </a:r>
-            <a:r>
-              <a:rPr lang="en-US" b="0" dirty="0">
-                <a:solidFill>
-                  <a:srgbClr val="D4D4D4"/>
-                </a:solidFill>
-                <a:effectLst/>
-                <a:latin typeface="Consolas" panose="020B0609020204030204" pitchFamily="49" charset="0"/>
-              </a:rPr>
-              <a:t>).</a:t>
-            </a:r>
-            <a:r>
-              <a:rPr lang="en-US" b="0" dirty="0" err="1">
-                <a:solidFill>
-                  <a:srgbClr val="DCDCAA"/>
-                </a:solidFill>
-                <a:effectLst/>
-                <a:latin typeface="Consolas" panose="020B0609020204030204" pitchFamily="49" charset="0"/>
-              </a:rPr>
-              <a:t>toBeUndefined</a:t>
-            </a:r>
-            <a:r>
-              <a:rPr lang="en-US" b="0" dirty="0">
-                <a:solidFill>
-                  <a:srgbClr val="D4D4D4"/>
-                </a:solidFill>
-                <a:effectLst/>
-                <a:latin typeface="Consolas" panose="020B0609020204030204" pitchFamily="49" charset="0"/>
-              </a:rPr>
-              <a:t>();</a:t>
-            </a:r>
-          </a:p>
-          <a:p>
-            <a:r>
-              <a:rPr lang="en-US" b="0" dirty="0">
-                <a:solidFill>
-                  <a:srgbClr val="D4D4D4"/>
-                </a:solidFill>
-                <a:effectLst/>
-                <a:latin typeface="Consolas" panose="020B0609020204030204" pitchFamily="49" charset="0"/>
-              </a:rPr>
-              <a:t>  </a:t>
-            </a:r>
-            <a:r>
-              <a:rPr lang="en-US" b="0" dirty="0">
-                <a:solidFill>
-                  <a:srgbClr val="DCDCAA"/>
-                </a:solidFill>
-                <a:effectLst/>
-                <a:latin typeface="Consolas" panose="020B0609020204030204" pitchFamily="49" charset="0"/>
-              </a:rPr>
-              <a:t>expect</a:t>
-            </a:r>
-            <a:r>
-              <a:rPr lang="en-US" b="0" dirty="0">
-                <a:solidFill>
-                  <a:srgbClr val="D4D4D4"/>
-                </a:solidFill>
-                <a:effectLst/>
-                <a:latin typeface="Consolas" panose="020B0609020204030204" pitchFamily="49" charset="0"/>
-              </a:rPr>
-              <a:t>(</a:t>
-            </a:r>
-            <a:r>
-              <a:rPr lang="en-US" b="0" dirty="0">
-                <a:solidFill>
-                  <a:srgbClr val="9CDCFE"/>
-                </a:solidFill>
-                <a:effectLst/>
-                <a:latin typeface="Consolas" panose="020B0609020204030204" pitchFamily="49" charset="0"/>
-              </a:rPr>
-              <a:t>mock</a:t>
-            </a:r>
-            <a:r>
-              <a:rPr lang="en-US" b="0" dirty="0">
-                <a:solidFill>
-                  <a:srgbClr val="D4D4D4"/>
-                </a:solidFill>
-                <a:effectLst/>
-                <a:latin typeface="Consolas" panose="020B0609020204030204" pitchFamily="49" charset="0"/>
-              </a:rPr>
-              <a:t>).</a:t>
-            </a:r>
-            <a:r>
-              <a:rPr lang="en-US" b="0" dirty="0" err="1">
-                <a:solidFill>
-                  <a:srgbClr val="DCDCAA"/>
-                </a:solidFill>
-                <a:effectLst/>
-                <a:latin typeface="Consolas" panose="020B0609020204030204" pitchFamily="49" charset="0"/>
-              </a:rPr>
-              <a:t>toHaveBeenCalled</a:t>
-            </a:r>
-            <a:r>
-              <a:rPr lang="en-US" b="0" dirty="0">
-                <a:solidFill>
-                  <a:srgbClr val="D4D4D4"/>
-                </a:solidFill>
-                <a:effectLst/>
-                <a:latin typeface="Consolas" panose="020B0609020204030204" pitchFamily="49" charset="0"/>
-              </a:rPr>
-              <a:t>();</a:t>
-            </a:r>
-          </a:p>
-          <a:p>
-            <a:r>
-              <a:rPr lang="en-US" b="0" dirty="0">
-                <a:solidFill>
-                  <a:srgbClr val="D4D4D4"/>
-                </a:solidFill>
-                <a:effectLst/>
-                <a:latin typeface="Consolas" panose="020B0609020204030204" pitchFamily="49" charset="0"/>
-              </a:rPr>
-              <a:t>  </a:t>
-            </a:r>
-            <a:r>
-              <a:rPr lang="en-US" b="0" dirty="0">
-                <a:solidFill>
-                  <a:srgbClr val="DCDCAA"/>
-                </a:solidFill>
-                <a:effectLst/>
-                <a:latin typeface="Consolas" panose="020B0609020204030204" pitchFamily="49" charset="0"/>
-              </a:rPr>
-              <a:t>expect</a:t>
-            </a:r>
-            <a:r>
-              <a:rPr lang="en-US" b="0" dirty="0">
-                <a:solidFill>
-                  <a:srgbClr val="D4D4D4"/>
-                </a:solidFill>
-                <a:effectLst/>
-                <a:latin typeface="Consolas" panose="020B0609020204030204" pitchFamily="49" charset="0"/>
-              </a:rPr>
-              <a:t>(</a:t>
-            </a:r>
-            <a:r>
-              <a:rPr lang="en-US" b="0" dirty="0">
-                <a:solidFill>
-                  <a:srgbClr val="9CDCFE"/>
-                </a:solidFill>
-                <a:effectLst/>
-                <a:latin typeface="Consolas" panose="020B0609020204030204" pitchFamily="49" charset="0"/>
-              </a:rPr>
-              <a:t>mock</a:t>
-            </a:r>
-            <a:r>
-              <a:rPr lang="en-US" b="0" dirty="0">
-                <a:solidFill>
-                  <a:srgbClr val="D4D4D4"/>
-                </a:solidFill>
-                <a:effectLst/>
-                <a:latin typeface="Consolas" panose="020B0609020204030204" pitchFamily="49" charset="0"/>
-              </a:rPr>
-              <a:t>).</a:t>
-            </a:r>
-            <a:r>
-              <a:rPr lang="en-US" b="0" dirty="0" err="1">
-                <a:solidFill>
-                  <a:srgbClr val="DCDCAA"/>
-                </a:solidFill>
-                <a:effectLst/>
-                <a:latin typeface="Consolas" panose="020B0609020204030204" pitchFamily="49" charset="0"/>
-              </a:rPr>
-              <a:t>toHaveBeenCalledTimes</a:t>
-            </a:r>
-            <a:r>
-              <a:rPr lang="en-US" b="0" dirty="0">
-                <a:solidFill>
-                  <a:srgbClr val="D4D4D4"/>
-                </a:solidFill>
-                <a:effectLst/>
-                <a:latin typeface="Consolas" panose="020B0609020204030204" pitchFamily="49" charset="0"/>
-              </a:rPr>
-              <a:t>(</a:t>
-            </a:r>
-            <a:r>
-              <a:rPr lang="en-US" b="0" dirty="0">
-                <a:solidFill>
-                  <a:srgbClr val="B5CEA8"/>
-                </a:solidFill>
-                <a:effectLst/>
-                <a:latin typeface="Consolas" panose="020B0609020204030204" pitchFamily="49" charset="0"/>
-              </a:rPr>
-              <a:t>1</a:t>
-            </a:r>
-            <a:r>
-              <a:rPr lang="en-US" b="0" dirty="0">
-                <a:solidFill>
-                  <a:srgbClr val="D4D4D4"/>
-                </a:solidFill>
-                <a:effectLst/>
-                <a:latin typeface="Consolas" panose="020B0609020204030204" pitchFamily="49" charset="0"/>
-              </a:rPr>
-              <a:t>);</a:t>
-            </a:r>
-          </a:p>
-          <a:p>
-            <a:r>
-              <a:rPr lang="en-US" b="0" dirty="0">
-                <a:solidFill>
-                  <a:srgbClr val="D4D4D4"/>
-                </a:solidFill>
-                <a:effectLst/>
-                <a:latin typeface="Consolas" panose="020B0609020204030204" pitchFamily="49" charset="0"/>
-              </a:rPr>
-              <a:t>  </a:t>
-            </a:r>
-            <a:r>
-              <a:rPr lang="en-US" b="0" dirty="0">
-                <a:solidFill>
-                  <a:srgbClr val="DCDCAA"/>
-                </a:solidFill>
-                <a:effectLst/>
-                <a:latin typeface="Consolas" panose="020B0609020204030204" pitchFamily="49" charset="0"/>
-              </a:rPr>
-              <a:t>expect</a:t>
-            </a:r>
-            <a:r>
-              <a:rPr lang="en-US" b="0" dirty="0">
-                <a:solidFill>
-                  <a:srgbClr val="D4D4D4"/>
-                </a:solidFill>
-                <a:effectLst/>
-                <a:latin typeface="Consolas" panose="020B0609020204030204" pitchFamily="49" charset="0"/>
-              </a:rPr>
-              <a:t>(</a:t>
-            </a:r>
-            <a:r>
-              <a:rPr lang="en-US" b="0" dirty="0">
-                <a:solidFill>
-                  <a:srgbClr val="9CDCFE"/>
-                </a:solidFill>
-                <a:effectLst/>
-                <a:latin typeface="Consolas" panose="020B0609020204030204" pitchFamily="49" charset="0"/>
-              </a:rPr>
-              <a:t>mock</a:t>
-            </a:r>
-            <a:r>
-              <a:rPr lang="en-US" b="0" dirty="0">
-                <a:solidFill>
-                  <a:srgbClr val="D4D4D4"/>
-                </a:solidFill>
-                <a:effectLst/>
-                <a:latin typeface="Consolas" panose="020B0609020204030204" pitchFamily="49" charset="0"/>
-              </a:rPr>
-              <a:t>).</a:t>
-            </a:r>
-            <a:r>
-              <a:rPr lang="en-US" b="0" dirty="0" err="1">
-                <a:solidFill>
-                  <a:srgbClr val="DCDCAA"/>
-                </a:solidFill>
-                <a:effectLst/>
-                <a:latin typeface="Consolas" panose="020B0609020204030204" pitchFamily="49" charset="0"/>
-              </a:rPr>
-              <a:t>toHaveBeenCalledWith</a:t>
-            </a:r>
-            <a:r>
-              <a:rPr lang="en-US" b="0" dirty="0">
-                <a:solidFill>
-                  <a:srgbClr val="D4D4D4"/>
-                </a:solidFill>
-                <a:effectLst/>
-                <a:latin typeface="Consolas" panose="020B0609020204030204" pitchFamily="49" charset="0"/>
-              </a:rPr>
-              <a:t>(</a:t>
-            </a:r>
-            <a:r>
-              <a:rPr lang="en-US" b="0" dirty="0">
-                <a:solidFill>
-                  <a:srgbClr val="CE9178"/>
-                </a:solidFill>
-                <a:effectLst/>
-                <a:latin typeface="Consolas" panose="020B0609020204030204" pitchFamily="49" charset="0"/>
-              </a:rPr>
-              <a:t>"foo"</a:t>
-            </a:r>
-            <a:r>
-              <a:rPr lang="en-US" b="0" dirty="0">
-                <a:solidFill>
-                  <a:srgbClr val="D4D4D4"/>
-                </a:solidFill>
-                <a:effectLst/>
-                <a:latin typeface="Consolas" panose="020B0609020204030204" pitchFamily="49" charset="0"/>
-              </a:rPr>
-              <a:t>);</a:t>
-            </a:r>
-          </a:p>
-          <a:p>
-            <a:r>
-              <a:rPr lang="en-US" b="0" dirty="0">
-                <a:solidFill>
-                  <a:srgbClr val="D4D4D4"/>
-                </a:solidFill>
-                <a:effectLst/>
-                <a:latin typeface="Consolas" panose="020B0609020204030204" pitchFamily="49" charset="0"/>
-              </a:rPr>
-              <a:t>});</a:t>
             </a:r>
           </a:p>
         </p:txBody>
@@ -6825,8 +6065,8 @@
         </p:nvSpPr>
         <p:spPr>
           <a:xfrm>
-            <a:off x="99152" y="3705498"/>
-            <a:ext cx="5796551" cy="2862322"/>
+            <a:off x="99153" y="3705498"/>
+            <a:ext cx="5326288" cy="3170099"/>
           </a:xfrm>
           <a:prstGeom prst="rect">
             <a:avLst/>
@@ -6946,6 +6186,1347 @@
               <a:t>Jest Mock Functions</a:t>
             </a:r>
             <a:endParaRPr lang="en-US" sz="2000" dirty="0"/>
+          </a:p>
+        </p:txBody>
+      </p:sp>
+      <p:sp>
+        <p:nvSpPr>
+          <p:cNvPr id="3" name="Rectangle 2">
+            <a:extLst>
+              <a:ext uri="{FF2B5EF4-FFF2-40B4-BE49-F238E27FC236}">
+                <a16:creationId xmlns:a16="http://schemas.microsoft.com/office/drawing/2014/main" id="{5E55B5E2-7747-48EE-867F-D31377930612}"/>
+              </a:ext>
+            </a:extLst>
+          </p:cNvPr>
+          <p:cNvSpPr/>
+          <p:nvPr/>
+        </p:nvSpPr>
+        <p:spPr>
+          <a:xfrm>
+            <a:off x="5641146" y="1948336"/>
+            <a:ext cx="6507973" cy="4339650"/>
+          </a:xfrm>
+          <a:prstGeom prst="rect">
+            <a:avLst/>
+          </a:prstGeom>
+          <a:solidFill>
+            <a:schemeClr val="tx1"/>
+          </a:solidFill>
+        </p:spPr>
+        <p:txBody>
+          <a:bodyPr wrap="square">
+            <a:spAutoFit/>
+          </a:bodyPr>
+          <a:lstStyle/>
+          <a:p>
+            <a:pPr marL="228600" indent="-228600">
+              <a:buFont typeface="+mj-lt"/>
+              <a:buAutoNum type="arabicPeriod"/>
+            </a:pPr>
+            <a:r>
+              <a:rPr lang="en-US" sz="1200" dirty="0">
+                <a:solidFill>
+                  <a:srgbClr val="C586C0"/>
+                </a:solidFill>
+                <a:latin typeface="Consolas" panose="020B0609020204030204" pitchFamily="49" charset="0"/>
+              </a:rPr>
+              <a:t>import</a:t>
+            </a:r>
+            <a:r>
+              <a:rPr lang="en-US" sz="1200" dirty="0">
+                <a:solidFill>
+                  <a:srgbClr val="D4D4D4"/>
+                </a:solidFill>
+                <a:latin typeface="Consolas" panose="020B0609020204030204" pitchFamily="49" charset="0"/>
+              </a:rPr>
+              <a:t> { </a:t>
+            </a:r>
+            <a:r>
+              <a:rPr lang="en-US" sz="1200" dirty="0" err="1">
+                <a:solidFill>
+                  <a:srgbClr val="9CDCFE"/>
+                </a:solidFill>
+                <a:latin typeface="Consolas" panose="020B0609020204030204" pitchFamily="49" charset="0"/>
+              </a:rPr>
+              <a:t>FrozenDrinks</a:t>
+            </a:r>
+            <a:r>
+              <a:rPr lang="en-US" sz="1200" dirty="0">
+                <a:solidFill>
+                  <a:srgbClr val="D4D4D4"/>
+                </a:solidFill>
+                <a:latin typeface="Consolas" panose="020B0609020204030204" pitchFamily="49" charset="0"/>
+              </a:rPr>
+              <a:t> } </a:t>
+            </a:r>
+            <a:r>
+              <a:rPr lang="en-US" sz="1200" dirty="0">
+                <a:solidFill>
+                  <a:srgbClr val="C586C0"/>
+                </a:solidFill>
+                <a:latin typeface="Consolas" panose="020B0609020204030204" pitchFamily="49" charset="0"/>
+              </a:rPr>
+              <a:t>from</a:t>
+            </a:r>
+            <a:r>
+              <a:rPr lang="en-US" sz="1200" dirty="0">
+                <a:solidFill>
+                  <a:srgbClr val="D4D4D4"/>
+                </a:solidFill>
+                <a:latin typeface="Consolas" panose="020B0609020204030204" pitchFamily="49" charset="0"/>
+              </a:rPr>
+              <a:t> </a:t>
+            </a:r>
+            <a:r>
+              <a:rPr lang="en-US" sz="1200" dirty="0">
+                <a:solidFill>
+                  <a:srgbClr val="CE9178"/>
+                </a:solidFill>
+                <a:latin typeface="Consolas" panose="020B0609020204030204" pitchFamily="49" charset="0"/>
+              </a:rPr>
+              <a:t>"./</a:t>
+            </a:r>
+            <a:r>
+              <a:rPr lang="en-US" sz="1200" dirty="0" err="1">
+                <a:solidFill>
+                  <a:srgbClr val="CE9178"/>
+                </a:solidFill>
+                <a:latin typeface="Consolas" panose="020B0609020204030204" pitchFamily="49" charset="0"/>
+              </a:rPr>
+              <a:t>frozenDrinks</a:t>
+            </a:r>
+            <a:r>
+              <a:rPr lang="en-US" sz="1200" dirty="0">
+                <a:solidFill>
+                  <a:srgbClr val="CE9178"/>
+                </a:solidFill>
+                <a:latin typeface="Consolas" panose="020B0609020204030204" pitchFamily="49" charset="0"/>
+              </a:rPr>
+              <a:t>"</a:t>
+            </a:r>
+            <a:r>
+              <a:rPr lang="en-US" sz="1200" dirty="0">
+                <a:solidFill>
+                  <a:srgbClr val="D4D4D4"/>
+                </a:solidFill>
+                <a:latin typeface="Consolas" panose="020B0609020204030204" pitchFamily="49" charset="0"/>
+              </a:rPr>
+              <a:t>;</a:t>
+            </a:r>
+          </a:p>
+          <a:p>
+            <a:pPr marL="228600" indent="-228600">
+              <a:buFont typeface="+mj-lt"/>
+              <a:buAutoNum type="arabicPeriod"/>
+            </a:pPr>
+            <a:endParaRPr lang="en-US" sz="1200" dirty="0">
+              <a:solidFill>
+                <a:srgbClr val="D4D4D4"/>
+              </a:solidFill>
+              <a:latin typeface="Consolas" panose="020B0609020204030204" pitchFamily="49" charset="0"/>
+            </a:endParaRPr>
+          </a:p>
+          <a:p>
+            <a:pPr marL="228600" indent="-228600">
+              <a:buFont typeface="+mj-lt"/>
+              <a:buAutoNum type="arabicPeriod"/>
+            </a:pPr>
+            <a:r>
+              <a:rPr lang="en-US" sz="1200" dirty="0">
+                <a:solidFill>
+                  <a:srgbClr val="569CD6"/>
+                </a:solidFill>
+                <a:latin typeface="Consolas" panose="020B0609020204030204" pitchFamily="49" charset="0"/>
+              </a:rPr>
+              <a:t>let</a:t>
+            </a:r>
+            <a:r>
+              <a:rPr lang="en-US" sz="1200" dirty="0">
+                <a:solidFill>
+                  <a:srgbClr val="D4D4D4"/>
+                </a:solidFill>
+                <a:latin typeface="Consolas" panose="020B0609020204030204" pitchFamily="49" charset="0"/>
+              </a:rPr>
+              <a:t> </a:t>
+            </a:r>
+            <a:r>
+              <a:rPr lang="en-US" sz="1200" dirty="0" err="1">
+                <a:solidFill>
+                  <a:srgbClr val="9CDCFE"/>
+                </a:solidFill>
+                <a:latin typeface="Consolas" panose="020B0609020204030204" pitchFamily="49" charset="0"/>
+              </a:rPr>
+              <a:t>frozenDrinks</a:t>
+            </a:r>
+            <a:r>
+              <a:rPr lang="en-US" sz="1200" dirty="0">
+                <a:solidFill>
+                  <a:srgbClr val="D4D4D4"/>
+                </a:solidFill>
+                <a:latin typeface="Consolas" panose="020B0609020204030204" pitchFamily="49" charset="0"/>
+              </a:rPr>
+              <a:t>: </a:t>
+            </a:r>
+            <a:r>
+              <a:rPr lang="en-US" sz="1200" dirty="0" err="1">
+                <a:solidFill>
+                  <a:srgbClr val="4EC9B0"/>
+                </a:solidFill>
+                <a:latin typeface="Consolas" panose="020B0609020204030204" pitchFamily="49" charset="0"/>
+              </a:rPr>
+              <a:t>FrozenDrinks</a:t>
+            </a:r>
+            <a:r>
+              <a:rPr lang="en-US" sz="1200" dirty="0">
+                <a:solidFill>
+                  <a:srgbClr val="D4D4D4"/>
+                </a:solidFill>
+                <a:latin typeface="Consolas" panose="020B0609020204030204" pitchFamily="49" charset="0"/>
+              </a:rPr>
+              <a:t>;</a:t>
+            </a:r>
+          </a:p>
+          <a:p>
+            <a:pPr marL="228600" indent="-228600">
+              <a:buFont typeface="+mj-lt"/>
+              <a:buAutoNum type="arabicPeriod"/>
+            </a:pPr>
+            <a:r>
+              <a:rPr lang="en-US" sz="1200" dirty="0">
+                <a:solidFill>
+                  <a:srgbClr val="569CD6"/>
+                </a:solidFill>
+                <a:latin typeface="Consolas" panose="020B0609020204030204" pitchFamily="49" charset="0"/>
+              </a:rPr>
+              <a:t>let</a:t>
+            </a:r>
+            <a:r>
+              <a:rPr lang="en-US" sz="1200" dirty="0">
+                <a:solidFill>
+                  <a:srgbClr val="D4D4D4"/>
+                </a:solidFill>
+                <a:latin typeface="Consolas" panose="020B0609020204030204" pitchFamily="49" charset="0"/>
+              </a:rPr>
+              <a:t> </a:t>
+            </a:r>
+            <a:r>
+              <a:rPr lang="en-US" sz="1200" dirty="0" err="1">
+                <a:solidFill>
+                  <a:srgbClr val="9CDCFE"/>
+                </a:solidFill>
+                <a:latin typeface="Consolas" panose="020B0609020204030204" pitchFamily="49" charset="0"/>
+              </a:rPr>
+              <a:t>mockGetFavoriteMilkShake</a:t>
+            </a:r>
+            <a:r>
+              <a:rPr lang="en-US" sz="1200" dirty="0">
+                <a:solidFill>
+                  <a:srgbClr val="D4D4D4"/>
+                </a:solidFill>
+                <a:latin typeface="Consolas" panose="020B0609020204030204" pitchFamily="49" charset="0"/>
+              </a:rPr>
+              <a:t>: </a:t>
+            </a:r>
+            <a:r>
+              <a:rPr lang="en-US" sz="1200" dirty="0">
+                <a:solidFill>
+                  <a:srgbClr val="4EC9B0"/>
+                </a:solidFill>
+                <a:latin typeface="Consolas" panose="020B0609020204030204" pitchFamily="49" charset="0"/>
+              </a:rPr>
+              <a:t>any</a:t>
+            </a:r>
+            <a:r>
+              <a:rPr lang="en-US" sz="1200" dirty="0">
+                <a:solidFill>
+                  <a:srgbClr val="D4D4D4"/>
+                </a:solidFill>
+                <a:latin typeface="Consolas" panose="020B0609020204030204" pitchFamily="49" charset="0"/>
+              </a:rPr>
+              <a:t>;</a:t>
+            </a:r>
+          </a:p>
+          <a:p>
+            <a:pPr marL="228600" indent="-228600">
+              <a:buFont typeface="+mj-lt"/>
+              <a:buAutoNum type="arabicPeriod"/>
+            </a:pPr>
+            <a:endParaRPr lang="en-US" sz="1200" dirty="0">
+              <a:solidFill>
+                <a:srgbClr val="DCDCAA"/>
+              </a:solidFill>
+              <a:latin typeface="Consolas" panose="020B0609020204030204" pitchFamily="49" charset="0"/>
+            </a:endParaRPr>
+          </a:p>
+          <a:p>
+            <a:pPr marL="228600" indent="-228600">
+              <a:buFont typeface="+mj-lt"/>
+              <a:buAutoNum type="arabicPeriod"/>
+            </a:pPr>
+            <a:r>
+              <a:rPr lang="en-US" sz="1200" dirty="0" err="1">
+                <a:solidFill>
+                  <a:srgbClr val="DCDCAA"/>
+                </a:solidFill>
+                <a:latin typeface="Consolas" panose="020B0609020204030204" pitchFamily="49" charset="0"/>
+              </a:rPr>
+              <a:t>beforeEach</a:t>
+            </a:r>
+            <a:r>
+              <a:rPr lang="en-US" sz="1200" dirty="0">
+                <a:solidFill>
+                  <a:srgbClr val="D4D4D4"/>
+                </a:solidFill>
+                <a:latin typeface="Consolas" panose="020B0609020204030204" pitchFamily="49" charset="0"/>
+              </a:rPr>
+              <a:t>(() </a:t>
+            </a:r>
+            <a:r>
+              <a:rPr lang="en-US" sz="1200" dirty="0">
+                <a:solidFill>
+                  <a:srgbClr val="569CD6"/>
+                </a:solidFill>
+                <a:latin typeface="Consolas" panose="020B0609020204030204" pitchFamily="49" charset="0"/>
+              </a:rPr>
+              <a:t>=&gt;</a:t>
+            </a:r>
+            <a:r>
+              <a:rPr lang="en-US" sz="1200" dirty="0">
+                <a:solidFill>
+                  <a:srgbClr val="D4D4D4"/>
+                </a:solidFill>
+                <a:latin typeface="Consolas" panose="020B0609020204030204" pitchFamily="49" charset="0"/>
+              </a:rPr>
+              <a:t> {</a:t>
+            </a:r>
+          </a:p>
+          <a:p>
+            <a:pPr marL="228600" indent="-228600">
+              <a:buFont typeface="+mj-lt"/>
+              <a:buAutoNum type="arabicPeriod"/>
+            </a:pPr>
+            <a:r>
+              <a:rPr lang="en-US" sz="1200" dirty="0">
+                <a:solidFill>
+                  <a:srgbClr val="D4D4D4"/>
+                </a:solidFill>
+                <a:latin typeface="Consolas" panose="020B0609020204030204" pitchFamily="49" charset="0"/>
+              </a:rPr>
+              <a:t>  </a:t>
+            </a:r>
+            <a:r>
+              <a:rPr lang="en-US" sz="1200" dirty="0" err="1">
+                <a:solidFill>
+                  <a:srgbClr val="9CDCFE"/>
+                </a:solidFill>
+                <a:latin typeface="Consolas" panose="020B0609020204030204" pitchFamily="49" charset="0"/>
+              </a:rPr>
+              <a:t>frozenDrinks</a:t>
+            </a:r>
+            <a:r>
+              <a:rPr lang="en-US" sz="1200" dirty="0">
+                <a:solidFill>
+                  <a:srgbClr val="D4D4D4"/>
+                </a:solidFill>
+                <a:latin typeface="Consolas" panose="020B0609020204030204" pitchFamily="49" charset="0"/>
+              </a:rPr>
+              <a:t> = </a:t>
+            </a:r>
+            <a:r>
+              <a:rPr lang="en-US" sz="1200" dirty="0">
+                <a:solidFill>
+                  <a:srgbClr val="569CD6"/>
+                </a:solidFill>
+                <a:latin typeface="Consolas" panose="020B0609020204030204" pitchFamily="49" charset="0"/>
+              </a:rPr>
+              <a:t>new</a:t>
+            </a:r>
+            <a:r>
+              <a:rPr lang="en-US" sz="1200" dirty="0">
+                <a:solidFill>
+                  <a:srgbClr val="D4D4D4"/>
+                </a:solidFill>
+                <a:latin typeface="Consolas" panose="020B0609020204030204" pitchFamily="49" charset="0"/>
+              </a:rPr>
+              <a:t> </a:t>
+            </a:r>
+            <a:r>
+              <a:rPr lang="en-US" sz="1200" dirty="0" err="1">
+                <a:solidFill>
+                  <a:srgbClr val="4EC9B0"/>
+                </a:solidFill>
+                <a:latin typeface="Consolas" panose="020B0609020204030204" pitchFamily="49" charset="0"/>
+              </a:rPr>
+              <a:t>FrozenDrinks</a:t>
+            </a:r>
+            <a:r>
+              <a:rPr lang="en-US" sz="1200" dirty="0">
+                <a:solidFill>
+                  <a:srgbClr val="D4D4D4"/>
+                </a:solidFill>
+                <a:latin typeface="Consolas" panose="020B0609020204030204" pitchFamily="49" charset="0"/>
+              </a:rPr>
+              <a:t>();</a:t>
+            </a:r>
+          </a:p>
+          <a:p>
+            <a:pPr marL="228600" indent="-228600">
+              <a:buFont typeface="+mj-lt"/>
+              <a:buAutoNum type="arabicPeriod"/>
+            </a:pPr>
+            <a:r>
+              <a:rPr lang="en-US" sz="1200" dirty="0">
+                <a:solidFill>
+                  <a:srgbClr val="D4D4D4"/>
+                </a:solidFill>
+                <a:latin typeface="Consolas" panose="020B0609020204030204" pitchFamily="49" charset="0"/>
+              </a:rPr>
+              <a:t>  </a:t>
+            </a:r>
+            <a:r>
+              <a:rPr lang="en-US" sz="1200" dirty="0" err="1">
+                <a:solidFill>
+                  <a:srgbClr val="9CDCFE"/>
+                </a:solidFill>
+                <a:latin typeface="Consolas" panose="020B0609020204030204" pitchFamily="49" charset="0"/>
+              </a:rPr>
+              <a:t>mockGetFavoriteMilkShake</a:t>
+            </a:r>
+            <a:r>
+              <a:rPr lang="en-US" sz="1200" dirty="0">
+                <a:solidFill>
+                  <a:srgbClr val="D4D4D4"/>
+                </a:solidFill>
+                <a:latin typeface="Consolas" panose="020B0609020204030204" pitchFamily="49" charset="0"/>
+              </a:rPr>
+              <a:t> = </a:t>
+            </a:r>
+            <a:r>
+              <a:rPr lang="en-US" sz="1200" dirty="0" err="1">
+                <a:solidFill>
+                  <a:srgbClr val="9CDCFE"/>
+                </a:solidFill>
+                <a:latin typeface="Consolas" panose="020B0609020204030204" pitchFamily="49" charset="0"/>
+              </a:rPr>
+              <a:t>jest</a:t>
+            </a:r>
+            <a:r>
+              <a:rPr lang="en-US" sz="1200" dirty="0" err="1">
+                <a:solidFill>
+                  <a:srgbClr val="D4D4D4"/>
+                </a:solidFill>
+                <a:latin typeface="Consolas" panose="020B0609020204030204" pitchFamily="49" charset="0"/>
+              </a:rPr>
+              <a:t>.</a:t>
+            </a:r>
+            <a:r>
+              <a:rPr lang="en-US" sz="1200" dirty="0" err="1">
+                <a:solidFill>
+                  <a:srgbClr val="DCDCAA"/>
+                </a:solidFill>
+                <a:latin typeface="Consolas" panose="020B0609020204030204" pitchFamily="49" charset="0"/>
+              </a:rPr>
+              <a:t>spyOn</a:t>
+            </a:r>
+            <a:r>
+              <a:rPr lang="en-US" sz="1200" dirty="0">
+                <a:solidFill>
+                  <a:srgbClr val="D4D4D4"/>
+                </a:solidFill>
+                <a:latin typeface="Consolas" panose="020B0609020204030204" pitchFamily="49" charset="0"/>
+              </a:rPr>
+              <a:t>(</a:t>
+            </a:r>
+            <a:r>
+              <a:rPr lang="en-US" sz="1200" dirty="0" err="1">
+                <a:solidFill>
+                  <a:srgbClr val="9CDCFE"/>
+                </a:solidFill>
+                <a:latin typeface="Consolas" panose="020B0609020204030204" pitchFamily="49" charset="0"/>
+              </a:rPr>
+              <a:t>frozenDrinks</a:t>
+            </a:r>
+            <a:r>
+              <a:rPr lang="en-US" sz="1200" dirty="0">
+                <a:solidFill>
+                  <a:srgbClr val="D4D4D4"/>
+                </a:solidFill>
+                <a:latin typeface="Consolas" panose="020B0609020204030204" pitchFamily="49" charset="0"/>
+              </a:rPr>
+              <a:t>, </a:t>
+            </a:r>
+            <a:r>
+              <a:rPr lang="en-US" sz="1200" dirty="0">
+                <a:solidFill>
+                  <a:srgbClr val="CE9178"/>
+                </a:solidFill>
+                <a:latin typeface="Consolas" panose="020B0609020204030204" pitchFamily="49" charset="0"/>
+              </a:rPr>
+              <a:t>"</a:t>
+            </a:r>
+            <a:r>
+              <a:rPr lang="en-US" sz="1200" dirty="0" err="1">
+                <a:solidFill>
+                  <a:srgbClr val="CE9178"/>
+                </a:solidFill>
+                <a:latin typeface="Consolas" panose="020B0609020204030204" pitchFamily="49" charset="0"/>
+              </a:rPr>
+              <a:t>getFavoriteMilkShake</a:t>
+            </a:r>
+            <a:r>
+              <a:rPr lang="en-US" sz="1200" dirty="0">
+                <a:solidFill>
+                  <a:srgbClr val="CE9178"/>
+                </a:solidFill>
+                <a:latin typeface="Consolas" panose="020B0609020204030204" pitchFamily="49" charset="0"/>
+              </a:rPr>
+              <a:t>"</a:t>
+            </a:r>
+            <a:r>
+              <a:rPr lang="en-US" sz="1200" dirty="0">
+                <a:solidFill>
+                  <a:srgbClr val="D4D4D4"/>
+                </a:solidFill>
+                <a:latin typeface="Consolas" panose="020B0609020204030204" pitchFamily="49" charset="0"/>
+              </a:rPr>
+              <a:t>);</a:t>
+            </a:r>
+          </a:p>
+          <a:p>
+            <a:pPr marL="228600" indent="-228600">
+              <a:buFont typeface="+mj-lt"/>
+              <a:buAutoNum type="arabicPeriod"/>
+            </a:pPr>
+            <a:r>
+              <a:rPr lang="en-US" sz="1200" dirty="0">
+                <a:solidFill>
+                  <a:srgbClr val="D4D4D4"/>
+                </a:solidFill>
+                <a:latin typeface="Consolas" panose="020B0609020204030204" pitchFamily="49" charset="0"/>
+              </a:rPr>
+              <a:t>});</a:t>
+            </a:r>
+          </a:p>
+          <a:p>
+            <a:pPr marL="228600" indent="-228600">
+              <a:buFont typeface="+mj-lt"/>
+              <a:buAutoNum type="arabicPeriod"/>
+            </a:pPr>
+            <a:br>
+              <a:rPr lang="en-US" sz="1200" dirty="0">
+                <a:solidFill>
+                  <a:srgbClr val="D4D4D4"/>
+                </a:solidFill>
+                <a:latin typeface="Consolas" panose="020B0609020204030204" pitchFamily="49" charset="0"/>
+              </a:rPr>
+            </a:br>
+            <a:r>
+              <a:rPr lang="en-US" sz="1200" dirty="0">
+                <a:solidFill>
+                  <a:srgbClr val="DCDCAA"/>
+                </a:solidFill>
+                <a:latin typeface="Consolas" panose="020B0609020204030204" pitchFamily="49" charset="0"/>
+              </a:rPr>
+              <a:t>describe</a:t>
+            </a:r>
+            <a:r>
+              <a:rPr lang="en-US" sz="1200" dirty="0">
+                <a:solidFill>
+                  <a:srgbClr val="D4D4D4"/>
+                </a:solidFill>
+                <a:latin typeface="Consolas" panose="020B0609020204030204" pitchFamily="49" charset="0"/>
+              </a:rPr>
+              <a:t>(</a:t>
+            </a:r>
+            <a:r>
+              <a:rPr lang="en-US" sz="1200" dirty="0">
+                <a:solidFill>
+                  <a:srgbClr val="CE9178"/>
+                </a:solidFill>
+                <a:latin typeface="Consolas" panose="020B0609020204030204" pitchFamily="49" charset="0"/>
+              </a:rPr>
+              <a:t>"Mock Example"</a:t>
+            </a:r>
+            <a:r>
+              <a:rPr lang="en-US" sz="1200" dirty="0">
+                <a:solidFill>
+                  <a:srgbClr val="D4D4D4"/>
+                </a:solidFill>
+                <a:latin typeface="Consolas" panose="020B0609020204030204" pitchFamily="49" charset="0"/>
+              </a:rPr>
+              <a:t>, () </a:t>
+            </a:r>
+            <a:r>
+              <a:rPr lang="en-US" sz="1200" dirty="0">
+                <a:solidFill>
+                  <a:srgbClr val="569CD6"/>
+                </a:solidFill>
+                <a:latin typeface="Consolas" panose="020B0609020204030204" pitchFamily="49" charset="0"/>
+              </a:rPr>
+              <a:t>=&gt;</a:t>
+            </a:r>
+            <a:r>
+              <a:rPr lang="en-US" sz="1200" dirty="0">
+                <a:solidFill>
+                  <a:srgbClr val="D4D4D4"/>
+                </a:solidFill>
+                <a:latin typeface="Consolas" panose="020B0609020204030204" pitchFamily="49" charset="0"/>
+              </a:rPr>
+              <a:t> {</a:t>
+            </a:r>
+          </a:p>
+          <a:p>
+            <a:pPr marL="228600" indent="-228600">
+              <a:buFont typeface="+mj-lt"/>
+              <a:buAutoNum type="arabicPeriod"/>
+            </a:pPr>
+            <a:r>
+              <a:rPr lang="en-US" sz="1200" dirty="0">
+                <a:solidFill>
+                  <a:srgbClr val="D4D4D4"/>
+                </a:solidFill>
+                <a:latin typeface="Consolas" panose="020B0609020204030204" pitchFamily="49" charset="0"/>
+              </a:rPr>
+              <a:t>  </a:t>
+            </a:r>
+            <a:r>
+              <a:rPr lang="en-US" sz="1200" dirty="0">
+                <a:solidFill>
+                  <a:srgbClr val="DCDCAA"/>
+                </a:solidFill>
+                <a:latin typeface="Consolas" panose="020B0609020204030204" pitchFamily="49" charset="0"/>
+              </a:rPr>
+              <a:t>it</a:t>
+            </a:r>
+            <a:r>
+              <a:rPr lang="en-US" sz="1200" dirty="0">
+                <a:solidFill>
+                  <a:srgbClr val="D4D4D4"/>
+                </a:solidFill>
+                <a:latin typeface="Consolas" panose="020B0609020204030204" pitchFamily="49" charset="0"/>
+              </a:rPr>
+              <a:t>(</a:t>
+            </a:r>
+            <a:r>
+              <a:rPr lang="en-US" sz="1200" dirty="0">
+                <a:solidFill>
+                  <a:srgbClr val="CE9178"/>
+                </a:solidFill>
+                <a:latin typeface="Consolas" panose="020B0609020204030204" pitchFamily="49" charset="0"/>
+              </a:rPr>
+              <a:t>"should return strawberry as favorite milkshake"</a:t>
+            </a:r>
+            <a:r>
+              <a:rPr lang="en-US" sz="1200" dirty="0">
+                <a:solidFill>
+                  <a:srgbClr val="D4D4D4"/>
+                </a:solidFill>
+                <a:latin typeface="Consolas" panose="020B0609020204030204" pitchFamily="49" charset="0"/>
+              </a:rPr>
+              <a:t>, () </a:t>
+            </a:r>
+            <a:r>
+              <a:rPr lang="en-US" sz="1200" dirty="0">
+                <a:solidFill>
+                  <a:srgbClr val="569CD6"/>
+                </a:solidFill>
+                <a:latin typeface="Consolas" panose="020B0609020204030204" pitchFamily="49" charset="0"/>
+              </a:rPr>
+              <a:t>=&gt;</a:t>
+            </a:r>
+            <a:r>
+              <a:rPr lang="en-US" sz="1200" dirty="0">
+                <a:solidFill>
+                  <a:srgbClr val="D4D4D4"/>
+                </a:solidFill>
+                <a:latin typeface="Consolas" panose="020B0609020204030204" pitchFamily="49" charset="0"/>
+              </a:rPr>
+              <a:t> {</a:t>
+            </a:r>
+          </a:p>
+          <a:p>
+            <a:pPr marL="228600" indent="-228600">
+              <a:buFont typeface="+mj-lt"/>
+              <a:buAutoNum type="arabicPeriod"/>
+            </a:pPr>
+            <a:r>
+              <a:rPr lang="en-US" sz="1200" dirty="0">
+                <a:solidFill>
+                  <a:srgbClr val="D4D4D4"/>
+                </a:solidFill>
+                <a:latin typeface="Consolas" panose="020B0609020204030204" pitchFamily="49" charset="0"/>
+              </a:rPr>
+              <a:t>    </a:t>
+            </a:r>
+            <a:r>
+              <a:rPr lang="en-US" sz="1200" dirty="0">
+                <a:solidFill>
+                  <a:srgbClr val="DCDCAA"/>
+                </a:solidFill>
+                <a:latin typeface="Consolas" panose="020B0609020204030204" pitchFamily="49" charset="0"/>
+              </a:rPr>
+              <a:t>expect</a:t>
+            </a:r>
+            <a:r>
+              <a:rPr lang="en-US" sz="1200" dirty="0">
+                <a:solidFill>
+                  <a:srgbClr val="D4D4D4"/>
+                </a:solidFill>
+                <a:latin typeface="Consolas" panose="020B0609020204030204" pitchFamily="49" charset="0"/>
+              </a:rPr>
+              <a:t>(</a:t>
+            </a:r>
+            <a:r>
+              <a:rPr lang="en-US" sz="1200" dirty="0" err="1">
+                <a:solidFill>
+                  <a:srgbClr val="9CDCFE"/>
+                </a:solidFill>
+                <a:latin typeface="Consolas" panose="020B0609020204030204" pitchFamily="49" charset="0"/>
+              </a:rPr>
+              <a:t>frozenDrinks</a:t>
+            </a:r>
+            <a:r>
+              <a:rPr lang="en-US" sz="1200" dirty="0" err="1">
+                <a:solidFill>
+                  <a:srgbClr val="D4D4D4"/>
+                </a:solidFill>
+                <a:latin typeface="Consolas" panose="020B0609020204030204" pitchFamily="49" charset="0"/>
+              </a:rPr>
+              <a:t>.</a:t>
+            </a:r>
+            <a:r>
+              <a:rPr lang="en-US" sz="1200" dirty="0" err="1">
+                <a:solidFill>
+                  <a:srgbClr val="DCDCAA"/>
+                </a:solidFill>
+                <a:latin typeface="Consolas" panose="020B0609020204030204" pitchFamily="49" charset="0"/>
+              </a:rPr>
+              <a:t>getFavoriteMilkShake</a:t>
+            </a:r>
+            <a:r>
+              <a:rPr lang="en-US" sz="1200" dirty="0">
+                <a:solidFill>
+                  <a:srgbClr val="D4D4D4"/>
+                </a:solidFill>
+                <a:latin typeface="Consolas" panose="020B0609020204030204" pitchFamily="49" charset="0"/>
+              </a:rPr>
+              <a:t>().</a:t>
+            </a:r>
+            <a:r>
+              <a:rPr lang="en-US" sz="1200" dirty="0" err="1">
+                <a:solidFill>
+                  <a:srgbClr val="DCDCAA"/>
+                </a:solidFill>
+                <a:latin typeface="Consolas" panose="020B0609020204030204" pitchFamily="49" charset="0"/>
+              </a:rPr>
+              <a:t>toLowerCase</a:t>
+            </a:r>
+            <a:r>
+              <a:rPr lang="en-US" sz="1200" dirty="0">
+                <a:solidFill>
+                  <a:srgbClr val="D4D4D4"/>
+                </a:solidFill>
+                <a:latin typeface="Consolas" panose="020B0609020204030204" pitchFamily="49" charset="0"/>
+              </a:rPr>
+              <a:t>()).</a:t>
+            </a:r>
+            <a:r>
+              <a:rPr lang="en-US" sz="1200" dirty="0" err="1">
+                <a:solidFill>
+                  <a:srgbClr val="DCDCAA"/>
+                </a:solidFill>
+                <a:latin typeface="Consolas" panose="020B0609020204030204" pitchFamily="49" charset="0"/>
+              </a:rPr>
+              <a:t>toBe</a:t>
+            </a:r>
+            <a:r>
+              <a:rPr lang="en-US" sz="1200" dirty="0">
+                <a:solidFill>
+                  <a:srgbClr val="D4D4D4"/>
+                </a:solidFill>
+                <a:latin typeface="Consolas" panose="020B0609020204030204" pitchFamily="49" charset="0"/>
+              </a:rPr>
+              <a:t>(</a:t>
+            </a:r>
+          </a:p>
+          <a:p>
+            <a:pPr marL="228600" indent="-228600">
+              <a:buFont typeface="+mj-lt"/>
+              <a:buAutoNum type="arabicPeriod"/>
+            </a:pPr>
+            <a:r>
+              <a:rPr lang="en-US" sz="1200" dirty="0">
+                <a:solidFill>
+                  <a:srgbClr val="D4D4D4"/>
+                </a:solidFill>
+                <a:latin typeface="Consolas" panose="020B0609020204030204" pitchFamily="49" charset="0"/>
+              </a:rPr>
+              <a:t>      </a:t>
+            </a:r>
+            <a:r>
+              <a:rPr lang="en-US" sz="1200" dirty="0">
+                <a:solidFill>
+                  <a:srgbClr val="CE9178"/>
+                </a:solidFill>
+                <a:latin typeface="Consolas" panose="020B0609020204030204" pitchFamily="49" charset="0"/>
+              </a:rPr>
+              <a:t>"strawberry"</a:t>
+            </a:r>
+            <a:endParaRPr lang="en-US" sz="1200" dirty="0">
+              <a:solidFill>
+                <a:srgbClr val="D4D4D4"/>
+              </a:solidFill>
+              <a:latin typeface="Consolas" panose="020B0609020204030204" pitchFamily="49" charset="0"/>
+            </a:endParaRPr>
+          </a:p>
+          <a:p>
+            <a:pPr marL="228600" indent="-228600">
+              <a:buFont typeface="+mj-lt"/>
+              <a:buAutoNum type="arabicPeriod"/>
+            </a:pPr>
+            <a:r>
+              <a:rPr lang="en-US" sz="1200" dirty="0">
+                <a:solidFill>
+                  <a:srgbClr val="D4D4D4"/>
+                </a:solidFill>
+                <a:latin typeface="Consolas" panose="020B0609020204030204" pitchFamily="49" charset="0"/>
+              </a:rPr>
+              <a:t>    );</a:t>
+            </a:r>
+          </a:p>
+          <a:p>
+            <a:pPr marL="228600" indent="-228600">
+              <a:buFont typeface="+mj-lt"/>
+              <a:buAutoNum type="arabicPeriod"/>
+            </a:pPr>
+            <a:r>
+              <a:rPr lang="en-US" sz="1200" dirty="0">
+                <a:solidFill>
+                  <a:srgbClr val="D4D4D4"/>
+                </a:solidFill>
+                <a:latin typeface="Consolas" panose="020B0609020204030204" pitchFamily="49" charset="0"/>
+              </a:rPr>
+              <a:t>  });</a:t>
+            </a:r>
+          </a:p>
+          <a:p>
+            <a:pPr marL="228600" indent="-228600">
+              <a:buFont typeface="+mj-lt"/>
+              <a:buAutoNum type="arabicPeriod"/>
+            </a:pPr>
+            <a:r>
+              <a:rPr lang="en-US" sz="1200" dirty="0">
+                <a:solidFill>
+                  <a:srgbClr val="D4D4D4"/>
+                </a:solidFill>
+                <a:latin typeface="Consolas" panose="020B0609020204030204" pitchFamily="49" charset="0"/>
+              </a:rPr>
+              <a:t>  </a:t>
+            </a:r>
+            <a:r>
+              <a:rPr lang="en-US" sz="1200" dirty="0">
+                <a:solidFill>
+                  <a:srgbClr val="DCDCAA"/>
+                </a:solidFill>
+                <a:latin typeface="Consolas" panose="020B0609020204030204" pitchFamily="49" charset="0"/>
+              </a:rPr>
+              <a:t>it</a:t>
+            </a:r>
+            <a:r>
+              <a:rPr lang="en-US" sz="1200" dirty="0">
+                <a:solidFill>
+                  <a:srgbClr val="D4D4D4"/>
+                </a:solidFill>
+                <a:latin typeface="Consolas" panose="020B0609020204030204" pitchFamily="49" charset="0"/>
+              </a:rPr>
+              <a:t>(</a:t>
+            </a:r>
+            <a:r>
+              <a:rPr lang="en-US" sz="1200" dirty="0">
+                <a:solidFill>
+                  <a:srgbClr val="CE9178"/>
+                </a:solidFill>
+                <a:latin typeface="Consolas" panose="020B0609020204030204" pitchFamily="49" charset="0"/>
+              </a:rPr>
+              <a:t>"should return banana as favorite milkshake"</a:t>
+            </a:r>
+            <a:r>
+              <a:rPr lang="en-US" sz="1200" dirty="0">
+                <a:solidFill>
+                  <a:srgbClr val="D4D4D4"/>
+                </a:solidFill>
+                <a:latin typeface="Consolas" panose="020B0609020204030204" pitchFamily="49" charset="0"/>
+              </a:rPr>
+              <a:t>, () </a:t>
+            </a:r>
+            <a:r>
+              <a:rPr lang="en-US" sz="1200" dirty="0">
+                <a:solidFill>
+                  <a:srgbClr val="569CD6"/>
+                </a:solidFill>
+                <a:latin typeface="Consolas" panose="020B0609020204030204" pitchFamily="49" charset="0"/>
+              </a:rPr>
+              <a:t>=&gt;</a:t>
+            </a:r>
+            <a:r>
+              <a:rPr lang="en-US" sz="1200" dirty="0">
+                <a:solidFill>
+                  <a:srgbClr val="D4D4D4"/>
+                </a:solidFill>
+                <a:latin typeface="Consolas" panose="020B0609020204030204" pitchFamily="49" charset="0"/>
+              </a:rPr>
+              <a:t> {</a:t>
+            </a:r>
+          </a:p>
+          <a:p>
+            <a:pPr marL="228600" indent="-228600">
+              <a:buFont typeface="+mj-lt"/>
+              <a:buAutoNum type="arabicPeriod"/>
+            </a:pPr>
+            <a:r>
+              <a:rPr lang="en-US" sz="1200" dirty="0">
+                <a:solidFill>
+                  <a:srgbClr val="D4D4D4"/>
+                </a:solidFill>
+                <a:latin typeface="Consolas" panose="020B0609020204030204" pitchFamily="49" charset="0"/>
+              </a:rPr>
+              <a:t>    </a:t>
+            </a:r>
+            <a:r>
+              <a:rPr lang="en-US" sz="1200" dirty="0" err="1">
+                <a:solidFill>
+                  <a:srgbClr val="9CDCFE"/>
+                </a:solidFill>
+                <a:latin typeface="Consolas" panose="020B0609020204030204" pitchFamily="49" charset="0"/>
+              </a:rPr>
+              <a:t>mockGetFavoriteMilkShake</a:t>
+            </a:r>
+            <a:r>
+              <a:rPr lang="en-US" sz="1200" dirty="0" err="1">
+                <a:solidFill>
+                  <a:srgbClr val="D4D4D4"/>
+                </a:solidFill>
+                <a:latin typeface="Consolas" panose="020B0609020204030204" pitchFamily="49" charset="0"/>
+              </a:rPr>
+              <a:t>.</a:t>
+            </a:r>
+            <a:r>
+              <a:rPr lang="en-US" sz="1200" dirty="0" err="1">
+                <a:solidFill>
+                  <a:srgbClr val="DCDCAA"/>
+                </a:solidFill>
+                <a:latin typeface="Consolas" panose="020B0609020204030204" pitchFamily="49" charset="0"/>
+              </a:rPr>
+              <a:t>mockImplementation</a:t>
+            </a:r>
+            <a:r>
+              <a:rPr lang="en-US" sz="1200" dirty="0">
+                <a:solidFill>
+                  <a:srgbClr val="D4D4D4"/>
+                </a:solidFill>
+                <a:latin typeface="Consolas" panose="020B0609020204030204" pitchFamily="49" charset="0"/>
+              </a:rPr>
+              <a:t>(() </a:t>
+            </a:r>
+            <a:r>
+              <a:rPr lang="en-US" sz="1200" dirty="0">
+                <a:solidFill>
+                  <a:srgbClr val="569CD6"/>
+                </a:solidFill>
+                <a:latin typeface="Consolas" panose="020B0609020204030204" pitchFamily="49" charset="0"/>
+              </a:rPr>
+              <a:t>=&gt;</a:t>
+            </a:r>
+            <a:r>
+              <a:rPr lang="en-US" sz="1200" dirty="0">
+                <a:solidFill>
+                  <a:srgbClr val="D4D4D4"/>
+                </a:solidFill>
+                <a:latin typeface="Consolas" panose="020B0609020204030204" pitchFamily="49" charset="0"/>
+              </a:rPr>
+              <a:t> </a:t>
+            </a:r>
+            <a:r>
+              <a:rPr lang="en-US" sz="1200" dirty="0">
+                <a:solidFill>
+                  <a:srgbClr val="CE9178"/>
+                </a:solidFill>
+                <a:latin typeface="Consolas" panose="020B0609020204030204" pitchFamily="49" charset="0"/>
+              </a:rPr>
+              <a:t>"banana"</a:t>
+            </a:r>
+            <a:r>
+              <a:rPr lang="en-US" sz="1200" dirty="0">
+                <a:solidFill>
+                  <a:srgbClr val="D4D4D4"/>
+                </a:solidFill>
+                <a:latin typeface="Consolas" panose="020B0609020204030204" pitchFamily="49" charset="0"/>
+              </a:rPr>
+              <a:t>);</a:t>
+            </a:r>
+          </a:p>
+          <a:p>
+            <a:pPr marL="228600" indent="-228600">
+              <a:buFont typeface="+mj-lt"/>
+              <a:buAutoNum type="arabicPeriod"/>
+            </a:pPr>
+            <a:r>
+              <a:rPr lang="en-US" sz="1200" dirty="0">
+                <a:solidFill>
+                  <a:srgbClr val="D4D4D4"/>
+                </a:solidFill>
+                <a:latin typeface="Consolas" panose="020B0609020204030204" pitchFamily="49" charset="0"/>
+              </a:rPr>
+              <a:t>    </a:t>
+            </a:r>
+            <a:r>
+              <a:rPr lang="en-US" sz="1200" dirty="0">
+                <a:solidFill>
+                  <a:srgbClr val="DCDCAA"/>
+                </a:solidFill>
+                <a:latin typeface="Consolas" panose="020B0609020204030204" pitchFamily="49" charset="0"/>
+              </a:rPr>
+              <a:t>expect</a:t>
+            </a:r>
+            <a:r>
+              <a:rPr lang="en-US" sz="1200" dirty="0">
+                <a:solidFill>
+                  <a:srgbClr val="D4D4D4"/>
+                </a:solidFill>
+                <a:latin typeface="Consolas" panose="020B0609020204030204" pitchFamily="49" charset="0"/>
+              </a:rPr>
+              <a:t>(</a:t>
+            </a:r>
+            <a:r>
+              <a:rPr lang="en-US" sz="1200" dirty="0" err="1">
+                <a:solidFill>
+                  <a:srgbClr val="9CDCFE"/>
+                </a:solidFill>
+                <a:latin typeface="Consolas" panose="020B0609020204030204" pitchFamily="49" charset="0"/>
+              </a:rPr>
+              <a:t>frozenDrinks</a:t>
+            </a:r>
+            <a:r>
+              <a:rPr lang="en-US" sz="1200" dirty="0" err="1">
+                <a:solidFill>
+                  <a:srgbClr val="D4D4D4"/>
+                </a:solidFill>
+                <a:latin typeface="Consolas" panose="020B0609020204030204" pitchFamily="49" charset="0"/>
+              </a:rPr>
+              <a:t>.</a:t>
+            </a:r>
+            <a:r>
+              <a:rPr lang="en-US" sz="1200" dirty="0" err="1">
+                <a:solidFill>
+                  <a:srgbClr val="DCDCAA"/>
+                </a:solidFill>
+                <a:latin typeface="Consolas" panose="020B0609020204030204" pitchFamily="49" charset="0"/>
+              </a:rPr>
+              <a:t>getFavoriteMilkShake</a:t>
+            </a:r>
+            <a:r>
+              <a:rPr lang="en-US" sz="1200" dirty="0">
+                <a:solidFill>
+                  <a:srgbClr val="D4D4D4"/>
+                </a:solidFill>
+                <a:latin typeface="Consolas" panose="020B0609020204030204" pitchFamily="49" charset="0"/>
+              </a:rPr>
+              <a:t>().</a:t>
+            </a:r>
+            <a:r>
+              <a:rPr lang="en-US" sz="1200" dirty="0" err="1">
+                <a:solidFill>
+                  <a:srgbClr val="DCDCAA"/>
+                </a:solidFill>
+                <a:latin typeface="Consolas" panose="020B0609020204030204" pitchFamily="49" charset="0"/>
+              </a:rPr>
+              <a:t>toLowerCase</a:t>
+            </a:r>
+            <a:r>
+              <a:rPr lang="en-US" sz="1200" dirty="0">
+                <a:solidFill>
+                  <a:srgbClr val="D4D4D4"/>
+                </a:solidFill>
+                <a:latin typeface="Consolas" panose="020B0609020204030204" pitchFamily="49" charset="0"/>
+              </a:rPr>
+              <a:t>()).</a:t>
+            </a:r>
+            <a:r>
+              <a:rPr lang="en-US" sz="1200" dirty="0" err="1">
+                <a:solidFill>
+                  <a:srgbClr val="DCDCAA"/>
+                </a:solidFill>
+                <a:latin typeface="Consolas" panose="020B0609020204030204" pitchFamily="49" charset="0"/>
+              </a:rPr>
+              <a:t>toBe</a:t>
+            </a:r>
+            <a:r>
+              <a:rPr lang="en-US" sz="1200" dirty="0">
+                <a:solidFill>
+                  <a:srgbClr val="D4D4D4"/>
+                </a:solidFill>
+                <a:latin typeface="Consolas" panose="020B0609020204030204" pitchFamily="49" charset="0"/>
+              </a:rPr>
+              <a:t>(</a:t>
+            </a:r>
+            <a:r>
+              <a:rPr lang="en-US" sz="1200" dirty="0">
+                <a:solidFill>
+                  <a:srgbClr val="CE9178"/>
+                </a:solidFill>
+                <a:latin typeface="Consolas" panose="020B0609020204030204" pitchFamily="49" charset="0"/>
+              </a:rPr>
+              <a:t>"banana"</a:t>
+            </a:r>
+            <a:r>
+              <a:rPr lang="en-US" sz="1200" dirty="0">
+                <a:solidFill>
+                  <a:srgbClr val="D4D4D4"/>
+                </a:solidFill>
+                <a:latin typeface="Consolas" panose="020B0609020204030204" pitchFamily="49" charset="0"/>
+              </a:rPr>
+              <a:t>);</a:t>
+            </a:r>
+          </a:p>
+          <a:p>
+            <a:pPr marL="228600" indent="-228600">
+              <a:buFont typeface="+mj-lt"/>
+              <a:buAutoNum type="arabicPeriod"/>
+            </a:pPr>
+            <a:r>
+              <a:rPr lang="en-US" sz="1200" dirty="0">
+                <a:solidFill>
+                  <a:srgbClr val="D4D4D4"/>
+                </a:solidFill>
+                <a:latin typeface="Consolas" panose="020B0609020204030204" pitchFamily="49" charset="0"/>
+              </a:rPr>
+              <a:t>  });</a:t>
+            </a:r>
+          </a:p>
+          <a:p>
+            <a:pPr marL="228600" indent="-228600">
+              <a:buFont typeface="+mj-lt"/>
+              <a:buAutoNum type="arabicPeriod"/>
+            </a:pPr>
+            <a:r>
+              <a:rPr lang="en-US" sz="1200" dirty="0">
+                <a:solidFill>
+                  <a:srgbClr val="D4D4D4"/>
+                </a:solidFill>
+                <a:latin typeface="Consolas" panose="020B0609020204030204" pitchFamily="49" charset="0"/>
+              </a:rPr>
+              <a:t>});</a:t>
+            </a:r>
+            <a:endParaRPr lang="en-US" sz="1200" b="0" dirty="0">
+              <a:solidFill>
+                <a:srgbClr val="D4D4D4"/>
+              </a:solidFill>
+              <a:effectLst/>
+              <a:latin typeface="Consolas" panose="020B0609020204030204" pitchFamily="49" charset="0"/>
+            </a:endParaRPr>
+          </a:p>
+        </p:txBody>
+      </p:sp>
+      <p:sp>
+        <p:nvSpPr>
+          <p:cNvPr id="4" name="Rectangle 3">
+            <a:extLst>
+              <a:ext uri="{FF2B5EF4-FFF2-40B4-BE49-F238E27FC236}">
+                <a16:creationId xmlns:a16="http://schemas.microsoft.com/office/drawing/2014/main" id="{CF9B54E6-15F7-46D5-BF30-7A96B25AAF22}"/>
+              </a:ext>
+            </a:extLst>
+          </p:cNvPr>
+          <p:cNvSpPr/>
+          <p:nvPr/>
+        </p:nvSpPr>
+        <p:spPr>
+          <a:xfrm>
+            <a:off x="5664591" y="675025"/>
+            <a:ext cx="6484527" cy="1015663"/>
+          </a:xfrm>
+          <a:prstGeom prst="rect">
+            <a:avLst/>
+          </a:prstGeom>
+          <a:solidFill>
+            <a:schemeClr val="tx1"/>
+          </a:solidFill>
+        </p:spPr>
+        <p:txBody>
+          <a:bodyPr wrap="square">
+            <a:spAutoFit/>
+          </a:bodyPr>
+          <a:lstStyle/>
+          <a:p>
+            <a:r>
+              <a:rPr lang="en-US" sz="1200" dirty="0">
+                <a:solidFill>
+                  <a:srgbClr val="C586C0"/>
+                </a:solidFill>
+                <a:latin typeface="Consolas" panose="020B0609020204030204" pitchFamily="49" charset="0"/>
+              </a:rPr>
+              <a:t>export</a:t>
+            </a:r>
+            <a:r>
+              <a:rPr lang="en-US" sz="1200" dirty="0">
+                <a:solidFill>
+                  <a:srgbClr val="D4D4D4"/>
+                </a:solidFill>
+                <a:latin typeface="Consolas" panose="020B0609020204030204" pitchFamily="49" charset="0"/>
+              </a:rPr>
+              <a:t> </a:t>
+            </a:r>
+            <a:r>
+              <a:rPr lang="en-US" sz="1200" dirty="0">
+                <a:solidFill>
+                  <a:srgbClr val="569CD6"/>
+                </a:solidFill>
+                <a:latin typeface="Consolas" panose="020B0609020204030204" pitchFamily="49" charset="0"/>
+              </a:rPr>
+              <a:t>class</a:t>
+            </a:r>
+            <a:r>
+              <a:rPr lang="en-US" sz="1200" dirty="0">
+                <a:solidFill>
+                  <a:srgbClr val="D4D4D4"/>
+                </a:solidFill>
+                <a:latin typeface="Consolas" panose="020B0609020204030204" pitchFamily="49" charset="0"/>
+              </a:rPr>
+              <a:t> </a:t>
+            </a:r>
+            <a:r>
+              <a:rPr lang="en-US" sz="1200" dirty="0" err="1">
+                <a:solidFill>
+                  <a:srgbClr val="4EC9B0"/>
+                </a:solidFill>
+                <a:latin typeface="Consolas" panose="020B0609020204030204" pitchFamily="49" charset="0"/>
+              </a:rPr>
+              <a:t>FrozenDrinks</a:t>
+            </a:r>
+            <a:r>
+              <a:rPr lang="en-US" sz="1200" dirty="0">
+                <a:solidFill>
+                  <a:srgbClr val="D4D4D4"/>
+                </a:solidFill>
+                <a:latin typeface="Consolas" panose="020B0609020204030204" pitchFamily="49" charset="0"/>
+              </a:rPr>
+              <a:t> {</a:t>
+            </a:r>
+          </a:p>
+          <a:p>
+            <a:r>
+              <a:rPr lang="en-US" sz="1200" dirty="0">
+                <a:solidFill>
+                  <a:srgbClr val="D4D4D4"/>
+                </a:solidFill>
+                <a:latin typeface="Consolas" panose="020B0609020204030204" pitchFamily="49" charset="0"/>
+              </a:rPr>
+              <a:t>  </a:t>
+            </a:r>
+            <a:r>
+              <a:rPr lang="en-US" sz="1200" dirty="0" err="1">
+                <a:solidFill>
+                  <a:srgbClr val="DCDCAA"/>
+                </a:solidFill>
+                <a:latin typeface="Consolas" panose="020B0609020204030204" pitchFamily="49" charset="0"/>
+              </a:rPr>
+              <a:t>getFavoriteMilkShake</a:t>
+            </a:r>
+            <a:r>
+              <a:rPr lang="en-US" sz="1200" dirty="0">
+                <a:solidFill>
+                  <a:srgbClr val="D4D4D4"/>
+                </a:solidFill>
+                <a:latin typeface="Consolas" panose="020B0609020204030204" pitchFamily="49" charset="0"/>
+              </a:rPr>
+              <a:t> = () </a:t>
+            </a:r>
+            <a:r>
+              <a:rPr lang="en-US" sz="1200" dirty="0">
+                <a:solidFill>
+                  <a:srgbClr val="569CD6"/>
+                </a:solidFill>
+                <a:latin typeface="Consolas" panose="020B0609020204030204" pitchFamily="49" charset="0"/>
+              </a:rPr>
+              <a:t>=&gt;</a:t>
+            </a:r>
+            <a:r>
+              <a:rPr lang="en-US" sz="1200" dirty="0">
+                <a:solidFill>
+                  <a:srgbClr val="D4D4D4"/>
+                </a:solidFill>
+                <a:latin typeface="Consolas" panose="020B0609020204030204" pitchFamily="49" charset="0"/>
+              </a:rPr>
+              <a:t> {</a:t>
+            </a:r>
+          </a:p>
+          <a:p>
+            <a:r>
+              <a:rPr lang="en-US" sz="1200" dirty="0">
+                <a:solidFill>
+                  <a:srgbClr val="D4D4D4"/>
+                </a:solidFill>
+                <a:latin typeface="Consolas" panose="020B0609020204030204" pitchFamily="49" charset="0"/>
+              </a:rPr>
+              <a:t>    </a:t>
+            </a:r>
+            <a:r>
+              <a:rPr lang="en-US" sz="1200" dirty="0">
+                <a:solidFill>
+                  <a:srgbClr val="C586C0"/>
+                </a:solidFill>
+                <a:latin typeface="Consolas" panose="020B0609020204030204" pitchFamily="49" charset="0"/>
+              </a:rPr>
+              <a:t>return</a:t>
+            </a:r>
+            <a:r>
+              <a:rPr lang="en-US" sz="1200" dirty="0">
+                <a:solidFill>
+                  <a:srgbClr val="D4D4D4"/>
+                </a:solidFill>
+                <a:latin typeface="Consolas" panose="020B0609020204030204" pitchFamily="49" charset="0"/>
+              </a:rPr>
+              <a:t> </a:t>
+            </a:r>
+            <a:r>
+              <a:rPr lang="en-US" sz="1200" dirty="0">
+                <a:solidFill>
+                  <a:srgbClr val="CE9178"/>
+                </a:solidFill>
+                <a:latin typeface="Consolas" panose="020B0609020204030204" pitchFamily="49" charset="0"/>
+              </a:rPr>
+              <a:t>"Strawberry"</a:t>
+            </a:r>
+            <a:r>
+              <a:rPr lang="en-US" sz="1200" dirty="0">
+                <a:solidFill>
+                  <a:srgbClr val="D4D4D4"/>
+                </a:solidFill>
+                <a:latin typeface="Consolas" panose="020B0609020204030204" pitchFamily="49" charset="0"/>
+              </a:rPr>
+              <a:t>;</a:t>
+            </a:r>
+          </a:p>
+          <a:p>
+            <a:r>
+              <a:rPr lang="en-US" sz="1200" dirty="0">
+                <a:solidFill>
+                  <a:srgbClr val="D4D4D4"/>
+                </a:solidFill>
+                <a:latin typeface="Consolas" panose="020B0609020204030204" pitchFamily="49" charset="0"/>
+              </a:rPr>
+              <a:t>  };</a:t>
+            </a:r>
+          </a:p>
+          <a:p>
+            <a:r>
+              <a:rPr lang="en-US" sz="1200" dirty="0">
+                <a:solidFill>
+                  <a:srgbClr val="D4D4D4"/>
+                </a:solidFill>
+                <a:latin typeface="Consolas" panose="020B0609020204030204" pitchFamily="49" charset="0"/>
+              </a:rPr>
+              <a:t>}</a:t>
+            </a:r>
           </a:p>
         </p:txBody>
       </p:sp>
@@ -6959,13 +7540,13 @@
   <p:clrMapOvr>
     <a:masterClrMapping/>
   </p:clrMapOvr>
-  <mc:AlternateContent xmlns:mc="http://schemas.openxmlformats.org/markup-compatibility/2006">
-    <mc:Choice xmlns:p14="http://schemas.microsoft.com/office/powerpoint/2010/main" Requires="p14">
+  <mc:AlternateContent xmlns:mc="http://schemas.openxmlformats.org/markup-compatibility/2006" xmlns:p14="http://schemas.microsoft.com/office/powerpoint/2010/main">
+    <mc:Choice Requires="p14">
       <p:transition spd="med" p14:dur="700">
         <p:fade/>
       </p:transition>
     </mc:Choice>
-    <mc:Fallback>
+    <mc:Fallback xmlns="">
       <p:transition spd="med">
         <p:fade/>
       </p:transition>
@@ -7886,13 +8467,13 @@
         </p:nvSpPr>
         <p:spPr>
           <a:xfrm>
-            <a:off x="569489" y="5978656"/>
+            <a:off x="156754" y="5023603"/>
             <a:ext cx="2186827" cy="614560"/>
           </a:xfrm>
           <a:prstGeom prst="wedgeRectCallout">
             <a:avLst>
-              <a:gd name="adj1" fmla="val 56140"/>
-              <a:gd name="adj2" fmla="val -182370"/>
+              <a:gd name="adj1" fmla="val 67719"/>
+              <a:gd name="adj2" fmla="val -24424"/>
             </a:avLst>
           </a:prstGeom>
           <a:effectLst>
@@ -8168,13 +8749,13 @@
   <p:clrMapOvr>
     <a:masterClrMapping/>
   </p:clrMapOvr>
-  <mc:AlternateContent xmlns:mc="http://schemas.openxmlformats.org/markup-compatibility/2006">
-    <mc:Choice xmlns:p14="http://schemas.microsoft.com/office/powerpoint/2010/main" Requires="p14">
+  <mc:AlternateContent xmlns:mc="http://schemas.openxmlformats.org/markup-compatibility/2006" xmlns:p14="http://schemas.microsoft.com/office/powerpoint/2010/main">
+    <mc:Choice Requires="p14">
       <p:transition spd="med" p14:dur="700">
         <p:fade/>
       </p:transition>
     </mc:Choice>
-    <mc:Fallback>
+    <mc:Fallback xmlns="">
       <p:transition spd="med">
         <p:fade/>
       </p:transition>
@@ -9121,13 +9702,13 @@
   <p:clrMapOvr>
     <a:masterClrMapping/>
   </p:clrMapOvr>
-  <mc:AlternateContent xmlns:mc="http://schemas.openxmlformats.org/markup-compatibility/2006">
-    <mc:Choice xmlns:p14="http://schemas.microsoft.com/office/powerpoint/2010/main" Requires="p14">
+  <mc:AlternateContent xmlns:mc="http://schemas.openxmlformats.org/markup-compatibility/2006" xmlns:p14="http://schemas.microsoft.com/office/powerpoint/2010/main">
+    <mc:Choice Requires="p14">
       <p:transition spd="med" p14:dur="700">
         <p:fade/>
       </p:transition>
     </mc:Choice>
-    <mc:Fallback>
+    <mc:Fallback xmlns="">
       <p:transition spd="med">
         <p:fade/>
       </p:transition>
@@ -11208,13 +11789,13 @@
   <p:clrMapOvr>
     <a:masterClrMapping/>
   </p:clrMapOvr>
-  <mc:AlternateContent xmlns:mc="http://schemas.openxmlformats.org/markup-compatibility/2006">
-    <mc:Choice xmlns:p14="http://schemas.microsoft.com/office/powerpoint/2010/main" Requires="p14">
+  <mc:AlternateContent xmlns:mc="http://schemas.openxmlformats.org/markup-compatibility/2006" xmlns:p14="http://schemas.microsoft.com/office/powerpoint/2010/main">
+    <mc:Choice Requires="p14">
       <p:transition spd="med" p14:dur="700">
         <p:fade/>
       </p:transition>
     </mc:Choice>
-    <mc:Fallback>
+    <mc:Fallback xmlns="">
       <p:transition spd="med">
         <p:fade/>
       </p:transition>
@@ -12082,13 +12663,13 @@
   <p:clrMapOvr>
     <a:masterClrMapping/>
   </p:clrMapOvr>
-  <mc:AlternateContent xmlns:mc="http://schemas.openxmlformats.org/markup-compatibility/2006">
-    <mc:Choice xmlns:p14="http://schemas.microsoft.com/office/powerpoint/2010/main" Requires="p14">
+  <mc:AlternateContent xmlns:mc="http://schemas.openxmlformats.org/markup-compatibility/2006" xmlns:p14="http://schemas.microsoft.com/office/powerpoint/2010/main">
+    <mc:Choice Requires="p14">
       <p:transition spd="med" p14:dur="700">
         <p:fade/>
       </p:transition>
     </mc:Choice>
-    <mc:Fallback>
+    <mc:Fallback xmlns="">
       <p:transition spd="med">
         <p:fade/>
       </p:transition>
@@ -13354,13 +13935,13 @@
   <p:clrMapOvr>
     <a:masterClrMapping/>
   </p:clrMapOvr>
-  <mc:AlternateContent xmlns:mc="http://schemas.openxmlformats.org/markup-compatibility/2006">
-    <mc:Choice xmlns:p14="http://schemas.microsoft.com/office/powerpoint/2010/main" Requires="p14">
+  <mc:AlternateContent xmlns:mc="http://schemas.openxmlformats.org/markup-compatibility/2006" xmlns:p14="http://schemas.microsoft.com/office/powerpoint/2010/main">
+    <mc:Choice Requires="p14">
       <p:transition spd="med" p14:dur="700">
         <p:fade/>
       </p:transition>
     </mc:Choice>
-    <mc:Fallback>
+    <mc:Fallback xmlns="">
       <p:transition spd="med">
         <p:fade/>
       </p:transition>
@@ -13710,13 +14291,13 @@
   <p:clrMapOvr>
     <a:masterClrMapping/>
   </p:clrMapOvr>
-  <mc:AlternateContent xmlns:mc="http://schemas.openxmlformats.org/markup-compatibility/2006">
-    <mc:Choice xmlns:p14="http://schemas.microsoft.com/office/powerpoint/2010/main" Requires="p14">
+  <mc:AlternateContent xmlns:mc="http://schemas.openxmlformats.org/markup-compatibility/2006" xmlns:p14="http://schemas.microsoft.com/office/powerpoint/2010/main">
+    <mc:Choice Requires="p14">
       <p:transition spd="med" p14:dur="700">
         <p:fade/>
       </p:transition>
     </mc:Choice>
-    <mc:Fallback>
+    <mc:Fallback xmlns="">
       <p:transition spd="med">
         <p:fade/>
       </p:transition>
@@ -13973,13 +14554,13 @@
   <p:clrMapOvr>
     <a:masterClrMapping/>
   </p:clrMapOvr>
-  <mc:AlternateContent xmlns:mc="http://schemas.openxmlformats.org/markup-compatibility/2006">
-    <mc:Choice xmlns:p14="http://schemas.microsoft.com/office/powerpoint/2010/main" Requires="p14">
+  <mc:AlternateContent xmlns:mc="http://schemas.openxmlformats.org/markup-compatibility/2006" xmlns:p14="http://schemas.microsoft.com/office/powerpoint/2010/main">
+    <mc:Choice Requires="p14">
       <p:transition spd="med" p14:dur="700">
         <p:fade/>
       </p:transition>
     </mc:Choice>
-    <mc:Fallback>
+    <mc:Fallback xmlns="">
       <p:transition spd="med">
         <p:fade/>
       </p:transition>
@@ -14516,13 +15097,13 @@
   <p:clrMapOvr>
     <a:masterClrMapping/>
   </p:clrMapOvr>
-  <mc:AlternateContent xmlns:mc="http://schemas.openxmlformats.org/markup-compatibility/2006">
-    <mc:Choice xmlns:p14="http://schemas.microsoft.com/office/powerpoint/2010/main" Requires="p14">
+  <mc:AlternateContent xmlns:mc="http://schemas.openxmlformats.org/markup-compatibility/2006" xmlns:p14="http://schemas.microsoft.com/office/powerpoint/2010/main">
+    <mc:Choice Requires="p14">
       <p:transition spd="med" p14:dur="700">
         <p:fade/>
       </p:transition>
     </mc:Choice>
-    <mc:Fallback>
+    <mc:Fallback xmlns="">
       <p:transition spd="med">
         <p:fade/>
       </p:transition>
@@ -14728,13 +15309,13 @@
   <p:clrMapOvr>
     <a:masterClrMapping/>
   </p:clrMapOvr>
-  <mc:AlternateContent xmlns:mc="http://schemas.openxmlformats.org/markup-compatibility/2006">
-    <mc:Choice xmlns:p14="http://schemas.microsoft.com/office/powerpoint/2010/main" Requires="p14">
+  <mc:AlternateContent xmlns:mc="http://schemas.openxmlformats.org/markup-compatibility/2006" xmlns:p14="http://schemas.microsoft.com/office/powerpoint/2010/main">
+    <mc:Choice Requires="p14">
       <p:transition spd="med" p14:dur="700">
         <p:fade/>
       </p:transition>
     </mc:Choice>
-    <mc:Fallback>
+    <mc:Fallback xmlns="">
       <p:transition spd="med">
         <p:fade/>
       </p:transition>
@@ -16095,13 +16676,13 @@
   <p:clrMapOvr>
     <a:masterClrMapping/>
   </p:clrMapOvr>
-  <mc:AlternateContent xmlns:mc="http://schemas.openxmlformats.org/markup-compatibility/2006">
-    <mc:Choice xmlns:p14="http://schemas.microsoft.com/office/powerpoint/2010/main" Requires="p14">
+  <mc:AlternateContent xmlns:mc="http://schemas.openxmlformats.org/markup-compatibility/2006" xmlns:p14="http://schemas.microsoft.com/office/powerpoint/2010/main">
+    <mc:Choice Requires="p14">
       <p:transition spd="med" p14:dur="700">
         <p:fade/>
       </p:transition>
     </mc:Choice>
-    <mc:Fallback>
+    <mc:Fallback xmlns="">
       <p:transition spd="med">
         <p:fade/>
       </p:transition>
@@ -17127,13 +17708,13 @@
   <p:clrMapOvr>
     <a:masterClrMapping/>
   </p:clrMapOvr>
-  <mc:AlternateContent xmlns:mc="http://schemas.openxmlformats.org/markup-compatibility/2006">
-    <mc:Choice xmlns:p14="http://schemas.microsoft.com/office/powerpoint/2010/main" Requires="p14">
+  <mc:AlternateContent xmlns:mc="http://schemas.openxmlformats.org/markup-compatibility/2006" xmlns:p14="http://schemas.microsoft.com/office/powerpoint/2010/main">
+    <mc:Choice Requires="p14">
       <p:transition spd="med" p14:dur="700">
         <p:fade/>
       </p:transition>
     </mc:Choice>
-    <mc:Fallback>
+    <mc:Fallback xmlns="">
       <p:transition spd="med">
         <p:fade/>
       </p:transition>
@@ -18016,13 +18597,13 @@
   <p:clrMapOvr>
     <a:masterClrMapping/>
   </p:clrMapOvr>
-  <mc:AlternateContent xmlns:mc="http://schemas.openxmlformats.org/markup-compatibility/2006">
-    <mc:Choice xmlns:p14="http://schemas.microsoft.com/office/powerpoint/2010/main" Requires="p14">
+  <mc:AlternateContent xmlns:mc="http://schemas.openxmlformats.org/markup-compatibility/2006" xmlns:p14="http://schemas.microsoft.com/office/powerpoint/2010/main">
+    <mc:Choice Requires="p14">
       <p:transition spd="med" p14:dur="700">
         <p:fade/>
       </p:transition>
     </mc:Choice>
-    <mc:Fallback>
+    <mc:Fallback xmlns="">
       <p:transition spd="med">
         <p:fade/>
       </p:transition>
@@ -18759,13 +19340,13 @@
   <p:clrMapOvr>
     <a:masterClrMapping/>
   </p:clrMapOvr>
-  <mc:AlternateContent xmlns:mc="http://schemas.openxmlformats.org/markup-compatibility/2006">
-    <mc:Choice xmlns:p14="http://schemas.microsoft.com/office/powerpoint/2010/main" Requires="p14">
+  <mc:AlternateContent xmlns:mc="http://schemas.openxmlformats.org/markup-compatibility/2006" xmlns:p14="http://schemas.microsoft.com/office/powerpoint/2010/main">
+    <mc:Choice Requires="p14">
       <p:transition spd="med" p14:dur="700">
         <p:fade/>
       </p:transition>
     </mc:Choice>
-    <mc:Fallback>
+    <mc:Fallback xmlns="">
       <p:transition spd="med">
         <p:fade/>
       </p:transition>
@@ -20794,13 +21375,13 @@
   <p:clrMapOvr>
     <a:masterClrMapping/>
   </p:clrMapOvr>
-  <mc:AlternateContent xmlns:mc="http://schemas.openxmlformats.org/markup-compatibility/2006">
-    <mc:Choice xmlns:p14="http://schemas.microsoft.com/office/powerpoint/2010/main" Requires="p14">
+  <mc:AlternateContent xmlns:mc="http://schemas.openxmlformats.org/markup-compatibility/2006" xmlns:p14="http://schemas.microsoft.com/office/powerpoint/2010/main">
+    <mc:Choice Requires="p14">
       <p:transition spd="med" p14:dur="700">
         <p:fade/>
       </p:transition>
     </mc:Choice>
-    <mc:Fallback>
+    <mc:Fallback xmlns="">
       <p:transition spd="med">
         <p:fade/>
       </p:transition>

--- a/TestingPresentation.pptx
+++ b/TestingPresentation.pptx
@@ -215,7 +215,7 @@
           <a:p>
             <a:fld id="{22BAD95D-E7B8-476B-9D68-E0DC67AF4020}" type="datetimeFigureOut">
               <a:rPr lang="en-US" smtClean="0"/>
-              <a:t>2/18/2020</a:t>
+              <a:t>2/19/20</a:t>
             </a:fld>
             <a:endParaRPr lang="en-US"/>
           </a:p>
@@ -2709,7 +2709,7 @@
           <a:p>
             <a:fld id="{77B404CD-F463-4AED-8CEA-6C70E5CC99DF}" type="datetimeFigureOut">
               <a:rPr lang="en-US" smtClean="0"/>
-              <a:t>2/18/2020</a:t>
+              <a:t>2/19/20</a:t>
             </a:fld>
             <a:endParaRPr lang="en-US"/>
           </a:p>
@@ -2907,7 +2907,7 @@
           <a:p>
             <a:fld id="{77B404CD-F463-4AED-8CEA-6C70E5CC99DF}" type="datetimeFigureOut">
               <a:rPr lang="en-US" smtClean="0"/>
-              <a:t>2/18/2020</a:t>
+              <a:t>2/19/20</a:t>
             </a:fld>
             <a:endParaRPr lang="en-US"/>
           </a:p>
@@ -3115,7 +3115,7 @@
           <a:p>
             <a:fld id="{77B404CD-F463-4AED-8CEA-6C70E5CC99DF}" type="datetimeFigureOut">
               <a:rPr lang="en-US" smtClean="0"/>
-              <a:t>2/18/2020</a:t>
+              <a:t>2/19/20</a:t>
             </a:fld>
             <a:endParaRPr lang="en-US"/>
           </a:p>
@@ -3313,7 +3313,7 @@
           <a:p>
             <a:fld id="{77B404CD-F463-4AED-8CEA-6C70E5CC99DF}" type="datetimeFigureOut">
               <a:rPr lang="en-US" smtClean="0"/>
-              <a:t>2/18/2020</a:t>
+              <a:t>2/19/20</a:t>
             </a:fld>
             <a:endParaRPr lang="en-US"/>
           </a:p>
@@ -3588,7 +3588,7 @@
           <a:p>
             <a:fld id="{77B404CD-F463-4AED-8CEA-6C70E5CC99DF}" type="datetimeFigureOut">
               <a:rPr lang="en-US" smtClean="0"/>
-              <a:t>2/18/2020</a:t>
+              <a:t>2/19/20</a:t>
             </a:fld>
             <a:endParaRPr lang="en-US"/>
           </a:p>
@@ -3853,7 +3853,7 @@
           <a:p>
             <a:fld id="{77B404CD-F463-4AED-8CEA-6C70E5CC99DF}" type="datetimeFigureOut">
               <a:rPr lang="en-US" smtClean="0"/>
-              <a:t>2/18/2020</a:t>
+              <a:t>2/19/20</a:t>
             </a:fld>
             <a:endParaRPr lang="en-US"/>
           </a:p>
@@ -4265,7 +4265,7 @@
           <a:p>
             <a:fld id="{77B404CD-F463-4AED-8CEA-6C70E5CC99DF}" type="datetimeFigureOut">
               <a:rPr lang="en-US" smtClean="0"/>
-              <a:t>2/18/2020</a:t>
+              <a:t>2/19/20</a:t>
             </a:fld>
             <a:endParaRPr lang="en-US"/>
           </a:p>
@@ -4406,7 +4406,7 @@
           <a:p>
             <a:fld id="{77B404CD-F463-4AED-8CEA-6C70E5CC99DF}" type="datetimeFigureOut">
               <a:rPr lang="en-US" smtClean="0"/>
-              <a:t>2/18/2020</a:t>
+              <a:t>2/19/20</a:t>
             </a:fld>
             <a:endParaRPr lang="en-US"/>
           </a:p>
@@ -4519,7 +4519,7 @@
           <a:p>
             <a:fld id="{77B404CD-F463-4AED-8CEA-6C70E5CC99DF}" type="datetimeFigureOut">
               <a:rPr lang="en-US" smtClean="0"/>
-              <a:t>2/18/2020</a:t>
+              <a:t>2/19/20</a:t>
             </a:fld>
             <a:endParaRPr lang="en-US"/>
           </a:p>
@@ -4830,7 +4830,7 @@
           <a:p>
             <a:fld id="{77B404CD-F463-4AED-8CEA-6C70E5CC99DF}" type="datetimeFigureOut">
               <a:rPr lang="en-US" smtClean="0"/>
-              <a:t>2/18/2020</a:t>
+              <a:t>2/19/20</a:t>
             </a:fld>
             <a:endParaRPr lang="en-US"/>
           </a:p>
@@ -5118,7 +5118,7 @@
           <a:p>
             <a:fld id="{77B404CD-F463-4AED-8CEA-6C70E5CC99DF}" type="datetimeFigureOut">
               <a:rPr lang="en-US" smtClean="0"/>
-              <a:t>2/18/2020</a:t>
+              <a:t>2/19/20</a:t>
             </a:fld>
             <a:endParaRPr lang="en-US"/>
           </a:p>
@@ -5359,7 +5359,7 @@
           <a:p>
             <a:fld id="{77B404CD-F463-4AED-8CEA-6C70E5CC99DF}" type="datetimeFigureOut">
               <a:rPr lang="en-US" smtClean="0"/>
-              <a:t>2/18/2020</a:t>
+              <a:t>2/19/20</a:t>
             </a:fld>
             <a:endParaRPr lang="en-US"/>
           </a:p>
@@ -14370,7 +14370,7 @@
         <p:spPr/>
         <p:txBody>
           <a:bodyPr>
-            <a:normAutofit/>
+            <a:normAutofit lnSpcReduction="10000"/>
           </a:bodyPr>
           <a:lstStyle/>
           <a:p>
@@ -14445,19 +14445,20 @@
               <a:rPr lang="en-US" dirty="0">
                 <a:hlinkClick r:id="rId6"/>
               </a:rPr>
-              <a:t>Kent C. </a:t>
-            </a:r>
-            <a:r>
-              <a:rPr lang="en-US" dirty="0" err="1">
-                <a:hlinkClick r:id="rId6"/>
-              </a:rPr>
-              <a:t>Dodds</a:t>
-            </a:r>
-            <a:r>
-              <a:rPr lang="en-US" dirty="0">
-                <a:hlinkClick r:id="rId6"/>
-              </a:rPr>
-              <a:t>’</a:t>
+              <a:t>Kent C. Dodds</a:t>
+            </a:r>
+            <a:r>
+              <a:rPr lang="en-US" dirty="0"/>
+              <a:t> – multiple blog posts on testing</a:t>
+            </a:r>
+          </a:p>
+          <a:p>
+            <a:pPr lvl="1"/>
+            <a:r>
+              <a:rPr lang="en-US" u="sng" dirty="0">
+                <a:hlinkClick r:id="rId7"/>
+              </a:rPr>
+              <a:t>Integration Testing a Chat Component Using native-testing-library</a:t>
             </a:r>
             <a:endParaRPr lang="en-US" dirty="0"/>
           </a:p>
@@ -14471,7 +14472,7 @@
             <a:pPr lvl="1"/>
             <a:r>
               <a:rPr lang="en-US" dirty="0">
-                <a:hlinkClick r:id="rId7"/>
+                <a:hlinkClick r:id="rId8"/>
               </a:rPr>
               <a:t>Jest</a:t>
             </a:r>
@@ -14481,7 +14482,7 @@
             <a:pPr lvl="1"/>
             <a:r>
               <a:rPr lang="en-US" dirty="0">
-                <a:hlinkClick r:id="rId8"/>
+                <a:hlinkClick r:id="rId9"/>
               </a:rPr>
               <a:t>Jest Snippets</a:t>
             </a:r>
@@ -14512,8 +14513,8 @@
         </p:nvSpPr>
         <p:spPr>
           <a:xfrm>
-            <a:off x="7821975" y="5447853"/>
-            <a:ext cx="4043928" cy="1200329"/>
+            <a:off x="7720070" y="5657671"/>
+            <a:ext cx="4471930" cy="1200329"/>
           </a:xfrm>
           <a:prstGeom prst="rect">
             <a:avLst/>
@@ -14539,7 +14540,7 @@
                   <a:srgbClr val="002060"/>
                 </a:solidFill>
               </a:rPr>
-              <a:t>Questions</a:t>
+              <a:t>Questions?</a:t>
             </a:r>
           </a:p>
         </p:txBody>
